--- a/rough-diag.pptx
+++ b/rough-diag.pptx
@@ -5,7 +5,7 @@
     <p:sldMasterId id="2147483648" r:id="rId1"/>
   </p:sldMasterIdLst>
   <p:notesMasterIdLst>
-    <p:notesMasterId r:id="rId8"/>
+    <p:notesMasterId r:id="rId19"/>
   </p:notesMasterIdLst>
   <p:sldIdLst>
     <p:sldId id="712" r:id="rId2"/>
@@ -14,6 +14,17 @@
     <p:sldId id="716" r:id="rId5"/>
     <p:sldId id="717" r:id="rId6"/>
     <p:sldId id="718" r:id="rId7"/>
+    <p:sldId id="719" r:id="rId8"/>
+    <p:sldId id="720" r:id="rId9"/>
+    <p:sldId id="721" r:id="rId10"/>
+    <p:sldId id="722" r:id="rId11"/>
+    <p:sldId id="723" r:id="rId12"/>
+    <p:sldId id="724" r:id="rId13"/>
+    <p:sldId id="725" r:id="rId14"/>
+    <p:sldId id="726" r:id="rId15"/>
+    <p:sldId id="727" r:id="rId16"/>
+    <p:sldId id="728" r:id="rId17"/>
+    <p:sldId id="729" r:id="rId18"/>
   </p:sldIdLst>
   <p:sldSz cx="9144000" cy="5715000" type="screen16x10"/>
   <p:notesSz cx="6858000" cy="9144000"/>
@@ -3783,6 +3794,5724 @@
 </p:sld>
 </file>
 
+<file path=ppt/slides/slide10.xml><?xml version="1.0" encoding="utf-8"?>
+<p:sld xmlns:a="http://schemas.openxmlformats.org/drawingml/2006/main" xmlns:r="http://schemas.openxmlformats.org/officeDocument/2006/relationships" xmlns:p="http://schemas.openxmlformats.org/presentationml/2006/main">
+  <p:cSld>
+    <p:spTree>
+      <p:nvGrpSpPr>
+        <p:cNvPr id="1" name=""/>
+        <p:cNvGrpSpPr/>
+        <p:nvPr/>
+      </p:nvGrpSpPr>
+      <p:grpSpPr>
+        <a:xfrm>
+          <a:off x="0" y="0"/>
+          <a:ext cx="0" cy="0"/>
+          <a:chOff x="0" y="0"/>
+          <a:chExt cx="0" cy="0"/>
+        </a:xfrm>
+      </p:grpSpPr>
+      <p:sp>
+        <p:nvSpPr>
+          <p:cNvPr id="2" name="Rectangle 1"/>
+          <p:cNvSpPr/>
+          <p:nvPr/>
+        </p:nvSpPr>
+        <p:spPr>
+          <a:xfrm>
+            <a:off x="2362200" y="342900"/>
+            <a:ext cx="6172200" cy="4724400"/>
+          </a:xfrm>
+          <a:prstGeom prst="rect">
+            <a:avLst/>
+          </a:prstGeom>
+          <a:noFill/>
+        </p:spPr>
+        <p:style>
+          <a:lnRef idx="2">
+            <a:schemeClr val="accent1">
+              <a:shade val="50000"/>
+            </a:schemeClr>
+          </a:lnRef>
+          <a:fillRef idx="1">
+            <a:schemeClr val="accent1"/>
+          </a:fillRef>
+          <a:effectRef idx="0">
+            <a:schemeClr val="accent1"/>
+          </a:effectRef>
+          <a:fontRef idx="minor">
+            <a:schemeClr val="lt1"/>
+          </a:fontRef>
+        </p:style>
+        <p:txBody>
+          <a:bodyPr rtlCol="0" anchor="ctr"/>
+          <a:lstStyle/>
+          <a:p>
+            <a:pPr algn="ctr"/>
+            <a:endParaRPr lang="en-US"/>
+          </a:p>
+        </p:txBody>
+      </p:sp>
+      <p:sp>
+        <p:nvSpPr>
+          <p:cNvPr id="3" name="TextBox 2"/>
+          <p:cNvSpPr txBox="1"/>
+          <p:nvPr/>
+        </p:nvSpPr>
+        <p:spPr>
+          <a:xfrm>
+            <a:off x="2362200" y="342900"/>
+            <a:ext cx="2645532" cy="369332"/>
+          </a:xfrm>
+          <a:prstGeom prst="rect">
+            <a:avLst/>
+          </a:prstGeom>
+          <a:noFill/>
+        </p:spPr>
+        <p:txBody>
+          <a:bodyPr wrap="none" rtlCol="0">
+            <a:spAutoFit/>
+          </a:bodyPr>
+          <a:lstStyle/>
+          <a:p>
+            <a:r>
+              <a:rPr lang="en-US" dirty="0" err="1" smtClean="0"/>
+              <a:t>Minikube</a:t>
+            </a:r>
+            <a:r>
+              <a:rPr lang="en-US" dirty="0" smtClean="0"/>
+              <a:t>: 192.168.99.100</a:t>
+            </a:r>
+            <a:endParaRPr lang="en-US" dirty="0"/>
+          </a:p>
+        </p:txBody>
+      </p:sp>
+      <p:sp>
+        <p:nvSpPr>
+          <p:cNvPr id="4" name="TextBox 3"/>
+          <p:cNvSpPr txBox="1"/>
+          <p:nvPr/>
+        </p:nvSpPr>
+        <p:spPr>
+          <a:xfrm>
+            <a:off x="6477000" y="3771900"/>
+            <a:ext cx="428322" cy="369332"/>
+          </a:xfrm>
+          <a:prstGeom prst="rect">
+            <a:avLst/>
+          </a:prstGeom>
+          <a:noFill/>
+        </p:spPr>
+        <p:txBody>
+          <a:bodyPr wrap="none" rtlCol="0">
+            <a:spAutoFit/>
+          </a:bodyPr>
+          <a:lstStyle/>
+          <a:p>
+            <a:r>
+              <a:rPr lang="en-US" dirty="0" smtClean="0"/>
+              <a:t>db</a:t>
+            </a:r>
+            <a:endParaRPr lang="en-US" dirty="0"/>
+          </a:p>
+        </p:txBody>
+      </p:sp>
+      <p:sp>
+        <p:nvSpPr>
+          <p:cNvPr id="5" name="TextBox 4"/>
+          <p:cNvSpPr txBox="1"/>
+          <p:nvPr/>
+        </p:nvSpPr>
+        <p:spPr>
+          <a:xfrm>
+            <a:off x="3962400" y="3848100"/>
+            <a:ext cx="466794" cy="369332"/>
+          </a:xfrm>
+          <a:prstGeom prst="rect">
+            <a:avLst/>
+          </a:prstGeom>
+          <a:noFill/>
+        </p:spPr>
+        <p:txBody>
+          <a:bodyPr wrap="none" rtlCol="0">
+            <a:spAutoFit/>
+          </a:bodyPr>
+          <a:lstStyle/>
+          <a:p>
+            <a:r>
+              <a:rPr lang="en-US" dirty="0" smtClean="0"/>
+              <a:t>w1</a:t>
+            </a:r>
+            <a:endParaRPr lang="en-US" dirty="0"/>
+          </a:p>
+        </p:txBody>
+      </p:sp>
+      <p:sp>
+        <p:nvSpPr>
+          <p:cNvPr id="6" name="TextBox 5"/>
+          <p:cNvSpPr txBox="1"/>
+          <p:nvPr/>
+        </p:nvSpPr>
+        <p:spPr>
+          <a:xfrm>
+            <a:off x="6477000" y="2400300"/>
+            <a:ext cx="466794" cy="369332"/>
+          </a:xfrm>
+          <a:prstGeom prst="rect">
+            <a:avLst/>
+          </a:prstGeom>
+          <a:noFill/>
+        </p:spPr>
+        <p:txBody>
+          <a:bodyPr wrap="none" rtlCol="0">
+            <a:spAutoFit/>
+          </a:bodyPr>
+          <a:lstStyle/>
+          <a:p>
+            <a:r>
+              <a:rPr lang="en-US" dirty="0" smtClean="0"/>
+              <a:t>w2</a:t>
+            </a:r>
+            <a:endParaRPr lang="en-US" dirty="0"/>
+          </a:p>
+        </p:txBody>
+      </p:sp>
+      <p:sp>
+        <p:nvSpPr>
+          <p:cNvPr id="10" name="Cloud 9"/>
+          <p:cNvSpPr/>
+          <p:nvPr/>
+        </p:nvSpPr>
+        <p:spPr>
+          <a:xfrm>
+            <a:off x="3048000" y="726877"/>
+            <a:ext cx="5257800" cy="838200"/>
+          </a:xfrm>
+          <a:prstGeom prst="cloud">
+            <a:avLst/>
+          </a:prstGeom>
+          <a:noFill/>
+        </p:spPr>
+        <p:style>
+          <a:lnRef idx="2">
+            <a:schemeClr val="accent1">
+              <a:shade val="50000"/>
+            </a:schemeClr>
+          </a:lnRef>
+          <a:fillRef idx="1">
+            <a:schemeClr val="accent1"/>
+          </a:fillRef>
+          <a:effectRef idx="0">
+            <a:schemeClr val="accent1"/>
+          </a:effectRef>
+          <a:fontRef idx="minor">
+            <a:schemeClr val="lt1"/>
+          </a:fontRef>
+        </p:style>
+        <p:txBody>
+          <a:bodyPr rtlCol="0" anchor="ctr"/>
+          <a:lstStyle/>
+          <a:p>
+            <a:pPr algn="ctr"/>
+            <a:endParaRPr lang="en-US"/>
+          </a:p>
+        </p:txBody>
+      </p:sp>
+      <p:sp>
+        <p:nvSpPr>
+          <p:cNvPr id="11" name="TextBox 10"/>
+          <p:cNvSpPr txBox="1"/>
+          <p:nvPr/>
+        </p:nvSpPr>
+        <p:spPr>
+          <a:xfrm>
+            <a:off x="4800600" y="571500"/>
+            <a:ext cx="1805431" cy="307777"/>
+          </a:xfrm>
+          <a:prstGeom prst="rect">
+            <a:avLst/>
+          </a:prstGeom>
+          <a:noFill/>
+        </p:spPr>
+        <p:txBody>
+          <a:bodyPr wrap="none" rtlCol="0">
+            <a:spAutoFit/>
+          </a:bodyPr>
+          <a:lstStyle/>
+          <a:p>
+            <a:r>
+              <a:rPr lang="en-US" sz="1400" dirty="0" smtClean="0"/>
+              <a:t>bridge : 172.17.0.0/16</a:t>
+            </a:r>
+            <a:endParaRPr lang="en-US" dirty="0"/>
+          </a:p>
+        </p:txBody>
+      </p:sp>
+      <p:sp>
+        <p:nvSpPr>
+          <p:cNvPr id="12" name="TextBox 11"/>
+          <p:cNvSpPr txBox="1"/>
+          <p:nvPr/>
+        </p:nvSpPr>
+        <p:spPr>
+          <a:xfrm>
+            <a:off x="0" y="571500"/>
+            <a:ext cx="1890454" cy="646331"/>
+          </a:xfrm>
+          <a:prstGeom prst="rect">
+            <a:avLst/>
+          </a:prstGeom>
+          <a:noFill/>
+        </p:spPr>
+        <p:txBody>
+          <a:bodyPr wrap="none" rtlCol="0">
+            <a:spAutoFit/>
+          </a:bodyPr>
+          <a:lstStyle/>
+          <a:p>
+            <a:pPr marL="342900" indent="-342900">
+              <a:buAutoNum type="arabicPeriod"/>
+            </a:pPr>
+            <a:r>
+              <a:rPr lang="en-US" dirty="0" smtClean="0"/>
+              <a:t>Isolation</a:t>
+            </a:r>
+          </a:p>
+          <a:p>
+            <a:pPr marL="342900" indent="-342900">
+              <a:buAutoNum type="arabicPeriod"/>
+            </a:pPr>
+            <a:r>
+              <a:rPr lang="en-US" dirty="0" err="1" smtClean="0"/>
+              <a:t>Dns</a:t>
+            </a:r>
+            <a:r>
+              <a:rPr lang="en-US" dirty="0" smtClean="0"/>
+              <a:t> resolution</a:t>
+            </a:r>
+            <a:endParaRPr lang="en-US" dirty="0"/>
+          </a:p>
+        </p:txBody>
+      </p:sp>
+      <p:sp>
+        <p:nvSpPr>
+          <p:cNvPr id="13" name="Cloud 12"/>
+          <p:cNvSpPr/>
+          <p:nvPr/>
+        </p:nvSpPr>
+        <p:spPr>
+          <a:xfrm>
+            <a:off x="3048000" y="3467100"/>
+            <a:ext cx="5257800" cy="1371600"/>
+          </a:xfrm>
+          <a:prstGeom prst="cloud">
+            <a:avLst/>
+          </a:prstGeom>
+          <a:noFill/>
+        </p:spPr>
+        <p:style>
+          <a:lnRef idx="2">
+            <a:schemeClr val="accent1">
+              <a:shade val="50000"/>
+            </a:schemeClr>
+          </a:lnRef>
+          <a:fillRef idx="1">
+            <a:schemeClr val="accent1"/>
+          </a:fillRef>
+          <a:effectRef idx="0">
+            <a:schemeClr val="accent1"/>
+          </a:effectRef>
+          <a:fontRef idx="minor">
+            <a:schemeClr val="lt1"/>
+          </a:fontRef>
+        </p:style>
+        <p:txBody>
+          <a:bodyPr rtlCol="0" anchor="ctr"/>
+          <a:lstStyle/>
+          <a:p>
+            <a:pPr algn="ctr"/>
+            <a:endParaRPr lang="en-US"/>
+          </a:p>
+        </p:txBody>
+      </p:sp>
+      <p:sp>
+        <p:nvSpPr>
+          <p:cNvPr id="14" name="TextBox 13"/>
+          <p:cNvSpPr txBox="1"/>
+          <p:nvPr/>
+        </p:nvSpPr>
+        <p:spPr>
+          <a:xfrm>
+            <a:off x="4800600" y="3311723"/>
+            <a:ext cx="2092881" cy="307777"/>
+          </a:xfrm>
+          <a:prstGeom prst="rect">
+            <a:avLst/>
+          </a:prstGeom>
+          <a:noFill/>
+        </p:spPr>
+        <p:txBody>
+          <a:bodyPr wrap="none" rtlCol="0">
+            <a:spAutoFit/>
+          </a:bodyPr>
+          <a:lstStyle/>
+          <a:p>
+            <a:r>
+              <a:rPr lang="en-US" sz="1400" dirty="0" smtClean="0"/>
+              <a:t>W1-db-net: 172.18.0.0/16</a:t>
+            </a:r>
+            <a:endParaRPr lang="en-US" dirty="0"/>
+          </a:p>
+        </p:txBody>
+      </p:sp>
+      <p:sp>
+        <p:nvSpPr>
+          <p:cNvPr id="15" name="Rectangle 14"/>
+          <p:cNvSpPr/>
+          <p:nvPr/>
+        </p:nvSpPr>
+        <p:spPr>
+          <a:xfrm>
+            <a:off x="4343400" y="3848100"/>
+            <a:ext cx="1176925" cy="369332"/>
+          </a:xfrm>
+          <a:prstGeom prst="rect">
+            <a:avLst/>
+          </a:prstGeom>
+        </p:spPr>
+        <p:txBody>
+          <a:bodyPr wrap="none">
+            <a:spAutoFit/>
+          </a:bodyPr>
+          <a:lstStyle/>
+          <a:p>
+            <a:r>
+              <a:rPr lang="en-US" dirty="0" smtClean="0"/>
+              <a:t>172.18.0.2</a:t>
+            </a:r>
+            <a:endParaRPr lang="en-US" dirty="0"/>
+          </a:p>
+        </p:txBody>
+      </p:sp>
+      <p:sp>
+        <p:nvSpPr>
+          <p:cNvPr id="16" name="Rectangle 15"/>
+          <p:cNvSpPr/>
+          <p:nvPr/>
+        </p:nvSpPr>
+        <p:spPr>
+          <a:xfrm>
+            <a:off x="6858000" y="3771900"/>
+            <a:ext cx="1176925" cy="646331"/>
+          </a:xfrm>
+          <a:prstGeom prst="rect">
+            <a:avLst/>
+          </a:prstGeom>
+        </p:spPr>
+        <p:txBody>
+          <a:bodyPr wrap="none">
+            <a:spAutoFit/>
+          </a:bodyPr>
+          <a:lstStyle/>
+          <a:p>
+            <a:r>
+              <a:rPr lang="en-US" dirty="0" smtClean="0"/>
+              <a:t>172.18.0.3</a:t>
+            </a:r>
+          </a:p>
+          <a:p>
+            <a:r>
+              <a:rPr lang="en-US" dirty="0" smtClean="0"/>
+              <a:t>172.19.0.3</a:t>
+            </a:r>
+            <a:endParaRPr lang="en-US" dirty="0"/>
+          </a:p>
+        </p:txBody>
+      </p:sp>
+      <p:sp>
+        <p:nvSpPr>
+          <p:cNvPr id="17" name="Cloud 16"/>
+          <p:cNvSpPr/>
+          <p:nvPr/>
+        </p:nvSpPr>
+        <p:spPr>
+          <a:xfrm rot="5400000">
+            <a:off x="5410200" y="2247900"/>
+            <a:ext cx="3581400" cy="2057400"/>
+          </a:xfrm>
+          <a:prstGeom prst="cloud">
+            <a:avLst/>
+          </a:prstGeom>
+          <a:noFill/>
+        </p:spPr>
+        <p:style>
+          <a:lnRef idx="2">
+            <a:schemeClr val="accent1">
+              <a:shade val="50000"/>
+            </a:schemeClr>
+          </a:lnRef>
+          <a:fillRef idx="1">
+            <a:schemeClr val="accent1"/>
+          </a:fillRef>
+          <a:effectRef idx="0">
+            <a:schemeClr val="accent1"/>
+          </a:effectRef>
+          <a:fontRef idx="minor">
+            <a:schemeClr val="lt1"/>
+          </a:fontRef>
+        </p:style>
+        <p:txBody>
+          <a:bodyPr rtlCol="0" anchor="ctr"/>
+          <a:lstStyle/>
+          <a:p>
+            <a:pPr algn="ctr"/>
+            <a:endParaRPr lang="en-US" dirty="0"/>
+          </a:p>
+        </p:txBody>
+      </p:sp>
+      <p:sp>
+        <p:nvSpPr>
+          <p:cNvPr id="18" name="TextBox 17"/>
+          <p:cNvSpPr txBox="1"/>
+          <p:nvPr/>
+        </p:nvSpPr>
+        <p:spPr>
+          <a:xfrm>
+            <a:off x="4800600" y="2016323"/>
+            <a:ext cx="2092881" cy="307777"/>
+          </a:xfrm>
+          <a:prstGeom prst="rect">
+            <a:avLst/>
+          </a:prstGeom>
+          <a:noFill/>
+        </p:spPr>
+        <p:txBody>
+          <a:bodyPr wrap="none" rtlCol="0">
+            <a:spAutoFit/>
+          </a:bodyPr>
+          <a:lstStyle/>
+          <a:p>
+            <a:r>
+              <a:rPr lang="en-US" sz="1400" dirty="0" smtClean="0"/>
+              <a:t>W2-db-net: 172.19.0.0/16</a:t>
+            </a:r>
+            <a:endParaRPr lang="en-US" dirty="0"/>
+          </a:p>
+        </p:txBody>
+      </p:sp>
+      <p:sp>
+        <p:nvSpPr>
+          <p:cNvPr id="19" name="Rectangle 18"/>
+          <p:cNvSpPr/>
+          <p:nvPr/>
+        </p:nvSpPr>
+        <p:spPr>
+          <a:xfrm>
+            <a:off x="6858000" y="2400300"/>
+            <a:ext cx="1176925" cy="369332"/>
+          </a:xfrm>
+          <a:prstGeom prst="rect">
+            <a:avLst/>
+          </a:prstGeom>
+        </p:spPr>
+        <p:txBody>
+          <a:bodyPr wrap="none">
+            <a:spAutoFit/>
+          </a:bodyPr>
+          <a:lstStyle/>
+          <a:p>
+            <a:r>
+              <a:rPr lang="en-US" dirty="0" smtClean="0"/>
+              <a:t>172.19.0.2</a:t>
+            </a:r>
+            <a:endParaRPr lang="en-US" dirty="0"/>
+          </a:p>
+        </p:txBody>
+      </p:sp>
+    </p:spTree>
+  </p:cSld>
+  <p:clrMapOvr>
+    <a:masterClrMapping/>
+  </p:clrMapOvr>
+</p:sld>
+</file>
+
+<file path=ppt/slides/slide11.xml><?xml version="1.0" encoding="utf-8"?>
+<p:sld xmlns:a="http://schemas.openxmlformats.org/drawingml/2006/main" xmlns:r="http://schemas.openxmlformats.org/officeDocument/2006/relationships" xmlns:p="http://schemas.openxmlformats.org/presentationml/2006/main">
+  <p:cSld>
+    <p:spTree>
+      <p:nvGrpSpPr>
+        <p:cNvPr id="1" name=""/>
+        <p:cNvGrpSpPr/>
+        <p:nvPr/>
+      </p:nvGrpSpPr>
+      <p:grpSpPr>
+        <a:xfrm>
+          <a:off x="0" y="0"/>
+          <a:ext cx="0" cy="0"/>
+          <a:chOff x="0" y="0"/>
+          <a:chExt cx="0" cy="0"/>
+        </a:xfrm>
+      </p:grpSpPr>
+      <p:sp>
+        <p:nvSpPr>
+          <p:cNvPr id="2" name="Rectangle 1"/>
+          <p:cNvSpPr/>
+          <p:nvPr/>
+        </p:nvSpPr>
+        <p:spPr>
+          <a:xfrm>
+            <a:off x="2362200" y="342900"/>
+            <a:ext cx="6172200" cy="1828800"/>
+          </a:xfrm>
+          <a:prstGeom prst="rect">
+            <a:avLst/>
+          </a:prstGeom>
+          <a:noFill/>
+        </p:spPr>
+        <p:style>
+          <a:lnRef idx="2">
+            <a:schemeClr val="accent1">
+              <a:shade val="50000"/>
+            </a:schemeClr>
+          </a:lnRef>
+          <a:fillRef idx="1">
+            <a:schemeClr val="accent1"/>
+          </a:fillRef>
+          <a:effectRef idx="0">
+            <a:schemeClr val="accent1"/>
+          </a:effectRef>
+          <a:fontRef idx="minor">
+            <a:schemeClr val="lt1"/>
+          </a:fontRef>
+        </p:style>
+        <p:txBody>
+          <a:bodyPr rtlCol="0" anchor="ctr"/>
+          <a:lstStyle/>
+          <a:p>
+            <a:pPr algn="ctr"/>
+            <a:endParaRPr lang="en-US"/>
+          </a:p>
+        </p:txBody>
+      </p:sp>
+      <p:sp>
+        <p:nvSpPr>
+          <p:cNvPr id="3" name="TextBox 2"/>
+          <p:cNvSpPr txBox="1"/>
+          <p:nvPr/>
+        </p:nvSpPr>
+        <p:spPr>
+          <a:xfrm>
+            <a:off x="2362200" y="342900"/>
+            <a:ext cx="2241319" cy="369332"/>
+          </a:xfrm>
+          <a:prstGeom prst="rect">
+            <a:avLst/>
+          </a:prstGeom>
+          <a:noFill/>
+        </p:spPr>
+        <p:txBody>
+          <a:bodyPr wrap="none" rtlCol="0">
+            <a:spAutoFit/>
+          </a:bodyPr>
+          <a:lstStyle/>
+          <a:p>
+            <a:r>
+              <a:rPr lang="en-US" dirty="0" smtClean="0"/>
+              <a:t>node: 192.168.99.100</a:t>
+            </a:r>
+            <a:endParaRPr lang="en-US" dirty="0"/>
+          </a:p>
+        </p:txBody>
+      </p:sp>
+      <p:sp>
+        <p:nvSpPr>
+          <p:cNvPr id="4" name="Oval 3"/>
+          <p:cNvSpPr/>
+          <p:nvPr/>
+        </p:nvSpPr>
+        <p:spPr>
+          <a:xfrm>
+            <a:off x="3200400" y="952500"/>
+            <a:ext cx="1752600" cy="609600"/>
+          </a:xfrm>
+          <a:prstGeom prst="ellipse">
+            <a:avLst/>
+          </a:prstGeom>
+        </p:spPr>
+        <p:style>
+          <a:lnRef idx="2">
+            <a:schemeClr val="accent1">
+              <a:shade val="50000"/>
+            </a:schemeClr>
+          </a:lnRef>
+          <a:fillRef idx="1">
+            <a:schemeClr val="accent1"/>
+          </a:fillRef>
+          <a:effectRef idx="0">
+            <a:schemeClr val="accent1"/>
+          </a:effectRef>
+          <a:fontRef idx="minor">
+            <a:schemeClr val="lt1"/>
+          </a:fontRef>
+        </p:style>
+        <p:txBody>
+          <a:bodyPr rtlCol="0" anchor="ctr"/>
+          <a:lstStyle/>
+          <a:p>
+            <a:pPr algn="ctr"/>
+            <a:r>
+              <a:rPr lang="en-US" dirty="0" smtClean="0"/>
+              <a:t>ghost</a:t>
+            </a:r>
+            <a:endParaRPr lang="en-US" dirty="0"/>
+          </a:p>
+        </p:txBody>
+      </p:sp>
+      <p:sp>
+        <p:nvSpPr>
+          <p:cNvPr id="5" name="Oval 4"/>
+          <p:cNvSpPr/>
+          <p:nvPr/>
+        </p:nvSpPr>
+        <p:spPr>
+          <a:xfrm>
+            <a:off x="4876800" y="3390900"/>
+            <a:ext cx="1752600" cy="609600"/>
+          </a:xfrm>
+          <a:prstGeom prst="ellipse">
+            <a:avLst/>
+          </a:prstGeom>
+        </p:spPr>
+        <p:style>
+          <a:lnRef idx="2">
+            <a:schemeClr val="accent1">
+              <a:shade val="50000"/>
+            </a:schemeClr>
+          </a:lnRef>
+          <a:fillRef idx="1">
+            <a:schemeClr val="accent1"/>
+          </a:fillRef>
+          <a:effectRef idx="0">
+            <a:schemeClr val="accent1"/>
+          </a:effectRef>
+          <a:fontRef idx="minor">
+            <a:schemeClr val="lt1"/>
+          </a:fontRef>
+        </p:style>
+        <p:txBody>
+          <a:bodyPr rtlCol="0" anchor="ctr"/>
+          <a:lstStyle/>
+          <a:p>
+            <a:pPr algn="ctr"/>
+            <a:r>
+              <a:rPr lang="en-US" dirty="0" smtClean="0"/>
+              <a:t>DB</a:t>
+            </a:r>
+            <a:endParaRPr lang="en-US" dirty="0"/>
+          </a:p>
+        </p:txBody>
+      </p:sp>
+      <p:sp>
+        <p:nvSpPr>
+          <p:cNvPr id="6" name="Freeform 5"/>
+          <p:cNvSpPr/>
+          <p:nvPr/>
+        </p:nvSpPr>
+        <p:spPr>
+          <a:xfrm>
+            <a:off x="7646670" y="457200"/>
+            <a:ext cx="72572" cy="685800"/>
+          </a:xfrm>
+          <a:custGeom>
+            <a:avLst/>
+            <a:gdLst>
+              <a:gd name="connsiteX0" fmla="*/ 34290 w 72572"/>
+              <a:gd name="connsiteY0" fmla="*/ 0 h 685800"/>
+              <a:gd name="connsiteX1" fmla="*/ 11430 w 72572"/>
+              <a:gd name="connsiteY1" fmla="*/ 57150 h 685800"/>
+              <a:gd name="connsiteX2" fmla="*/ 0 w 72572"/>
+              <a:gd name="connsiteY2" fmla="*/ 91440 h 685800"/>
+              <a:gd name="connsiteX3" fmla="*/ 11430 w 72572"/>
+              <a:gd name="connsiteY3" fmla="*/ 182880 h 685800"/>
+              <a:gd name="connsiteX4" fmla="*/ 22860 w 72572"/>
+              <a:gd name="connsiteY4" fmla="*/ 217170 h 685800"/>
+              <a:gd name="connsiteX5" fmla="*/ 57150 w 72572"/>
+              <a:gd name="connsiteY5" fmla="*/ 228600 h 685800"/>
+              <a:gd name="connsiteX6" fmla="*/ 34290 w 72572"/>
+              <a:gd name="connsiteY6" fmla="*/ 365760 h 685800"/>
+              <a:gd name="connsiteX7" fmla="*/ 11430 w 72572"/>
+              <a:gd name="connsiteY7" fmla="*/ 434340 h 685800"/>
+              <a:gd name="connsiteX8" fmla="*/ 22860 w 72572"/>
+              <a:gd name="connsiteY8" fmla="*/ 685800 h 685800"/>
+            </a:gdLst>
+            <a:ahLst/>
+            <a:cxnLst>
+              <a:cxn ang="0">
+                <a:pos x="connsiteX0" y="connsiteY0"/>
+              </a:cxn>
+              <a:cxn ang="0">
+                <a:pos x="connsiteX1" y="connsiteY1"/>
+              </a:cxn>
+              <a:cxn ang="0">
+                <a:pos x="connsiteX2" y="connsiteY2"/>
+              </a:cxn>
+              <a:cxn ang="0">
+                <a:pos x="connsiteX3" y="connsiteY3"/>
+              </a:cxn>
+              <a:cxn ang="0">
+                <a:pos x="connsiteX4" y="connsiteY4"/>
+              </a:cxn>
+              <a:cxn ang="0">
+                <a:pos x="connsiteX5" y="connsiteY5"/>
+              </a:cxn>
+              <a:cxn ang="0">
+                <a:pos x="connsiteX6" y="connsiteY6"/>
+              </a:cxn>
+              <a:cxn ang="0">
+                <a:pos x="connsiteX7" y="connsiteY7"/>
+              </a:cxn>
+              <a:cxn ang="0">
+                <a:pos x="connsiteX8" y="connsiteY8"/>
+              </a:cxn>
+            </a:cxnLst>
+            <a:rect l="l" t="t" r="r" b="b"/>
+            <a:pathLst>
+              <a:path w="72572" h="685800">
+                <a:moveTo>
+                  <a:pt x="34290" y="0"/>
+                </a:moveTo>
+                <a:cubicBezTo>
+                  <a:pt x="26670" y="19050"/>
+                  <a:pt x="18634" y="37939"/>
+                  <a:pt x="11430" y="57150"/>
+                </a:cubicBezTo>
+                <a:cubicBezTo>
+                  <a:pt x="7200" y="68431"/>
+                  <a:pt x="0" y="79392"/>
+                  <a:pt x="0" y="91440"/>
+                </a:cubicBezTo>
+                <a:cubicBezTo>
+                  <a:pt x="0" y="122157"/>
+                  <a:pt x="5935" y="152658"/>
+                  <a:pt x="11430" y="182880"/>
+                </a:cubicBezTo>
+                <a:cubicBezTo>
+                  <a:pt x="13585" y="194734"/>
+                  <a:pt x="14341" y="208651"/>
+                  <a:pt x="22860" y="217170"/>
+                </a:cubicBezTo>
+                <a:cubicBezTo>
+                  <a:pt x="31379" y="225689"/>
+                  <a:pt x="45720" y="224790"/>
+                  <a:pt x="57150" y="228600"/>
+                </a:cubicBezTo>
+                <a:cubicBezTo>
+                  <a:pt x="25897" y="322358"/>
+                  <a:pt x="72572" y="174352"/>
+                  <a:pt x="34290" y="365760"/>
+                </a:cubicBezTo>
+                <a:cubicBezTo>
+                  <a:pt x="29564" y="389389"/>
+                  <a:pt x="11430" y="434340"/>
+                  <a:pt x="11430" y="434340"/>
+                </a:cubicBezTo>
+                <a:cubicBezTo>
+                  <a:pt x="25032" y="624763"/>
+                  <a:pt x="22860" y="540884"/>
+                  <a:pt x="22860" y="685800"/>
+                </a:cubicBezTo>
+              </a:path>
+            </a:pathLst>
+          </a:custGeom>
+        </p:spPr>
+        <p:style>
+          <a:lnRef idx="1">
+            <a:schemeClr val="accent1"/>
+          </a:lnRef>
+          <a:fillRef idx="0">
+            <a:schemeClr val="accent1"/>
+          </a:fillRef>
+          <a:effectRef idx="0">
+            <a:schemeClr val="accent1"/>
+          </a:effectRef>
+          <a:fontRef idx="minor">
+            <a:schemeClr val="tx1"/>
+          </a:fontRef>
+        </p:style>
+        <p:txBody>
+          <a:bodyPr rtlCol="0" anchor="ctr"/>
+          <a:lstStyle/>
+          <a:p>
+            <a:pPr algn="ctr"/>
+            <a:endParaRPr lang="en-US"/>
+          </a:p>
+        </p:txBody>
+      </p:sp>
+      <p:sp>
+        <p:nvSpPr>
+          <p:cNvPr id="7" name="TextBox 6"/>
+          <p:cNvSpPr txBox="1"/>
+          <p:nvPr/>
+        </p:nvSpPr>
+        <p:spPr>
+          <a:xfrm>
+            <a:off x="7696200" y="571500"/>
+            <a:ext cx="818429" cy="369332"/>
+          </a:xfrm>
+          <a:prstGeom prst="rect">
+            <a:avLst/>
+          </a:prstGeom>
+          <a:noFill/>
+        </p:spPr>
+        <p:txBody>
+          <a:bodyPr wrap="none" rtlCol="0">
+            <a:spAutoFit/>
+          </a:bodyPr>
+          <a:lstStyle/>
+          <a:p>
+            <a:r>
+              <a:rPr lang="en-US" dirty="0" err="1" smtClean="0"/>
+              <a:t>docker</a:t>
+            </a:r>
+            <a:endParaRPr lang="en-US" dirty="0"/>
+          </a:p>
+        </p:txBody>
+      </p:sp>
+      <p:sp>
+        <p:nvSpPr>
+          <p:cNvPr id="8" name="TextBox 7"/>
+          <p:cNvSpPr txBox="1"/>
+          <p:nvPr/>
+        </p:nvSpPr>
+        <p:spPr>
+          <a:xfrm>
+            <a:off x="3430456" y="1562100"/>
+            <a:ext cx="2204450" cy="646331"/>
+          </a:xfrm>
+          <a:prstGeom prst="rect">
+            <a:avLst/>
+          </a:prstGeom>
+          <a:noFill/>
+        </p:spPr>
+        <p:txBody>
+          <a:bodyPr wrap="none" rtlCol="0">
+            <a:spAutoFit/>
+          </a:bodyPr>
+          <a:lstStyle/>
+          <a:p>
+            <a:r>
+              <a:rPr lang="en-US" dirty="0" smtClean="0"/>
+              <a:t>172.17.0.15</a:t>
+            </a:r>
+          </a:p>
+          <a:p>
+            <a:r>
+              <a:rPr lang="en-US" dirty="0" smtClean="0"/>
+              <a:t>Db: 172.17.0.16:3306</a:t>
+            </a:r>
+            <a:endParaRPr lang="en-US" dirty="0"/>
+          </a:p>
+        </p:txBody>
+      </p:sp>
+      <p:sp>
+        <p:nvSpPr>
+          <p:cNvPr id="9" name="TextBox 8"/>
+          <p:cNvSpPr txBox="1"/>
+          <p:nvPr/>
+        </p:nvSpPr>
+        <p:spPr>
+          <a:xfrm>
+            <a:off x="5105400" y="4000500"/>
+            <a:ext cx="1293944" cy="369332"/>
+          </a:xfrm>
+          <a:prstGeom prst="rect">
+            <a:avLst/>
+          </a:prstGeom>
+          <a:noFill/>
+        </p:spPr>
+        <p:txBody>
+          <a:bodyPr wrap="none" rtlCol="0">
+            <a:spAutoFit/>
+          </a:bodyPr>
+          <a:lstStyle/>
+          <a:p>
+            <a:r>
+              <a:rPr lang="en-US" dirty="0" smtClean="0"/>
+              <a:t>172.17.0.15</a:t>
+            </a:r>
+            <a:endParaRPr lang="en-US" dirty="0"/>
+          </a:p>
+        </p:txBody>
+      </p:sp>
+      <p:sp>
+        <p:nvSpPr>
+          <p:cNvPr id="10" name="Rectangle 9"/>
+          <p:cNvSpPr/>
+          <p:nvPr/>
+        </p:nvSpPr>
+        <p:spPr>
+          <a:xfrm>
+            <a:off x="2438400" y="2781300"/>
+            <a:ext cx="6172200" cy="1828800"/>
+          </a:xfrm>
+          <a:prstGeom prst="rect">
+            <a:avLst/>
+          </a:prstGeom>
+          <a:noFill/>
+        </p:spPr>
+        <p:style>
+          <a:lnRef idx="2">
+            <a:schemeClr val="accent1">
+              <a:shade val="50000"/>
+            </a:schemeClr>
+          </a:lnRef>
+          <a:fillRef idx="1">
+            <a:schemeClr val="accent1"/>
+          </a:fillRef>
+          <a:effectRef idx="0">
+            <a:schemeClr val="accent1"/>
+          </a:effectRef>
+          <a:fontRef idx="minor">
+            <a:schemeClr val="lt1"/>
+          </a:fontRef>
+        </p:style>
+        <p:txBody>
+          <a:bodyPr rtlCol="0" anchor="ctr"/>
+          <a:lstStyle/>
+          <a:p>
+            <a:pPr algn="ctr"/>
+            <a:endParaRPr lang="en-US"/>
+          </a:p>
+        </p:txBody>
+      </p:sp>
+      <p:sp>
+        <p:nvSpPr>
+          <p:cNvPr id="11" name="TextBox 10"/>
+          <p:cNvSpPr txBox="1"/>
+          <p:nvPr/>
+        </p:nvSpPr>
+        <p:spPr>
+          <a:xfrm>
+            <a:off x="2438400" y="2781300"/>
+            <a:ext cx="2241319" cy="369332"/>
+          </a:xfrm>
+          <a:prstGeom prst="rect">
+            <a:avLst/>
+          </a:prstGeom>
+          <a:noFill/>
+        </p:spPr>
+        <p:txBody>
+          <a:bodyPr wrap="none" rtlCol="0">
+            <a:spAutoFit/>
+          </a:bodyPr>
+          <a:lstStyle/>
+          <a:p>
+            <a:r>
+              <a:rPr lang="en-US" dirty="0" smtClean="0"/>
+              <a:t>node: 192.168.99.101</a:t>
+            </a:r>
+            <a:endParaRPr lang="en-US" dirty="0"/>
+          </a:p>
+        </p:txBody>
+      </p:sp>
+      <p:sp>
+        <p:nvSpPr>
+          <p:cNvPr id="12" name="Freeform 11"/>
+          <p:cNvSpPr/>
+          <p:nvPr/>
+        </p:nvSpPr>
+        <p:spPr>
+          <a:xfrm>
+            <a:off x="7696200" y="2781300"/>
+            <a:ext cx="72572" cy="685800"/>
+          </a:xfrm>
+          <a:custGeom>
+            <a:avLst/>
+            <a:gdLst>
+              <a:gd name="connsiteX0" fmla="*/ 34290 w 72572"/>
+              <a:gd name="connsiteY0" fmla="*/ 0 h 685800"/>
+              <a:gd name="connsiteX1" fmla="*/ 11430 w 72572"/>
+              <a:gd name="connsiteY1" fmla="*/ 57150 h 685800"/>
+              <a:gd name="connsiteX2" fmla="*/ 0 w 72572"/>
+              <a:gd name="connsiteY2" fmla="*/ 91440 h 685800"/>
+              <a:gd name="connsiteX3" fmla="*/ 11430 w 72572"/>
+              <a:gd name="connsiteY3" fmla="*/ 182880 h 685800"/>
+              <a:gd name="connsiteX4" fmla="*/ 22860 w 72572"/>
+              <a:gd name="connsiteY4" fmla="*/ 217170 h 685800"/>
+              <a:gd name="connsiteX5" fmla="*/ 57150 w 72572"/>
+              <a:gd name="connsiteY5" fmla="*/ 228600 h 685800"/>
+              <a:gd name="connsiteX6" fmla="*/ 34290 w 72572"/>
+              <a:gd name="connsiteY6" fmla="*/ 365760 h 685800"/>
+              <a:gd name="connsiteX7" fmla="*/ 11430 w 72572"/>
+              <a:gd name="connsiteY7" fmla="*/ 434340 h 685800"/>
+              <a:gd name="connsiteX8" fmla="*/ 22860 w 72572"/>
+              <a:gd name="connsiteY8" fmla="*/ 685800 h 685800"/>
+            </a:gdLst>
+            <a:ahLst/>
+            <a:cxnLst>
+              <a:cxn ang="0">
+                <a:pos x="connsiteX0" y="connsiteY0"/>
+              </a:cxn>
+              <a:cxn ang="0">
+                <a:pos x="connsiteX1" y="connsiteY1"/>
+              </a:cxn>
+              <a:cxn ang="0">
+                <a:pos x="connsiteX2" y="connsiteY2"/>
+              </a:cxn>
+              <a:cxn ang="0">
+                <a:pos x="connsiteX3" y="connsiteY3"/>
+              </a:cxn>
+              <a:cxn ang="0">
+                <a:pos x="connsiteX4" y="connsiteY4"/>
+              </a:cxn>
+              <a:cxn ang="0">
+                <a:pos x="connsiteX5" y="connsiteY5"/>
+              </a:cxn>
+              <a:cxn ang="0">
+                <a:pos x="connsiteX6" y="connsiteY6"/>
+              </a:cxn>
+              <a:cxn ang="0">
+                <a:pos x="connsiteX7" y="connsiteY7"/>
+              </a:cxn>
+              <a:cxn ang="0">
+                <a:pos x="connsiteX8" y="connsiteY8"/>
+              </a:cxn>
+            </a:cxnLst>
+            <a:rect l="l" t="t" r="r" b="b"/>
+            <a:pathLst>
+              <a:path w="72572" h="685800">
+                <a:moveTo>
+                  <a:pt x="34290" y="0"/>
+                </a:moveTo>
+                <a:cubicBezTo>
+                  <a:pt x="26670" y="19050"/>
+                  <a:pt x="18634" y="37939"/>
+                  <a:pt x="11430" y="57150"/>
+                </a:cubicBezTo>
+                <a:cubicBezTo>
+                  <a:pt x="7200" y="68431"/>
+                  <a:pt x="0" y="79392"/>
+                  <a:pt x="0" y="91440"/>
+                </a:cubicBezTo>
+                <a:cubicBezTo>
+                  <a:pt x="0" y="122157"/>
+                  <a:pt x="5935" y="152658"/>
+                  <a:pt x="11430" y="182880"/>
+                </a:cubicBezTo>
+                <a:cubicBezTo>
+                  <a:pt x="13585" y="194734"/>
+                  <a:pt x="14341" y="208651"/>
+                  <a:pt x="22860" y="217170"/>
+                </a:cubicBezTo>
+                <a:cubicBezTo>
+                  <a:pt x="31379" y="225689"/>
+                  <a:pt x="45720" y="224790"/>
+                  <a:pt x="57150" y="228600"/>
+                </a:cubicBezTo>
+                <a:cubicBezTo>
+                  <a:pt x="25897" y="322358"/>
+                  <a:pt x="72572" y="174352"/>
+                  <a:pt x="34290" y="365760"/>
+                </a:cubicBezTo>
+                <a:cubicBezTo>
+                  <a:pt x="29564" y="389389"/>
+                  <a:pt x="11430" y="434340"/>
+                  <a:pt x="11430" y="434340"/>
+                </a:cubicBezTo>
+                <a:cubicBezTo>
+                  <a:pt x="25032" y="624763"/>
+                  <a:pt x="22860" y="540884"/>
+                  <a:pt x="22860" y="685800"/>
+                </a:cubicBezTo>
+              </a:path>
+            </a:pathLst>
+          </a:custGeom>
+        </p:spPr>
+        <p:style>
+          <a:lnRef idx="1">
+            <a:schemeClr val="accent1"/>
+          </a:lnRef>
+          <a:fillRef idx="0">
+            <a:schemeClr val="accent1"/>
+          </a:fillRef>
+          <a:effectRef idx="0">
+            <a:schemeClr val="accent1"/>
+          </a:effectRef>
+          <a:fontRef idx="minor">
+            <a:schemeClr val="tx1"/>
+          </a:fontRef>
+        </p:style>
+        <p:txBody>
+          <a:bodyPr rtlCol="0" anchor="ctr"/>
+          <a:lstStyle/>
+          <a:p>
+            <a:pPr algn="ctr"/>
+            <a:endParaRPr lang="en-US"/>
+          </a:p>
+        </p:txBody>
+      </p:sp>
+      <p:sp>
+        <p:nvSpPr>
+          <p:cNvPr id="13" name="TextBox 12"/>
+          <p:cNvSpPr txBox="1"/>
+          <p:nvPr/>
+        </p:nvSpPr>
+        <p:spPr>
+          <a:xfrm>
+            <a:off x="7745730" y="2895600"/>
+            <a:ext cx="818429" cy="369332"/>
+          </a:xfrm>
+          <a:prstGeom prst="rect">
+            <a:avLst/>
+          </a:prstGeom>
+          <a:noFill/>
+        </p:spPr>
+        <p:txBody>
+          <a:bodyPr wrap="none" rtlCol="0">
+            <a:spAutoFit/>
+          </a:bodyPr>
+          <a:lstStyle/>
+          <a:p>
+            <a:r>
+              <a:rPr lang="en-US" dirty="0" err="1" smtClean="0"/>
+              <a:t>docker</a:t>
+            </a:r>
+            <a:endParaRPr lang="en-US" dirty="0"/>
+          </a:p>
+        </p:txBody>
+      </p:sp>
+      <p:sp>
+        <p:nvSpPr>
+          <p:cNvPr id="14" name="TextBox 13"/>
+          <p:cNvSpPr txBox="1"/>
+          <p:nvPr/>
+        </p:nvSpPr>
+        <p:spPr>
+          <a:xfrm>
+            <a:off x="-1676400" y="1714500"/>
+            <a:ext cx="3962400" cy="2585323"/>
+          </a:xfrm>
+          <a:prstGeom prst="rect">
+            <a:avLst/>
+          </a:prstGeom>
+          <a:noFill/>
+        </p:spPr>
+        <p:txBody>
+          <a:bodyPr wrap="square" rtlCol="0">
+            <a:spAutoFit/>
+          </a:bodyPr>
+          <a:lstStyle/>
+          <a:p>
+            <a:pPr marL="342900" indent="-342900">
+              <a:buAutoNum type="arabicPeriod"/>
+            </a:pPr>
+            <a:r>
+              <a:rPr lang="en-US" dirty="0" smtClean="0"/>
+              <a:t>Better n/w mgmt</a:t>
+            </a:r>
+          </a:p>
+          <a:p>
+            <a:pPr marL="800100" lvl="1" indent="-342900">
+              <a:buAutoNum type="arabicPeriod"/>
+            </a:pPr>
+            <a:r>
+              <a:rPr lang="en-US" dirty="0" smtClean="0"/>
+              <a:t>No node awareness</a:t>
+            </a:r>
+          </a:p>
+          <a:p>
+            <a:pPr marL="800100" lvl="1" indent="-342900">
+              <a:buAutoNum type="arabicPeriod"/>
+            </a:pPr>
+            <a:r>
+              <a:rPr lang="en-US" dirty="0" smtClean="0"/>
+              <a:t>No </a:t>
+            </a:r>
+            <a:r>
+              <a:rPr lang="en-US" dirty="0" err="1" smtClean="0"/>
+              <a:t>ip</a:t>
+            </a:r>
+            <a:r>
+              <a:rPr lang="en-US" dirty="0" smtClean="0"/>
+              <a:t> address clash</a:t>
+            </a:r>
+          </a:p>
+          <a:p>
+            <a:pPr marL="800100" lvl="1" indent="-342900">
+              <a:buAutoNum type="arabicPeriod"/>
+            </a:pPr>
+            <a:r>
+              <a:rPr lang="en-US" dirty="0" smtClean="0"/>
+              <a:t>Single view of system</a:t>
+            </a:r>
+          </a:p>
+          <a:p>
+            <a:pPr marL="342900" indent="-342900">
+              <a:buAutoNum type="arabicPeriod"/>
+            </a:pPr>
+            <a:r>
+              <a:rPr lang="en-US" dirty="0" smtClean="0"/>
+              <a:t>Cluster management</a:t>
+            </a:r>
+          </a:p>
+          <a:p>
+            <a:pPr marL="342900" indent="-342900">
+              <a:buAutoNum type="arabicPeriod"/>
+            </a:pPr>
+            <a:r>
+              <a:rPr lang="en-US" dirty="0" smtClean="0"/>
+              <a:t>Application scaling</a:t>
+            </a:r>
+          </a:p>
+          <a:p>
+            <a:pPr marL="342900" indent="-342900">
+              <a:buAutoNum type="arabicPeriod"/>
+            </a:pPr>
+            <a:r>
+              <a:rPr lang="en-US" dirty="0" smtClean="0"/>
+              <a:t>Load balancer</a:t>
+            </a:r>
+          </a:p>
+          <a:p>
+            <a:pPr marL="342900" indent="-342900">
+              <a:buAutoNum type="arabicPeriod"/>
+            </a:pPr>
+            <a:r>
+              <a:rPr lang="en-US" dirty="0" smtClean="0"/>
+              <a:t>Single access/end point to manage all containers</a:t>
+            </a:r>
+            <a:endParaRPr lang="en-US" dirty="0"/>
+          </a:p>
+        </p:txBody>
+      </p:sp>
+      <p:sp>
+        <p:nvSpPr>
+          <p:cNvPr id="15" name="TextBox 14"/>
+          <p:cNvSpPr txBox="1"/>
+          <p:nvPr/>
+        </p:nvSpPr>
+        <p:spPr>
+          <a:xfrm>
+            <a:off x="2362200" y="3695700"/>
+            <a:ext cx="769763" cy="369332"/>
+          </a:xfrm>
+          <a:prstGeom prst="rect">
+            <a:avLst/>
+          </a:prstGeom>
+          <a:noFill/>
+        </p:spPr>
+        <p:txBody>
+          <a:bodyPr wrap="none" rtlCol="0">
+            <a:spAutoFit/>
+          </a:bodyPr>
+          <a:lstStyle/>
+          <a:p>
+            <a:r>
+              <a:rPr lang="en-US" dirty="0" smtClean="0"/>
+              <a:t>31000</a:t>
+            </a:r>
+            <a:endParaRPr lang="en-US" dirty="0"/>
+          </a:p>
+        </p:txBody>
+      </p:sp>
+      <p:sp>
+        <p:nvSpPr>
+          <p:cNvPr id="16" name="Oval 15"/>
+          <p:cNvSpPr/>
+          <p:nvPr/>
+        </p:nvSpPr>
+        <p:spPr>
+          <a:xfrm>
+            <a:off x="5795094" y="1028700"/>
+            <a:ext cx="1752600" cy="609600"/>
+          </a:xfrm>
+          <a:prstGeom prst="ellipse">
+            <a:avLst/>
+          </a:prstGeom>
+        </p:spPr>
+        <p:style>
+          <a:lnRef idx="2">
+            <a:schemeClr val="accent1">
+              <a:shade val="50000"/>
+            </a:schemeClr>
+          </a:lnRef>
+          <a:fillRef idx="1">
+            <a:schemeClr val="accent1"/>
+          </a:fillRef>
+          <a:effectRef idx="0">
+            <a:schemeClr val="accent1"/>
+          </a:effectRef>
+          <a:fontRef idx="minor">
+            <a:schemeClr val="lt1"/>
+          </a:fontRef>
+        </p:style>
+        <p:txBody>
+          <a:bodyPr rtlCol="0" anchor="ctr"/>
+          <a:lstStyle/>
+          <a:p>
+            <a:pPr algn="ctr"/>
+            <a:r>
+              <a:rPr lang="en-US" dirty="0" smtClean="0"/>
+              <a:t>ghost</a:t>
+            </a:r>
+            <a:endParaRPr lang="en-US" dirty="0"/>
+          </a:p>
+        </p:txBody>
+      </p:sp>
+      <p:sp>
+        <p:nvSpPr>
+          <p:cNvPr id="17" name="TextBox 16"/>
+          <p:cNvSpPr txBox="1"/>
+          <p:nvPr/>
+        </p:nvSpPr>
+        <p:spPr>
+          <a:xfrm>
+            <a:off x="6025150" y="1638300"/>
+            <a:ext cx="2204450" cy="646331"/>
+          </a:xfrm>
+          <a:prstGeom prst="rect">
+            <a:avLst/>
+          </a:prstGeom>
+          <a:noFill/>
+        </p:spPr>
+        <p:txBody>
+          <a:bodyPr wrap="none" rtlCol="0">
+            <a:spAutoFit/>
+          </a:bodyPr>
+          <a:lstStyle/>
+          <a:p>
+            <a:r>
+              <a:rPr lang="en-US" dirty="0" smtClean="0"/>
+              <a:t>172.17.0.15</a:t>
+            </a:r>
+          </a:p>
+          <a:p>
+            <a:r>
+              <a:rPr lang="en-US" dirty="0" smtClean="0"/>
+              <a:t>Db: 172.17.0.16:3306</a:t>
+            </a:r>
+            <a:endParaRPr lang="en-US" dirty="0"/>
+          </a:p>
+        </p:txBody>
+      </p:sp>
+      <p:sp>
+        <p:nvSpPr>
+          <p:cNvPr id="18" name="Oval 17"/>
+          <p:cNvSpPr/>
+          <p:nvPr/>
+        </p:nvSpPr>
+        <p:spPr>
+          <a:xfrm>
+            <a:off x="2514600" y="3201769"/>
+            <a:ext cx="1752600" cy="609600"/>
+          </a:xfrm>
+          <a:prstGeom prst="ellipse">
+            <a:avLst/>
+          </a:prstGeom>
+        </p:spPr>
+        <p:style>
+          <a:lnRef idx="2">
+            <a:schemeClr val="accent1">
+              <a:shade val="50000"/>
+            </a:schemeClr>
+          </a:lnRef>
+          <a:fillRef idx="1">
+            <a:schemeClr val="accent1"/>
+          </a:fillRef>
+          <a:effectRef idx="0">
+            <a:schemeClr val="accent1"/>
+          </a:effectRef>
+          <a:fontRef idx="minor">
+            <a:schemeClr val="lt1"/>
+          </a:fontRef>
+        </p:style>
+        <p:txBody>
+          <a:bodyPr rtlCol="0" anchor="ctr"/>
+          <a:lstStyle/>
+          <a:p>
+            <a:pPr algn="ctr"/>
+            <a:r>
+              <a:rPr lang="en-US" dirty="0" smtClean="0"/>
+              <a:t>ghost</a:t>
+            </a:r>
+            <a:endParaRPr lang="en-US" dirty="0"/>
+          </a:p>
+        </p:txBody>
+      </p:sp>
+      <p:sp>
+        <p:nvSpPr>
+          <p:cNvPr id="19" name="TextBox 18"/>
+          <p:cNvSpPr txBox="1"/>
+          <p:nvPr/>
+        </p:nvSpPr>
+        <p:spPr>
+          <a:xfrm>
+            <a:off x="2744656" y="3811369"/>
+            <a:ext cx="2204450" cy="646331"/>
+          </a:xfrm>
+          <a:prstGeom prst="rect">
+            <a:avLst/>
+          </a:prstGeom>
+          <a:noFill/>
+        </p:spPr>
+        <p:txBody>
+          <a:bodyPr wrap="none" rtlCol="0">
+            <a:spAutoFit/>
+          </a:bodyPr>
+          <a:lstStyle/>
+          <a:p>
+            <a:r>
+              <a:rPr lang="en-US" dirty="0" smtClean="0"/>
+              <a:t>172.17.0.15</a:t>
+            </a:r>
+          </a:p>
+          <a:p>
+            <a:r>
+              <a:rPr lang="en-US" dirty="0" smtClean="0"/>
+              <a:t>Db: 172.17.0.16:3306</a:t>
+            </a:r>
+            <a:endParaRPr lang="en-US" dirty="0"/>
+          </a:p>
+        </p:txBody>
+      </p:sp>
+      <p:sp>
+        <p:nvSpPr>
+          <p:cNvPr id="21" name="TextBox 20"/>
+          <p:cNvSpPr txBox="1"/>
+          <p:nvPr/>
+        </p:nvSpPr>
+        <p:spPr>
+          <a:xfrm>
+            <a:off x="-1021621" y="1345168"/>
+            <a:ext cx="2774221" cy="369332"/>
+          </a:xfrm>
+          <a:prstGeom prst="rect">
+            <a:avLst/>
+          </a:prstGeom>
+          <a:noFill/>
+        </p:spPr>
+        <p:txBody>
+          <a:bodyPr wrap="none" rtlCol="0">
+            <a:spAutoFit/>
+          </a:bodyPr>
+          <a:lstStyle/>
+          <a:p>
+            <a:r>
+              <a:rPr lang="en-US" dirty="0" smtClean="0"/>
+              <a:t>Orchestration of Containers</a:t>
+            </a:r>
+            <a:endParaRPr lang="en-US" dirty="0"/>
+          </a:p>
+        </p:txBody>
+      </p:sp>
+      <p:sp>
+        <p:nvSpPr>
+          <p:cNvPr id="22" name="TextBox 21"/>
+          <p:cNvSpPr txBox="1"/>
+          <p:nvPr/>
+        </p:nvSpPr>
+        <p:spPr>
+          <a:xfrm>
+            <a:off x="2362200" y="5219700"/>
+            <a:ext cx="3136115" cy="369332"/>
+          </a:xfrm>
+          <a:prstGeom prst="rect">
+            <a:avLst/>
+          </a:prstGeom>
+          <a:noFill/>
+        </p:spPr>
+        <p:txBody>
+          <a:bodyPr wrap="none" rtlCol="0">
+            <a:spAutoFit/>
+          </a:bodyPr>
+          <a:lstStyle/>
+          <a:p>
+            <a:r>
+              <a:rPr lang="en-US" dirty="0" smtClean="0"/>
+              <a:t>Two main : K8S, </a:t>
+            </a:r>
+            <a:r>
+              <a:rPr lang="en-US" dirty="0" err="1" smtClean="0"/>
+              <a:t>Docker</a:t>
+            </a:r>
+            <a:r>
+              <a:rPr lang="en-US" dirty="0" smtClean="0"/>
+              <a:t>- Swarm</a:t>
+            </a:r>
+            <a:endParaRPr lang="en-US" dirty="0"/>
+          </a:p>
+        </p:txBody>
+      </p:sp>
+    </p:spTree>
+  </p:cSld>
+  <p:clrMapOvr>
+    <a:masterClrMapping/>
+  </p:clrMapOvr>
+</p:sld>
+</file>
+
+<file path=ppt/slides/slide12.xml><?xml version="1.0" encoding="utf-8"?>
+<p:sld xmlns:a="http://schemas.openxmlformats.org/drawingml/2006/main" xmlns:r="http://schemas.openxmlformats.org/officeDocument/2006/relationships" xmlns:p="http://schemas.openxmlformats.org/presentationml/2006/main">
+  <p:cSld>
+    <p:spTree>
+      <p:nvGrpSpPr>
+        <p:cNvPr id="1" name=""/>
+        <p:cNvGrpSpPr/>
+        <p:nvPr/>
+      </p:nvGrpSpPr>
+      <p:grpSpPr>
+        <a:xfrm>
+          <a:off x="0" y="0"/>
+          <a:ext cx="0" cy="0"/>
+          <a:chOff x="0" y="0"/>
+          <a:chExt cx="0" cy="0"/>
+        </a:xfrm>
+      </p:grpSpPr>
+      <p:sp>
+        <p:nvSpPr>
+          <p:cNvPr id="2" name="TextBox 1"/>
+          <p:cNvSpPr txBox="1"/>
+          <p:nvPr/>
+        </p:nvSpPr>
+        <p:spPr>
+          <a:xfrm>
+            <a:off x="1191878" y="342900"/>
+            <a:ext cx="1551322" cy="369332"/>
+          </a:xfrm>
+          <a:prstGeom prst="rect">
+            <a:avLst/>
+          </a:prstGeom>
+          <a:noFill/>
+        </p:spPr>
+        <p:txBody>
+          <a:bodyPr wrap="none" rtlCol="0">
+            <a:spAutoFit/>
+          </a:bodyPr>
+          <a:lstStyle/>
+          <a:p>
+            <a:r>
+              <a:rPr lang="en-US" dirty="0" err="1" smtClean="0"/>
+              <a:t>Docker</a:t>
+            </a:r>
+            <a:r>
+              <a:rPr lang="en-US" dirty="0" smtClean="0"/>
+              <a:t>-Swarm</a:t>
+            </a:r>
+            <a:endParaRPr lang="en-US" dirty="0"/>
+          </a:p>
+        </p:txBody>
+      </p:sp>
+      <p:sp>
+        <p:nvSpPr>
+          <p:cNvPr id="3" name="TextBox 2"/>
+          <p:cNvSpPr txBox="1"/>
+          <p:nvPr/>
+        </p:nvSpPr>
+        <p:spPr>
+          <a:xfrm>
+            <a:off x="5611478" y="342900"/>
+            <a:ext cx="527709" cy="369332"/>
+          </a:xfrm>
+          <a:prstGeom prst="rect">
+            <a:avLst/>
+          </a:prstGeom>
+          <a:noFill/>
+        </p:spPr>
+        <p:txBody>
+          <a:bodyPr wrap="none" rtlCol="0">
+            <a:spAutoFit/>
+          </a:bodyPr>
+          <a:lstStyle/>
+          <a:p>
+            <a:r>
+              <a:rPr lang="en-US" dirty="0" smtClean="0"/>
+              <a:t>K8S</a:t>
+            </a:r>
+            <a:endParaRPr lang="en-US" dirty="0"/>
+          </a:p>
+        </p:txBody>
+      </p:sp>
+      <p:sp>
+        <p:nvSpPr>
+          <p:cNvPr id="4" name="TextBox 3"/>
+          <p:cNvSpPr txBox="1"/>
+          <p:nvPr/>
+        </p:nvSpPr>
+        <p:spPr>
+          <a:xfrm>
+            <a:off x="457200" y="952500"/>
+            <a:ext cx="3889206" cy="1477328"/>
+          </a:xfrm>
+          <a:prstGeom prst="rect">
+            <a:avLst/>
+          </a:prstGeom>
+          <a:noFill/>
+        </p:spPr>
+        <p:txBody>
+          <a:bodyPr wrap="square" rtlCol="0">
+            <a:spAutoFit/>
+          </a:bodyPr>
+          <a:lstStyle/>
+          <a:p>
+            <a:pPr marL="342900" indent="-342900">
+              <a:buAutoNum type="arabicPeriod"/>
+            </a:pPr>
+            <a:r>
+              <a:rPr lang="en-US" dirty="0" smtClean="0"/>
+              <a:t>Open Source, </a:t>
+            </a:r>
+            <a:r>
+              <a:rPr lang="en-US" dirty="0" err="1" smtClean="0"/>
+              <a:t>Docker</a:t>
+            </a:r>
+            <a:endParaRPr lang="en-US" dirty="0" smtClean="0"/>
+          </a:p>
+          <a:p>
+            <a:pPr marL="342900" indent="-342900">
+              <a:buAutoNum type="arabicPeriod"/>
+            </a:pPr>
+            <a:r>
+              <a:rPr lang="en-US" dirty="0" smtClean="0"/>
+              <a:t>Fairly new, not very battle tested</a:t>
+            </a:r>
+          </a:p>
+          <a:p>
+            <a:pPr marL="342900" indent="-342900">
+              <a:buAutoNum type="arabicPeriod"/>
+            </a:pPr>
+            <a:r>
+              <a:rPr lang="en-US" dirty="0" smtClean="0"/>
+              <a:t>Easy learning curve</a:t>
+            </a:r>
+          </a:p>
+          <a:p>
+            <a:pPr marL="342900" indent="-342900">
+              <a:buAutoNum type="arabicPeriod"/>
+            </a:pPr>
+            <a:r>
+              <a:rPr lang="en-US" dirty="0" smtClean="0"/>
+              <a:t>Limited extra terminology/language</a:t>
+            </a:r>
+          </a:p>
+          <a:p>
+            <a:pPr marL="342900" indent="-342900">
+              <a:buAutoNum type="arabicPeriod"/>
+            </a:pPr>
+            <a:r>
+              <a:rPr lang="en-US" dirty="0" smtClean="0"/>
+              <a:t>Vendor lock</a:t>
+            </a:r>
+            <a:endParaRPr lang="en-US" dirty="0"/>
+          </a:p>
+        </p:txBody>
+      </p:sp>
+      <p:sp>
+        <p:nvSpPr>
+          <p:cNvPr id="5" name="TextBox 4"/>
+          <p:cNvSpPr txBox="1"/>
+          <p:nvPr/>
+        </p:nvSpPr>
+        <p:spPr>
+          <a:xfrm>
+            <a:off x="4857835" y="876300"/>
+            <a:ext cx="3480633" cy="1754326"/>
+          </a:xfrm>
+          <a:prstGeom prst="rect">
+            <a:avLst/>
+          </a:prstGeom>
+          <a:noFill/>
+        </p:spPr>
+        <p:txBody>
+          <a:bodyPr wrap="none" rtlCol="0">
+            <a:spAutoFit/>
+          </a:bodyPr>
+          <a:lstStyle/>
+          <a:p>
+            <a:pPr marL="342900" indent="-342900">
+              <a:buAutoNum type="arabicPeriod"/>
+            </a:pPr>
+            <a:r>
+              <a:rPr lang="en-US" dirty="0" smtClean="0"/>
+              <a:t>Open Source, Google</a:t>
+            </a:r>
+          </a:p>
+          <a:p>
+            <a:pPr marL="342900" indent="-342900">
+              <a:buAutoNum type="arabicPeriod"/>
+            </a:pPr>
+            <a:r>
+              <a:rPr lang="en-US" dirty="0" smtClean="0"/>
+              <a:t>Battle tested, 10,000’s of nodes</a:t>
+            </a:r>
+          </a:p>
+          <a:p>
+            <a:pPr marL="342900" indent="-342900">
+              <a:buAutoNum type="arabicPeriod"/>
+            </a:pPr>
+            <a:r>
+              <a:rPr lang="en-US" dirty="0" smtClean="0"/>
+              <a:t>Steeper learning curve</a:t>
+            </a:r>
+          </a:p>
+          <a:p>
+            <a:pPr marL="342900" indent="-342900">
+              <a:buAutoNum type="arabicPeriod"/>
+            </a:pPr>
+            <a:r>
+              <a:rPr lang="en-US" dirty="0" smtClean="0"/>
+              <a:t>Lot of new terminology</a:t>
+            </a:r>
+          </a:p>
+          <a:p>
+            <a:pPr marL="342900" indent="-342900">
+              <a:buAutoNum type="arabicPeriod"/>
+            </a:pPr>
+            <a:r>
+              <a:rPr lang="en-US" dirty="0" smtClean="0"/>
+              <a:t>No vendor lock-in</a:t>
+            </a:r>
+          </a:p>
+          <a:p>
+            <a:pPr marL="342900" indent="-342900">
+              <a:buAutoNum type="arabicPeriod"/>
+            </a:pPr>
+            <a:endParaRPr lang="en-US" dirty="0"/>
+          </a:p>
+        </p:txBody>
+      </p:sp>
+      <p:sp>
+        <p:nvSpPr>
+          <p:cNvPr id="6" name="TextBox 5"/>
+          <p:cNvSpPr txBox="1"/>
+          <p:nvPr/>
+        </p:nvSpPr>
+        <p:spPr>
+          <a:xfrm>
+            <a:off x="6248400" y="4305300"/>
+            <a:ext cx="818429" cy="369332"/>
+          </a:xfrm>
+          <a:prstGeom prst="rect">
+            <a:avLst/>
+          </a:prstGeom>
+          <a:noFill/>
+        </p:spPr>
+        <p:txBody>
+          <a:bodyPr wrap="none" rtlCol="0">
+            <a:spAutoFit/>
+          </a:bodyPr>
+          <a:lstStyle/>
+          <a:p>
+            <a:r>
+              <a:rPr lang="en-US" dirty="0" err="1" smtClean="0"/>
+              <a:t>docker</a:t>
+            </a:r>
+            <a:endParaRPr lang="en-US" dirty="0"/>
+          </a:p>
+        </p:txBody>
+      </p:sp>
+      <p:cxnSp>
+        <p:nvCxnSpPr>
+          <p:cNvPr id="8" name="Straight Arrow Connector 7"/>
+          <p:cNvCxnSpPr>
+            <a:stCxn id="6" idx="3"/>
+          </p:cNvCxnSpPr>
+          <p:nvPr/>
+        </p:nvCxnSpPr>
+        <p:spPr>
+          <a:xfrm flipV="1">
+            <a:off x="7066829" y="3848100"/>
+            <a:ext cx="629371" cy="641866"/>
+          </a:xfrm>
+          <a:prstGeom prst="straightConnector1">
+            <a:avLst/>
+          </a:prstGeom>
+          <a:ln>
+            <a:tailEnd type="arrow"/>
+          </a:ln>
+        </p:spPr>
+        <p:style>
+          <a:lnRef idx="1">
+            <a:schemeClr val="accent1"/>
+          </a:lnRef>
+          <a:fillRef idx="0">
+            <a:schemeClr val="accent1"/>
+          </a:fillRef>
+          <a:effectRef idx="0">
+            <a:schemeClr val="accent1"/>
+          </a:effectRef>
+          <a:fontRef idx="minor">
+            <a:schemeClr val="tx1"/>
+          </a:fontRef>
+        </p:style>
+      </p:cxnSp>
+      <p:sp>
+        <p:nvSpPr>
+          <p:cNvPr id="9" name="TextBox 8"/>
+          <p:cNvSpPr txBox="1"/>
+          <p:nvPr/>
+        </p:nvSpPr>
+        <p:spPr>
+          <a:xfrm>
+            <a:off x="3733800" y="4381500"/>
+            <a:ext cx="550151" cy="646331"/>
+          </a:xfrm>
+          <a:prstGeom prst="rect">
+            <a:avLst/>
+          </a:prstGeom>
+          <a:noFill/>
+        </p:spPr>
+        <p:txBody>
+          <a:bodyPr wrap="none" rtlCol="0">
+            <a:spAutoFit/>
+          </a:bodyPr>
+          <a:lstStyle/>
+          <a:p>
+            <a:r>
+              <a:rPr lang="en-US" dirty="0" smtClean="0"/>
+              <a:t>K8s</a:t>
+            </a:r>
+          </a:p>
+          <a:p>
+            <a:r>
+              <a:rPr lang="en-US" dirty="0" smtClean="0"/>
+              <a:t>pod</a:t>
+            </a:r>
+            <a:endParaRPr lang="en-US" dirty="0"/>
+          </a:p>
+        </p:txBody>
+      </p:sp>
+      <p:sp>
+        <p:nvSpPr>
+          <p:cNvPr id="10" name="Rectangle 9"/>
+          <p:cNvSpPr/>
+          <p:nvPr/>
+        </p:nvSpPr>
+        <p:spPr>
+          <a:xfrm>
+            <a:off x="5410200" y="3390900"/>
+            <a:ext cx="381000" cy="1943100"/>
+          </a:xfrm>
+          <a:prstGeom prst="rect">
+            <a:avLst/>
+          </a:prstGeom>
+        </p:spPr>
+        <p:style>
+          <a:lnRef idx="2">
+            <a:schemeClr val="accent1">
+              <a:shade val="50000"/>
+            </a:schemeClr>
+          </a:lnRef>
+          <a:fillRef idx="1">
+            <a:schemeClr val="accent1"/>
+          </a:fillRef>
+          <a:effectRef idx="0">
+            <a:schemeClr val="accent1"/>
+          </a:effectRef>
+          <a:fontRef idx="minor">
+            <a:schemeClr val="lt1"/>
+          </a:fontRef>
+        </p:style>
+        <p:txBody>
+          <a:bodyPr rtlCol="0" anchor="ctr"/>
+          <a:lstStyle/>
+          <a:p>
+            <a:pPr algn="ctr"/>
+            <a:r>
+              <a:rPr lang="en-US" dirty="0" smtClean="0"/>
+              <a:t>adapter</a:t>
+            </a:r>
+            <a:endParaRPr lang="en-US" dirty="0"/>
+          </a:p>
+        </p:txBody>
+      </p:sp>
+      <p:cxnSp>
+        <p:nvCxnSpPr>
+          <p:cNvPr id="12" name="Straight Arrow Connector 11"/>
+          <p:cNvCxnSpPr>
+            <a:stCxn id="9" idx="3"/>
+            <a:endCxn id="10" idx="1"/>
+          </p:cNvCxnSpPr>
+          <p:nvPr/>
+        </p:nvCxnSpPr>
+        <p:spPr>
+          <a:xfrm flipV="1">
+            <a:off x="4283951" y="4362450"/>
+            <a:ext cx="1126249" cy="342216"/>
+          </a:xfrm>
+          <a:prstGeom prst="straightConnector1">
+            <a:avLst/>
+          </a:prstGeom>
+          <a:ln>
+            <a:tailEnd type="arrow"/>
+          </a:ln>
+        </p:spPr>
+        <p:style>
+          <a:lnRef idx="1">
+            <a:schemeClr val="accent1"/>
+          </a:lnRef>
+          <a:fillRef idx="0">
+            <a:schemeClr val="accent1"/>
+          </a:fillRef>
+          <a:effectRef idx="0">
+            <a:schemeClr val="accent1"/>
+          </a:effectRef>
+          <a:fontRef idx="minor">
+            <a:schemeClr val="tx1"/>
+          </a:fontRef>
+        </p:style>
+      </p:cxnSp>
+      <p:cxnSp>
+        <p:nvCxnSpPr>
+          <p:cNvPr id="14" name="Straight Arrow Connector 13"/>
+          <p:cNvCxnSpPr>
+            <a:stCxn id="10" idx="3"/>
+          </p:cNvCxnSpPr>
+          <p:nvPr/>
+        </p:nvCxnSpPr>
+        <p:spPr>
+          <a:xfrm flipV="1">
+            <a:off x="5791200" y="4152900"/>
+            <a:ext cx="609600" cy="209550"/>
+          </a:xfrm>
+          <a:prstGeom prst="straightConnector1">
+            <a:avLst/>
+          </a:prstGeom>
+          <a:ln>
+            <a:tailEnd type="arrow"/>
+          </a:ln>
+        </p:spPr>
+        <p:style>
+          <a:lnRef idx="1">
+            <a:schemeClr val="accent1"/>
+          </a:lnRef>
+          <a:fillRef idx="0">
+            <a:schemeClr val="accent1"/>
+          </a:fillRef>
+          <a:effectRef idx="0">
+            <a:schemeClr val="accent1"/>
+          </a:effectRef>
+          <a:fontRef idx="minor">
+            <a:schemeClr val="tx1"/>
+          </a:fontRef>
+        </p:style>
+      </p:cxnSp>
+      <p:sp>
+        <p:nvSpPr>
+          <p:cNvPr id="15" name="Oval 14"/>
+          <p:cNvSpPr/>
+          <p:nvPr/>
+        </p:nvSpPr>
+        <p:spPr>
+          <a:xfrm>
+            <a:off x="7696200" y="3619500"/>
+            <a:ext cx="990600" cy="457200"/>
+          </a:xfrm>
+          <a:prstGeom prst="ellipse">
+            <a:avLst/>
+          </a:prstGeom>
+        </p:spPr>
+        <p:style>
+          <a:lnRef idx="2">
+            <a:schemeClr val="accent1">
+              <a:shade val="50000"/>
+            </a:schemeClr>
+          </a:lnRef>
+          <a:fillRef idx="1">
+            <a:schemeClr val="accent1"/>
+          </a:fillRef>
+          <a:effectRef idx="0">
+            <a:schemeClr val="accent1"/>
+          </a:effectRef>
+          <a:fontRef idx="minor">
+            <a:schemeClr val="lt1"/>
+          </a:fontRef>
+        </p:style>
+        <p:txBody>
+          <a:bodyPr rtlCol="0" anchor="ctr"/>
+          <a:lstStyle/>
+          <a:p>
+            <a:pPr algn="ctr"/>
+            <a:endParaRPr lang="en-US"/>
+          </a:p>
+        </p:txBody>
+      </p:sp>
+      <p:sp>
+        <p:nvSpPr>
+          <p:cNvPr id="19" name="Rounded Rectangle 18"/>
+          <p:cNvSpPr/>
+          <p:nvPr/>
+        </p:nvSpPr>
+        <p:spPr>
+          <a:xfrm>
+            <a:off x="457200" y="3467100"/>
+            <a:ext cx="1295400" cy="838200"/>
+          </a:xfrm>
+          <a:prstGeom prst="roundRect">
+            <a:avLst/>
+          </a:prstGeom>
+        </p:spPr>
+        <p:style>
+          <a:lnRef idx="2">
+            <a:schemeClr val="accent1">
+              <a:shade val="50000"/>
+            </a:schemeClr>
+          </a:lnRef>
+          <a:fillRef idx="1">
+            <a:schemeClr val="accent1"/>
+          </a:fillRef>
+          <a:effectRef idx="0">
+            <a:schemeClr val="accent1"/>
+          </a:effectRef>
+          <a:fontRef idx="minor">
+            <a:schemeClr val="lt1"/>
+          </a:fontRef>
+        </p:style>
+        <p:txBody>
+          <a:bodyPr rtlCol="0" anchor="ctr"/>
+          <a:lstStyle/>
+          <a:p>
+            <a:pPr algn="ctr"/>
+            <a:endParaRPr lang="en-US"/>
+          </a:p>
+        </p:txBody>
+      </p:sp>
+      <p:sp>
+        <p:nvSpPr>
+          <p:cNvPr id="20" name="Rounded Rectangle 19"/>
+          <p:cNvSpPr/>
+          <p:nvPr/>
+        </p:nvSpPr>
+        <p:spPr>
+          <a:xfrm>
+            <a:off x="1981200" y="3467100"/>
+            <a:ext cx="1295400" cy="838200"/>
+          </a:xfrm>
+          <a:prstGeom prst="roundRect">
+            <a:avLst/>
+          </a:prstGeom>
+        </p:spPr>
+        <p:style>
+          <a:lnRef idx="2">
+            <a:schemeClr val="accent1">
+              <a:shade val="50000"/>
+            </a:schemeClr>
+          </a:lnRef>
+          <a:fillRef idx="1">
+            <a:schemeClr val="accent1"/>
+          </a:fillRef>
+          <a:effectRef idx="0">
+            <a:schemeClr val="accent1"/>
+          </a:effectRef>
+          <a:fontRef idx="minor">
+            <a:schemeClr val="lt1"/>
+          </a:fontRef>
+        </p:style>
+        <p:txBody>
+          <a:bodyPr rtlCol="0" anchor="ctr"/>
+          <a:lstStyle/>
+          <a:p>
+            <a:pPr algn="ctr"/>
+            <a:endParaRPr lang="en-US"/>
+          </a:p>
+        </p:txBody>
+      </p:sp>
+      <p:sp>
+        <p:nvSpPr>
+          <p:cNvPr id="21" name="Rectangle 20"/>
+          <p:cNvSpPr/>
+          <p:nvPr/>
+        </p:nvSpPr>
+        <p:spPr>
+          <a:xfrm>
+            <a:off x="1371600" y="3162300"/>
+            <a:ext cx="914400" cy="457200"/>
+          </a:xfrm>
+          <a:prstGeom prst="rect">
+            <a:avLst/>
+          </a:prstGeom>
+        </p:spPr>
+        <p:style>
+          <a:lnRef idx="2">
+            <a:schemeClr val="accent1">
+              <a:shade val="50000"/>
+            </a:schemeClr>
+          </a:lnRef>
+          <a:fillRef idx="1">
+            <a:schemeClr val="accent1"/>
+          </a:fillRef>
+          <a:effectRef idx="0">
+            <a:schemeClr val="accent1"/>
+          </a:effectRef>
+          <a:fontRef idx="minor">
+            <a:schemeClr val="lt1"/>
+          </a:fontRef>
+        </p:style>
+        <p:txBody>
+          <a:bodyPr rtlCol="0" anchor="ctr"/>
+          <a:lstStyle/>
+          <a:p>
+            <a:pPr algn="ctr"/>
+            <a:r>
+              <a:rPr lang="en-US" dirty="0" err="1" smtClean="0"/>
+              <a:t>veth</a:t>
+            </a:r>
+            <a:endParaRPr lang="en-US" dirty="0"/>
+          </a:p>
+        </p:txBody>
+      </p:sp>
+    </p:spTree>
+  </p:cSld>
+  <p:clrMapOvr>
+    <a:masterClrMapping/>
+  </p:clrMapOvr>
+</p:sld>
+</file>
+
+<file path=ppt/slides/slide13.xml><?xml version="1.0" encoding="utf-8"?>
+<p:sld xmlns:a="http://schemas.openxmlformats.org/drawingml/2006/main" xmlns:r="http://schemas.openxmlformats.org/officeDocument/2006/relationships" xmlns:p="http://schemas.openxmlformats.org/presentationml/2006/main">
+  <p:cSld>
+    <p:spTree>
+      <p:nvGrpSpPr>
+        <p:cNvPr id="1" name=""/>
+        <p:cNvGrpSpPr/>
+        <p:nvPr/>
+      </p:nvGrpSpPr>
+      <p:grpSpPr>
+        <a:xfrm>
+          <a:off x="0" y="0"/>
+          <a:ext cx="0" cy="0"/>
+          <a:chOff x="0" y="0"/>
+          <a:chExt cx="0" cy="0"/>
+        </a:xfrm>
+      </p:grpSpPr>
+      <p:sp>
+        <p:nvSpPr>
+          <p:cNvPr id="2" name="TextBox 1"/>
+          <p:cNvSpPr txBox="1"/>
+          <p:nvPr/>
+        </p:nvSpPr>
+        <p:spPr>
+          <a:xfrm>
+            <a:off x="914400" y="800100"/>
+            <a:ext cx="5731762" cy="1754326"/>
+          </a:xfrm>
+          <a:prstGeom prst="rect">
+            <a:avLst/>
+          </a:prstGeom>
+          <a:noFill/>
+        </p:spPr>
+        <p:txBody>
+          <a:bodyPr wrap="none" rtlCol="0">
+            <a:spAutoFit/>
+          </a:bodyPr>
+          <a:lstStyle/>
+          <a:p>
+            <a:pPr marL="342900" indent="-342900">
+              <a:buAutoNum type="arabicPeriod"/>
+            </a:pPr>
+            <a:r>
+              <a:rPr lang="en-US" dirty="0" err="1" smtClean="0"/>
+              <a:t>Minikube</a:t>
+            </a:r>
+            <a:r>
+              <a:rPr lang="en-US" dirty="0" smtClean="0"/>
+              <a:t> </a:t>
+            </a:r>
+            <a:r>
+              <a:rPr lang="en-US" dirty="0" smtClean="0">
+                <a:sym typeface="Wingdings" pitchFamily="2" charset="2"/>
+              </a:rPr>
+              <a:t> terminologies of K8S -&gt; single node cluster</a:t>
+            </a:r>
+          </a:p>
+          <a:p>
+            <a:pPr marL="342900" indent="-342900">
+              <a:buAutoNum type="arabicPeriod"/>
+            </a:pPr>
+            <a:r>
+              <a:rPr lang="en-US" dirty="0" smtClean="0">
+                <a:sym typeface="Wingdings" pitchFamily="2" charset="2"/>
+              </a:rPr>
+              <a:t>Communication</a:t>
+            </a:r>
+          </a:p>
+          <a:p>
+            <a:pPr marL="342900" indent="-342900">
+              <a:buAutoNum type="arabicPeriod"/>
+            </a:pPr>
+            <a:r>
+              <a:rPr lang="en-US" dirty="0" smtClean="0">
+                <a:sym typeface="Wingdings" pitchFamily="2" charset="2"/>
+              </a:rPr>
+              <a:t>Architecture of K8S</a:t>
+            </a:r>
+          </a:p>
+          <a:p>
+            <a:pPr marL="342900" indent="-342900">
+              <a:buAutoNum type="arabicPeriod"/>
+            </a:pPr>
+            <a:r>
+              <a:rPr lang="en-US" dirty="0" smtClean="0">
+                <a:sym typeface="Wingdings" pitchFamily="2" charset="2"/>
+              </a:rPr>
+              <a:t>Multi-node setup of K8s (install </a:t>
+            </a:r>
+            <a:r>
+              <a:rPr lang="en-US" dirty="0" err="1" smtClean="0">
+                <a:sym typeface="Wingdings" pitchFamily="2" charset="2"/>
+              </a:rPr>
+              <a:t>docker</a:t>
+            </a:r>
+            <a:r>
+              <a:rPr lang="en-US" dirty="0" smtClean="0">
+                <a:sym typeface="Wingdings" pitchFamily="2" charset="2"/>
+              </a:rPr>
+              <a:t>, install k8s)</a:t>
+            </a:r>
+          </a:p>
+          <a:p>
+            <a:pPr marL="342900" indent="-342900">
+              <a:buAutoNum type="arabicPeriod"/>
+            </a:pPr>
+            <a:r>
+              <a:rPr lang="en-US" dirty="0" err="1" smtClean="0">
+                <a:sym typeface="Wingdings" pitchFamily="2" charset="2"/>
+              </a:rPr>
+              <a:t>Ci-cd</a:t>
+            </a:r>
+            <a:r>
+              <a:rPr lang="en-US" dirty="0" smtClean="0">
+                <a:sym typeface="Wingdings" pitchFamily="2" charset="2"/>
+              </a:rPr>
+              <a:t> setup</a:t>
+            </a:r>
+          </a:p>
+          <a:p>
+            <a:pPr marL="342900" indent="-342900">
+              <a:buAutoNum type="arabicPeriod"/>
+            </a:pPr>
+            <a:endParaRPr lang="en-US" dirty="0"/>
+          </a:p>
+        </p:txBody>
+      </p:sp>
+    </p:spTree>
+  </p:cSld>
+  <p:clrMapOvr>
+    <a:masterClrMapping/>
+  </p:clrMapOvr>
+</p:sld>
+</file>
+
+<file path=ppt/slides/slide14.xml><?xml version="1.0" encoding="utf-8"?>
+<p:sld xmlns:a="http://schemas.openxmlformats.org/drawingml/2006/main" xmlns:r="http://schemas.openxmlformats.org/officeDocument/2006/relationships" xmlns:p="http://schemas.openxmlformats.org/presentationml/2006/main">
+  <p:cSld>
+    <p:spTree>
+      <p:nvGrpSpPr>
+        <p:cNvPr id="1" name=""/>
+        <p:cNvGrpSpPr/>
+        <p:nvPr/>
+      </p:nvGrpSpPr>
+      <p:grpSpPr>
+        <a:xfrm>
+          <a:off x="0" y="0"/>
+          <a:ext cx="0" cy="0"/>
+          <a:chOff x="0" y="0"/>
+          <a:chExt cx="0" cy="0"/>
+        </a:xfrm>
+      </p:grpSpPr>
+      <p:sp>
+        <p:nvSpPr>
+          <p:cNvPr id="2" name="Rectangle 1"/>
+          <p:cNvSpPr/>
+          <p:nvPr/>
+        </p:nvSpPr>
+        <p:spPr>
+          <a:xfrm>
+            <a:off x="3276600" y="342900"/>
+            <a:ext cx="5334000" cy="4876800"/>
+          </a:xfrm>
+          <a:prstGeom prst="rect">
+            <a:avLst/>
+          </a:prstGeom>
+          <a:noFill/>
+        </p:spPr>
+        <p:style>
+          <a:lnRef idx="2">
+            <a:schemeClr val="accent1">
+              <a:shade val="50000"/>
+            </a:schemeClr>
+          </a:lnRef>
+          <a:fillRef idx="1">
+            <a:schemeClr val="accent1"/>
+          </a:fillRef>
+          <a:effectRef idx="0">
+            <a:schemeClr val="accent1"/>
+          </a:effectRef>
+          <a:fontRef idx="minor">
+            <a:schemeClr val="lt1"/>
+          </a:fontRef>
+        </p:style>
+        <p:txBody>
+          <a:bodyPr rtlCol="0" anchor="ctr"/>
+          <a:lstStyle/>
+          <a:p>
+            <a:pPr algn="ctr"/>
+            <a:endParaRPr lang="en-US"/>
+          </a:p>
+        </p:txBody>
+      </p:sp>
+      <p:sp>
+        <p:nvSpPr>
+          <p:cNvPr id="3" name="TextBox 2"/>
+          <p:cNvSpPr txBox="1"/>
+          <p:nvPr/>
+        </p:nvSpPr>
+        <p:spPr>
+          <a:xfrm>
+            <a:off x="3352800" y="419100"/>
+            <a:ext cx="2645532" cy="369332"/>
+          </a:xfrm>
+          <a:prstGeom prst="rect">
+            <a:avLst/>
+          </a:prstGeom>
+          <a:noFill/>
+        </p:spPr>
+        <p:txBody>
+          <a:bodyPr wrap="none" rtlCol="0">
+            <a:spAutoFit/>
+          </a:bodyPr>
+          <a:lstStyle/>
+          <a:p>
+            <a:r>
+              <a:rPr lang="en-US" dirty="0" err="1" smtClean="0"/>
+              <a:t>Minikube</a:t>
+            </a:r>
+            <a:r>
+              <a:rPr lang="en-US" dirty="0" smtClean="0"/>
+              <a:t>: 192.168.99.100</a:t>
+            </a:r>
+            <a:endParaRPr lang="en-US" dirty="0"/>
+          </a:p>
+        </p:txBody>
+      </p:sp>
+      <p:sp>
+        <p:nvSpPr>
+          <p:cNvPr id="4" name="TextBox 3"/>
+          <p:cNvSpPr txBox="1"/>
+          <p:nvPr/>
+        </p:nvSpPr>
+        <p:spPr>
+          <a:xfrm>
+            <a:off x="3657600" y="1790700"/>
+            <a:ext cx="1312090" cy="369332"/>
+          </a:xfrm>
+          <a:prstGeom prst="rect">
+            <a:avLst/>
+          </a:prstGeom>
+          <a:noFill/>
+        </p:spPr>
+        <p:txBody>
+          <a:bodyPr wrap="none" rtlCol="0">
+            <a:spAutoFit/>
+          </a:bodyPr>
+          <a:lstStyle/>
+          <a:p>
+            <a:r>
+              <a:rPr lang="en-US" dirty="0" smtClean="0"/>
+              <a:t>K8s services</a:t>
+            </a:r>
+            <a:endParaRPr lang="en-US" dirty="0"/>
+          </a:p>
+        </p:txBody>
+      </p:sp>
+      <p:sp>
+        <p:nvSpPr>
+          <p:cNvPr id="6" name="Isosceles Triangle 5"/>
+          <p:cNvSpPr/>
+          <p:nvPr/>
+        </p:nvSpPr>
+        <p:spPr>
+          <a:xfrm>
+            <a:off x="1371600" y="3238500"/>
+            <a:ext cx="685800" cy="1066800"/>
+          </a:xfrm>
+          <a:prstGeom prst="triangle">
+            <a:avLst/>
+          </a:prstGeom>
+        </p:spPr>
+        <p:style>
+          <a:lnRef idx="2">
+            <a:schemeClr val="accent1">
+              <a:shade val="50000"/>
+            </a:schemeClr>
+          </a:lnRef>
+          <a:fillRef idx="1">
+            <a:schemeClr val="accent1"/>
+          </a:fillRef>
+          <a:effectRef idx="0">
+            <a:schemeClr val="accent1"/>
+          </a:effectRef>
+          <a:fontRef idx="minor">
+            <a:schemeClr val="lt1"/>
+          </a:fontRef>
+        </p:style>
+        <p:txBody>
+          <a:bodyPr rtlCol="0" anchor="ctr"/>
+          <a:lstStyle/>
+          <a:p>
+            <a:pPr algn="ctr"/>
+            <a:endParaRPr lang="en-US"/>
+          </a:p>
+        </p:txBody>
+      </p:sp>
+      <p:sp>
+        <p:nvSpPr>
+          <p:cNvPr id="5" name="Rectangle 4"/>
+          <p:cNvSpPr/>
+          <p:nvPr/>
+        </p:nvSpPr>
+        <p:spPr>
+          <a:xfrm>
+            <a:off x="457200" y="2247900"/>
+            <a:ext cx="2438400" cy="1600200"/>
+          </a:xfrm>
+          <a:prstGeom prst="rect">
+            <a:avLst/>
+          </a:prstGeom>
+        </p:spPr>
+        <p:style>
+          <a:lnRef idx="2">
+            <a:schemeClr val="accent1">
+              <a:shade val="50000"/>
+            </a:schemeClr>
+          </a:lnRef>
+          <a:fillRef idx="1">
+            <a:schemeClr val="accent1"/>
+          </a:fillRef>
+          <a:effectRef idx="0">
+            <a:schemeClr val="accent1"/>
+          </a:effectRef>
+          <a:fontRef idx="minor">
+            <a:schemeClr val="lt1"/>
+          </a:fontRef>
+        </p:style>
+        <p:txBody>
+          <a:bodyPr rtlCol="0" anchor="ctr"/>
+          <a:lstStyle/>
+          <a:p>
+            <a:pPr algn="ctr"/>
+            <a:r>
+              <a:rPr lang="en-US" dirty="0" err="1" smtClean="0"/>
+              <a:t>Kubectl</a:t>
+            </a:r>
+            <a:r>
+              <a:rPr lang="en-US" dirty="0" smtClean="0"/>
+              <a:t> version</a:t>
+            </a:r>
+          </a:p>
+          <a:p>
+            <a:pPr algn="ctr"/>
+            <a:r>
+              <a:rPr lang="en-US" dirty="0" smtClean="0"/>
+              <a:t>Apply –f pod.yml</a:t>
+            </a:r>
+            <a:endParaRPr lang="en-US" dirty="0"/>
+          </a:p>
+        </p:txBody>
+      </p:sp>
+      <p:cxnSp>
+        <p:nvCxnSpPr>
+          <p:cNvPr id="8" name="Straight Arrow Connector 7"/>
+          <p:cNvCxnSpPr>
+            <a:stCxn id="5" idx="3"/>
+            <a:endCxn id="4" idx="1"/>
+          </p:cNvCxnSpPr>
+          <p:nvPr/>
+        </p:nvCxnSpPr>
+        <p:spPr>
+          <a:xfrm flipV="1">
+            <a:off x="2895600" y="1975366"/>
+            <a:ext cx="762000" cy="1072634"/>
+          </a:xfrm>
+          <a:prstGeom prst="straightConnector1">
+            <a:avLst/>
+          </a:prstGeom>
+          <a:ln>
+            <a:tailEnd type="arrow"/>
+          </a:ln>
+        </p:spPr>
+        <p:style>
+          <a:lnRef idx="1">
+            <a:schemeClr val="accent1"/>
+          </a:lnRef>
+          <a:fillRef idx="0">
+            <a:schemeClr val="accent1"/>
+          </a:fillRef>
+          <a:effectRef idx="0">
+            <a:schemeClr val="accent1"/>
+          </a:effectRef>
+          <a:fontRef idx="minor">
+            <a:schemeClr val="tx1"/>
+          </a:fontRef>
+        </p:style>
+      </p:cxnSp>
+      <p:cxnSp>
+        <p:nvCxnSpPr>
+          <p:cNvPr id="10" name="Straight Arrow Connector 9"/>
+          <p:cNvCxnSpPr>
+            <a:stCxn id="4" idx="3"/>
+          </p:cNvCxnSpPr>
+          <p:nvPr/>
+        </p:nvCxnSpPr>
+        <p:spPr>
+          <a:xfrm flipV="1">
+            <a:off x="4969690" y="1866900"/>
+            <a:ext cx="1812110" cy="108466"/>
+          </a:xfrm>
+          <a:prstGeom prst="straightConnector1">
+            <a:avLst/>
+          </a:prstGeom>
+          <a:ln>
+            <a:tailEnd type="arrow"/>
+          </a:ln>
+        </p:spPr>
+        <p:style>
+          <a:lnRef idx="1">
+            <a:schemeClr val="accent1"/>
+          </a:lnRef>
+          <a:fillRef idx="0">
+            <a:schemeClr val="accent1"/>
+          </a:fillRef>
+          <a:effectRef idx="0">
+            <a:schemeClr val="accent1"/>
+          </a:effectRef>
+          <a:fontRef idx="minor">
+            <a:schemeClr val="tx1"/>
+          </a:fontRef>
+        </p:style>
+      </p:cxnSp>
+      <p:sp>
+        <p:nvSpPr>
+          <p:cNvPr id="11" name="Freeform 10"/>
+          <p:cNvSpPr/>
+          <p:nvPr/>
+        </p:nvSpPr>
+        <p:spPr>
+          <a:xfrm>
+            <a:off x="6915150" y="1154430"/>
+            <a:ext cx="217170" cy="1108710"/>
+          </a:xfrm>
+          <a:custGeom>
+            <a:avLst/>
+            <a:gdLst>
+              <a:gd name="connsiteX0" fmla="*/ 114300 w 217170"/>
+              <a:gd name="connsiteY0" fmla="*/ 0 h 1108710"/>
+              <a:gd name="connsiteX1" fmla="*/ 91440 w 217170"/>
+              <a:gd name="connsiteY1" fmla="*/ 45720 h 1108710"/>
+              <a:gd name="connsiteX2" fmla="*/ 68580 w 217170"/>
+              <a:gd name="connsiteY2" fmla="*/ 80010 h 1108710"/>
+              <a:gd name="connsiteX3" fmla="*/ 0 w 217170"/>
+              <a:gd name="connsiteY3" fmla="*/ 182880 h 1108710"/>
+              <a:gd name="connsiteX4" fmla="*/ 11430 w 217170"/>
+              <a:gd name="connsiteY4" fmla="*/ 331470 h 1108710"/>
+              <a:gd name="connsiteX5" fmla="*/ 22860 w 217170"/>
+              <a:gd name="connsiteY5" fmla="*/ 365760 h 1108710"/>
+              <a:gd name="connsiteX6" fmla="*/ 80010 w 217170"/>
+              <a:gd name="connsiteY6" fmla="*/ 411480 h 1108710"/>
+              <a:gd name="connsiteX7" fmla="*/ 125730 w 217170"/>
+              <a:gd name="connsiteY7" fmla="*/ 422910 h 1108710"/>
+              <a:gd name="connsiteX8" fmla="*/ 160020 w 217170"/>
+              <a:gd name="connsiteY8" fmla="*/ 434340 h 1108710"/>
+              <a:gd name="connsiteX9" fmla="*/ 217170 w 217170"/>
+              <a:gd name="connsiteY9" fmla="*/ 525780 h 1108710"/>
+              <a:gd name="connsiteX10" fmla="*/ 182880 w 217170"/>
+              <a:gd name="connsiteY10" fmla="*/ 800100 h 1108710"/>
+              <a:gd name="connsiteX11" fmla="*/ 171450 w 217170"/>
+              <a:gd name="connsiteY11" fmla="*/ 891540 h 1108710"/>
+              <a:gd name="connsiteX12" fmla="*/ 160020 w 217170"/>
+              <a:gd name="connsiteY12" fmla="*/ 960120 h 1108710"/>
+              <a:gd name="connsiteX13" fmla="*/ 160020 w 217170"/>
+              <a:gd name="connsiteY13" fmla="*/ 1108710 h 1108710"/>
+            </a:gdLst>
+            <a:ahLst/>
+            <a:cxnLst>
+              <a:cxn ang="0">
+                <a:pos x="connsiteX0" y="connsiteY0"/>
+              </a:cxn>
+              <a:cxn ang="0">
+                <a:pos x="connsiteX1" y="connsiteY1"/>
+              </a:cxn>
+              <a:cxn ang="0">
+                <a:pos x="connsiteX2" y="connsiteY2"/>
+              </a:cxn>
+              <a:cxn ang="0">
+                <a:pos x="connsiteX3" y="connsiteY3"/>
+              </a:cxn>
+              <a:cxn ang="0">
+                <a:pos x="connsiteX4" y="connsiteY4"/>
+              </a:cxn>
+              <a:cxn ang="0">
+                <a:pos x="connsiteX5" y="connsiteY5"/>
+              </a:cxn>
+              <a:cxn ang="0">
+                <a:pos x="connsiteX6" y="connsiteY6"/>
+              </a:cxn>
+              <a:cxn ang="0">
+                <a:pos x="connsiteX7" y="connsiteY7"/>
+              </a:cxn>
+              <a:cxn ang="0">
+                <a:pos x="connsiteX8" y="connsiteY8"/>
+              </a:cxn>
+              <a:cxn ang="0">
+                <a:pos x="connsiteX9" y="connsiteY9"/>
+              </a:cxn>
+              <a:cxn ang="0">
+                <a:pos x="connsiteX10" y="connsiteY10"/>
+              </a:cxn>
+              <a:cxn ang="0">
+                <a:pos x="connsiteX11" y="connsiteY11"/>
+              </a:cxn>
+              <a:cxn ang="0">
+                <a:pos x="connsiteX12" y="connsiteY12"/>
+              </a:cxn>
+              <a:cxn ang="0">
+                <a:pos x="connsiteX13" y="connsiteY13"/>
+              </a:cxn>
+            </a:cxnLst>
+            <a:rect l="l" t="t" r="r" b="b"/>
+            <a:pathLst>
+              <a:path w="217170" h="1108710">
+                <a:moveTo>
+                  <a:pt x="114300" y="0"/>
+                </a:moveTo>
+                <a:cubicBezTo>
+                  <a:pt x="106680" y="15240"/>
+                  <a:pt x="99894" y="30926"/>
+                  <a:pt x="91440" y="45720"/>
+                </a:cubicBezTo>
+                <a:cubicBezTo>
+                  <a:pt x="84624" y="57647"/>
+                  <a:pt x="75861" y="68361"/>
+                  <a:pt x="68580" y="80010"/>
+                </a:cubicBezTo>
+                <a:cubicBezTo>
+                  <a:pt x="13466" y="168192"/>
+                  <a:pt x="57072" y="106785"/>
+                  <a:pt x="0" y="182880"/>
+                </a:cubicBezTo>
+                <a:cubicBezTo>
+                  <a:pt x="3810" y="232410"/>
+                  <a:pt x="5268" y="282177"/>
+                  <a:pt x="11430" y="331470"/>
+                </a:cubicBezTo>
+                <a:cubicBezTo>
+                  <a:pt x="12924" y="343425"/>
+                  <a:pt x="15019" y="356612"/>
+                  <a:pt x="22860" y="365760"/>
+                </a:cubicBezTo>
+                <a:cubicBezTo>
+                  <a:pt x="38737" y="384283"/>
+                  <a:pt x="58684" y="399632"/>
+                  <a:pt x="80010" y="411480"/>
+                </a:cubicBezTo>
+                <a:cubicBezTo>
+                  <a:pt x="93742" y="419109"/>
+                  <a:pt x="110625" y="418594"/>
+                  <a:pt x="125730" y="422910"/>
+                </a:cubicBezTo>
+                <a:cubicBezTo>
+                  <a:pt x="137315" y="426220"/>
+                  <a:pt x="148590" y="430530"/>
+                  <a:pt x="160020" y="434340"/>
+                </a:cubicBezTo>
+                <a:cubicBezTo>
+                  <a:pt x="186078" y="460398"/>
+                  <a:pt x="217170" y="482485"/>
+                  <a:pt x="217170" y="525780"/>
+                </a:cubicBezTo>
+                <a:cubicBezTo>
+                  <a:pt x="217170" y="916000"/>
+                  <a:pt x="207873" y="650139"/>
+                  <a:pt x="182880" y="800100"/>
+                </a:cubicBezTo>
+                <a:cubicBezTo>
+                  <a:pt x="177830" y="830399"/>
+                  <a:pt x="175794" y="861132"/>
+                  <a:pt x="171450" y="891540"/>
+                </a:cubicBezTo>
+                <a:cubicBezTo>
+                  <a:pt x="168173" y="914482"/>
+                  <a:pt x="161238" y="936977"/>
+                  <a:pt x="160020" y="960120"/>
+                </a:cubicBezTo>
+                <a:cubicBezTo>
+                  <a:pt x="157417" y="1009582"/>
+                  <a:pt x="160020" y="1059180"/>
+                  <a:pt x="160020" y="1108710"/>
+                </a:cubicBezTo>
+              </a:path>
+            </a:pathLst>
+          </a:custGeom>
+        </p:spPr>
+        <p:style>
+          <a:lnRef idx="1">
+            <a:schemeClr val="accent1"/>
+          </a:lnRef>
+          <a:fillRef idx="0">
+            <a:schemeClr val="accent1"/>
+          </a:fillRef>
+          <a:effectRef idx="0">
+            <a:schemeClr val="accent1"/>
+          </a:effectRef>
+          <a:fontRef idx="minor">
+            <a:schemeClr val="tx1"/>
+          </a:fontRef>
+        </p:style>
+        <p:txBody>
+          <a:bodyPr rtlCol="0" anchor="ctr"/>
+          <a:lstStyle/>
+          <a:p>
+            <a:pPr algn="ctr"/>
+            <a:endParaRPr lang="en-US"/>
+          </a:p>
+        </p:txBody>
+      </p:sp>
+      <p:sp>
+        <p:nvSpPr>
+          <p:cNvPr id="12" name="TextBox 11"/>
+          <p:cNvSpPr txBox="1"/>
+          <p:nvPr/>
+        </p:nvSpPr>
+        <p:spPr>
+          <a:xfrm>
+            <a:off x="7162800" y="1485900"/>
+            <a:ext cx="818429" cy="369332"/>
+          </a:xfrm>
+          <a:prstGeom prst="rect">
+            <a:avLst/>
+          </a:prstGeom>
+          <a:noFill/>
+        </p:spPr>
+        <p:txBody>
+          <a:bodyPr wrap="none" rtlCol="0">
+            <a:spAutoFit/>
+          </a:bodyPr>
+          <a:lstStyle/>
+          <a:p>
+            <a:r>
+              <a:rPr lang="en-US" dirty="0" err="1" smtClean="0"/>
+              <a:t>docker</a:t>
+            </a:r>
+            <a:endParaRPr lang="en-US" dirty="0"/>
+          </a:p>
+        </p:txBody>
+      </p:sp>
+      <p:cxnSp>
+        <p:nvCxnSpPr>
+          <p:cNvPr id="14" name="Straight Arrow Connector 13"/>
+          <p:cNvCxnSpPr>
+            <a:stCxn id="11" idx="12"/>
+          </p:cNvCxnSpPr>
+          <p:nvPr/>
+        </p:nvCxnSpPr>
+        <p:spPr>
+          <a:xfrm flipH="1">
+            <a:off x="5943600" y="2114550"/>
+            <a:ext cx="1131570" cy="666750"/>
+          </a:xfrm>
+          <a:prstGeom prst="straightConnector1">
+            <a:avLst/>
+          </a:prstGeom>
+          <a:ln>
+            <a:tailEnd type="arrow"/>
+          </a:ln>
+        </p:spPr>
+        <p:style>
+          <a:lnRef idx="1">
+            <a:schemeClr val="accent1"/>
+          </a:lnRef>
+          <a:fillRef idx="0">
+            <a:schemeClr val="accent1"/>
+          </a:fillRef>
+          <a:effectRef idx="0">
+            <a:schemeClr val="accent1"/>
+          </a:effectRef>
+          <a:fontRef idx="minor">
+            <a:schemeClr val="tx1"/>
+          </a:fontRef>
+        </p:style>
+      </p:cxnSp>
+      <p:sp>
+        <p:nvSpPr>
+          <p:cNvPr id="15" name="Oval 14"/>
+          <p:cNvSpPr/>
+          <p:nvPr/>
+        </p:nvSpPr>
+        <p:spPr>
+          <a:xfrm>
+            <a:off x="5257800" y="2781300"/>
+            <a:ext cx="1143000" cy="685800"/>
+          </a:xfrm>
+          <a:prstGeom prst="ellipse">
+            <a:avLst/>
+          </a:prstGeom>
+        </p:spPr>
+        <p:style>
+          <a:lnRef idx="2">
+            <a:schemeClr val="accent1">
+              <a:shade val="50000"/>
+            </a:schemeClr>
+          </a:lnRef>
+          <a:fillRef idx="1">
+            <a:schemeClr val="accent1"/>
+          </a:fillRef>
+          <a:effectRef idx="0">
+            <a:schemeClr val="accent1"/>
+          </a:effectRef>
+          <a:fontRef idx="minor">
+            <a:schemeClr val="lt1"/>
+          </a:fontRef>
+        </p:style>
+        <p:txBody>
+          <a:bodyPr rtlCol="0" anchor="ctr"/>
+          <a:lstStyle/>
+          <a:p>
+            <a:pPr algn="ctr"/>
+            <a:r>
+              <a:rPr lang="en-US" dirty="0" smtClean="0"/>
+              <a:t>pod</a:t>
+            </a:r>
+            <a:endParaRPr lang="en-US" dirty="0"/>
+          </a:p>
+        </p:txBody>
+      </p:sp>
+      <p:cxnSp>
+        <p:nvCxnSpPr>
+          <p:cNvPr id="17" name="Straight Arrow Connector 16"/>
+          <p:cNvCxnSpPr>
+            <a:stCxn id="15" idx="6"/>
+          </p:cNvCxnSpPr>
+          <p:nvPr/>
+        </p:nvCxnSpPr>
+        <p:spPr>
+          <a:xfrm flipV="1">
+            <a:off x="6400800" y="1866900"/>
+            <a:ext cx="990600" cy="1257300"/>
+          </a:xfrm>
+          <a:prstGeom prst="straightConnector1">
+            <a:avLst/>
+          </a:prstGeom>
+          <a:ln>
+            <a:tailEnd type="arrow"/>
+          </a:ln>
+        </p:spPr>
+        <p:style>
+          <a:lnRef idx="1">
+            <a:schemeClr val="accent1"/>
+          </a:lnRef>
+          <a:fillRef idx="0">
+            <a:schemeClr val="accent1"/>
+          </a:fillRef>
+          <a:effectRef idx="0">
+            <a:schemeClr val="accent1"/>
+          </a:effectRef>
+          <a:fontRef idx="minor">
+            <a:schemeClr val="tx1"/>
+          </a:fontRef>
+        </p:style>
+      </p:cxnSp>
+      <p:cxnSp>
+        <p:nvCxnSpPr>
+          <p:cNvPr id="19" name="Straight Arrow Connector 18"/>
+          <p:cNvCxnSpPr>
+            <a:stCxn id="12" idx="2"/>
+          </p:cNvCxnSpPr>
+          <p:nvPr/>
+        </p:nvCxnSpPr>
+        <p:spPr>
+          <a:xfrm flipH="1">
+            <a:off x="7467600" y="1855232"/>
+            <a:ext cx="104415" cy="1230868"/>
+          </a:xfrm>
+          <a:prstGeom prst="straightConnector1">
+            <a:avLst/>
+          </a:prstGeom>
+          <a:ln>
+            <a:tailEnd type="arrow"/>
+          </a:ln>
+        </p:spPr>
+        <p:style>
+          <a:lnRef idx="1">
+            <a:schemeClr val="accent1"/>
+          </a:lnRef>
+          <a:fillRef idx="0">
+            <a:schemeClr val="accent1"/>
+          </a:fillRef>
+          <a:effectRef idx="0">
+            <a:schemeClr val="accent1"/>
+          </a:effectRef>
+          <a:fontRef idx="minor">
+            <a:schemeClr val="tx1"/>
+          </a:fontRef>
+        </p:style>
+      </p:cxnSp>
+      <p:sp>
+        <p:nvSpPr>
+          <p:cNvPr id="20" name="Oval 19"/>
+          <p:cNvSpPr/>
+          <p:nvPr/>
+        </p:nvSpPr>
+        <p:spPr>
+          <a:xfrm>
+            <a:off x="6858000" y="3086100"/>
+            <a:ext cx="1371600" cy="685800"/>
+          </a:xfrm>
+          <a:prstGeom prst="ellipse">
+            <a:avLst/>
+          </a:prstGeom>
+        </p:spPr>
+        <p:style>
+          <a:lnRef idx="2">
+            <a:schemeClr val="accent1">
+              <a:shade val="50000"/>
+            </a:schemeClr>
+          </a:lnRef>
+          <a:fillRef idx="1">
+            <a:schemeClr val="accent1"/>
+          </a:fillRef>
+          <a:effectRef idx="0">
+            <a:schemeClr val="accent1"/>
+          </a:effectRef>
+          <a:fontRef idx="minor">
+            <a:schemeClr val="lt1"/>
+          </a:fontRef>
+        </p:style>
+        <p:txBody>
+          <a:bodyPr rtlCol="0" anchor="ctr"/>
+          <a:lstStyle/>
+          <a:p>
+            <a:pPr algn="ctr"/>
+            <a:r>
+              <a:rPr lang="en-US" dirty="0" smtClean="0"/>
+              <a:t>Nginx:80</a:t>
+            </a:r>
+            <a:endParaRPr lang="en-US" dirty="0"/>
+          </a:p>
+        </p:txBody>
+      </p:sp>
+      <p:sp>
+        <p:nvSpPr>
+          <p:cNvPr id="21" name="Rectangle 20"/>
+          <p:cNvSpPr/>
+          <p:nvPr/>
+        </p:nvSpPr>
+        <p:spPr>
+          <a:xfrm>
+            <a:off x="3581400" y="3848100"/>
+            <a:ext cx="1676400" cy="1143000"/>
+          </a:xfrm>
+          <a:prstGeom prst="rect">
+            <a:avLst/>
+          </a:prstGeom>
+          <a:noFill/>
+        </p:spPr>
+        <p:style>
+          <a:lnRef idx="2">
+            <a:schemeClr val="accent1">
+              <a:shade val="50000"/>
+            </a:schemeClr>
+          </a:lnRef>
+          <a:fillRef idx="1">
+            <a:schemeClr val="accent1"/>
+          </a:fillRef>
+          <a:effectRef idx="0">
+            <a:schemeClr val="accent1"/>
+          </a:effectRef>
+          <a:fontRef idx="minor">
+            <a:schemeClr val="lt1"/>
+          </a:fontRef>
+        </p:style>
+        <p:txBody>
+          <a:bodyPr rtlCol="0" anchor="ctr"/>
+          <a:lstStyle/>
+          <a:p>
+            <a:pPr algn="ctr"/>
+            <a:endParaRPr lang="en-US"/>
+          </a:p>
+        </p:txBody>
+      </p:sp>
+      <p:sp>
+        <p:nvSpPr>
+          <p:cNvPr id="22" name="Oval 21"/>
+          <p:cNvSpPr/>
+          <p:nvPr/>
+        </p:nvSpPr>
+        <p:spPr>
+          <a:xfrm>
+            <a:off x="3581400" y="4152900"/>
+            <a:ext cx="1371600" cy="685800"/>
+          </a:xfrm>
+          <a:prstGeom prst="ellipse">
+            <a:avLst/>
+          </a:prstGeom>
+        </p:spPr>
+        <p:style>
+          <a:lnRef idx="2">
+            <a:schemeClr val="accent1">
+              <a:shade val="50000"/>
+            </a:schemeClr>
+          </a:lnRef>
+          <a:fillRef idx="1">
+            <a:schemeClr val="accent1"/>
+          </a:fillRef>
+          <a:effectRef idx="0">
+            <a:schemeClr val="accent1"/>
+          </a:effectRef>
+          <a:fontRef idx="minor">
+            <a:schemeClr val="lt1"/>
+          </a:fontRef>
+        </p:style>
+        <p:txBody>
+          <a:bodyPr rtlCol="0" anchor="ctr"/>
+          <a:lstStyle/>
+          <a:p>
+            <a:pPr algn="ctr"/>
+            <a:r>
+              <a:rPr lang="en-US" sz="1600" dirty="0" smtClean="0"/>
+              <a:t>Nginx:80</a:t>
+            </a:r>
+            <a:endParaRPr lang="en-US" sz="1600" dirty="0"/>
+          </a:p>
+        </p:txBody>
+      </p:sp>
+      <p:sp>
+        <p:nvSpPr>
+          <p:cNvPr id="23" name="TextBox 22"/>
+          <p:cNvSpPr txBox="1"/>
+          <p:nvPr/>
+        </p:nvSpPr>
+        <p:spPr>
+          <a:xfrm>
+            <a:off x="3587265" y="3543300"/>
+            <a:ext cx="1822935" cy="369332"/>
+          </a:xfrm>
+          <a:prstGeom prst="rect">
+            <a:avLst/>
+          </a:prstGeom>
+          <a:noFill/>
+        </p:spPr>
+        <p:txBody>
+          <a:bodyPr wrap="none" rtlCol="0">
+            <a:spAutoFit/>
+          </a:bodyPr>
+          <a:lstStyle/>
+          <a:p>
+            <a:r>
+              <a:rPr lang="en-US" dirty="0" smtClean="0"/>
+              <a:t>POD: 172.17.0.16</a:t>
+            </a:r>
+            <a:endParaRPr lang="en-US" dirty="0"/>
+          </a:p>
+        </p:txBody>
+      </p:sp>
+      <p:cxnSp>
+        <p:nvCxnSpPr>
+          <p:cNvPr id="25" name="Straight Arrow Connector 24"/>
+          <p:cNvCxnSpPr>
+            <a:stCxn id="23" idx="2"/>
+            <a:endCxn id="22" idx="0"/>
+          </p:cNvCxnSpPr>
+          <p:nvPr/>
+        </p:nvCxnSpPr>
+        <p:spPr>
+          <a:xfrm flipH="1">
+            <a:off x="4267200" y="3912632"/>
+            <a:ext cx="231533" cy="240268"/>
+          </a:xfrm>
+          <a:prstGeom prst="straightConnector1">
+            <a:avLst/>
+          </a:prstGeom>
+          <a:ln>
+            <a:tailEnd type="arrow"/>
+          </a:ln>
+        </p:spPr>
+        <p:style>
+          <a:lnRef idx="1">
+            <a:schemeClr val="accent1"/>
+          </a:lnRef>
+          <a:fillRef idx="0">
+            <a:schemeClr val="accent1"/>
+          </a:fillRef>
+          <a:effectRef idx="0">
+            <a:schemeClr val="accent1"/>
+          </a:effectRef>
+          <a:fontRef idx="minor">
+            <a:schemeClr val="tx1"/>
+          </a:fontRef>
+        </p:style>
+      </p:cxnSp>
+    </p:spTree>
+  </p:cSld>
+  <p:clrMapOvr>
+    <a:masterClrMapping/>
+  </p:clrMapOvr>
+</p:sld>
+</file>
+
+<file path=ppt/slides/slide15.xml><?xml version="1.0" encoding="utf-8"?>
+<p:sld xmlns:a="http://schemas.openxmlformats.org/drawingml/2006/main" xmlns:r="http://schemas.openxmlformats.org/officeDocument/2006/relationships" xmlns:p="http://schemas.openxmlformats.org/presentationml/2006/main">
+  <p:cSld>
+    <p:spTree>
+      <p:nvGrpSpPr>
+        <p:cNvPr id="1" name=""/>
+        <p:cNvGrpSpPr/>
+        <p:nvPr/>
+      </p:nvGrpSpPr>
+      <p:grpSpPr>
+        <a:xfrm>
+          <a:off x="0" y="0"/>
+          <a:ext cx="0" cy="0"/>
+          <a:chOff x="0" y="0"/>
+          <a:chExt cx="0" cy="0"/>
+        </a:xfrm>
+      </p:grpSpPr>
+      <p:sp>
+        <p:nvSpPr>
+          <p:cNvPr id="2" name="Rectangle 1"/>
+          <p:cNvSpPr/>
+          <p:nvPr/>
+        </p:nvSpPr>
+        <p:spPr>
+          <a:xfrm>
+            <a:off x="2362200" y="1562100"/>
+            <a:ext cx="1676400" cy="1143000"/>
+          </a:xfrm>
+          <a:prstGeom prst="rect">
+            <a:avLst/>
+          </a:prstGeom>
+          <a:noFill/>
+        </p:spPr>
+        <p:style>
+          <a:lnRef idx="2">
+            <a:schemeClr val="accent1">
+              <a:shade val="50000"/>
+            </a:schemeClr>
+          </a:lnRef>
+          <a:fillRef idx="1">
+            <a:schemeClr val="accent1"/>
+          </a:fillRef>
+          <a:effectRef idx="0">
+            <a:schemeClr val="accent1"/>
+          </a:effectRef>
+          <a:fontRef idx="minor">
+            <a:schemeClr val="lt1"/>
+          </a:fontRef>
+        </p:style>
+        <p:txBody>
+          <a:bodyPr rtlCol="0" anchor="ctr"/>
+          <a:lstStyle/>
+          <a:p>
+            <a:pPr algn="ctr"/>
+            <a:endParaRPr lang="en-US"/>
+          </a:p>
+        </p:txBody>
+      </p:sp>
+      <p:sp>
+        <p:nvSpPr>
+          <p:cNvPr id="3" name="Oval 2"/>
+          <p:cNvSpPr/>
+          <p:nvPr/>
+        </p:nvSpPr>
+        <p:spPr>
+          <a:xfrm>
+            <a:off x="2362200" y="1638300"/>
+            <a:ext cx="1371600" cy="990600"/>
+          </a:xfrm>
+          <a:prstGeom prst="ellipse">
+            <a:avLst/>
+          </a:prstGeom>
+        </p:spPr>
+        <p:style>
+          <a:lnRef idx="2">
+            <a:schemeClr val="accent1">
+              <a:shade val="50000"/>
+            </a:schemeClr>
+          </a:lnRef>
+          <a:fillRef idx="1">
+            <a:schemeClr val="accent1"/>
+          </a:fillRef>
+          <a:effectRef idx="0">
+            <a:schemeClr val="accent1"/>
+          </a:effectRef>
+          <a:fontRef idx="minor">
+            <a:schemeClr val="lt1"/>
+          </a:fontRef>
+        </p:style>
+        <p:txBody>
+          <a:bodyPr rtlCol="0" anchor="ctr"/>
+          <a:lstStyle/>
+          <a:p>
+            <a:pPr algn="ctr"/>
+            <a:r>
+              <a:rPr lang="en-US" sz="1600" dirty="0" smtClean="0"/>
+              <a:t>Ghost:2368</a:t>
+            </a:r>
+          </a:p>
+          <a:p>
+            <a:pPr algn="ctr"/>
+            <a:r>
+              <a:rPr lang="en-US" sz="1600" dirty="0" smtClean="0"/>
+              <a:t>Db-svc:8888</a:t>
+            </a:r>
+            <a:endParaRPr lang="en-US" sz="1600" dirty="0"/>
+          </a:p>
+        </p:txBody>
+      </p:sp>
+      <p:sp>
+        <p:nvSpPr>
+          <p:cNvPr id="4" name="TextBox 3"/>
+          <p:cNvSpPr txBox="1"/>
+          <p:nvPr/>
+        </p:nvSpPr>
+        <p:spPr>
+          <a:xfrm>
+            <a:off x="2368065" y="1257300"/>
+            <a:ext cx="1822935" cy="369332"/>
+          </a:xfrm>
+          <a:prstGeom prst="rect">
+            <a:avLst/>
+          </a:prstGeom>
+          <a:noFill/>
+        </p:spPr>
+        <p:txBody>
+          <a:bodyPr wrap="none" rtlCol="0">
+            <a:spAutoFit/>
+          </a:bodyPr>
+          <a:lstStyle/>
+          <a:p>
+            <a:r>
+              <a:rPr lang="en-US" dirty="0" smtClean="0"/>
+              <a:t>POD: 172.17.0.16</a:t>
+            </a:r>
+            <a:endParaRPr lang="en-US" dirty="0"/>
+          </a:p>
+        </p:txBody>
+      </p:sp>
+      <p:sp>
+        <p:nvSpPr>
+          <p:cNvPr id="5" name="Rectangle 4"/>
+          <p:cNvSpPr/>
+          <p:nvPr/>
+        </p:nvSpPr>
+        <p:spPr>
+          <a:xfrm>
+            <a:off x="4648200" y="1485900"/>
+            <a:ext cx="1676400" cy="2209800"/>
+          </a:xfrm>
+          <a:prstGeom prst="rect">
+            <a:avLst/>
+          </a:prstGeom>
+          <a:noFill/>
+        </p:spPr>
+        <p:style>
+          <a:lnRef idx="2">
+            <a:schemeClr val="accent1">
+              <a:shade val="50000"/>
+            </a:schemeClr>
+          </a:lnRef>
+          <a:fillRef idx="1">
+            <a:schemeClr val="accent1"/>
+          </a:fillRef>
+          <a:effectRef idx="0">
+            <a:schemeClr val="accent1"/>
+          </a:effectRef>
+          <a:fontRef idx="minor">
+            <a:schemeClr val="lt1"/>
+          </a:fontRef>
+        </p:style>
+        <p:txBody>
+          <a:bodyPr rtlCol="0" anchor="ctr"/>
+          <a:lstStyle/>
+          <a:p>
+            <a:pPr algn="ctr"/>
+            <a:endParaRPr lang="en-US"/>
+          </a:p>
+        </p:txBody>
+      </p:sp>
+      <p:sp>
+        <p:nvSpPr>
+          <p:cNvPr id="6" name="Oval 5"/>
+          <p:cNvSpPr/>
+          <p:nvPr/>
+        </p:nvSpPr>
+        <p:spPr>
+          <a:xfrm>
+            <a:off x="4648200" y="1485900"/>
+            <a:ext cx="1371600" cy="990600"/>
+          </a:xfrm>
+          <a:prstGeom prst="ellipse">
+            <a:avLst/>
+          </a:prstGeom>
+        </p:spPr>
+        <p:style>
+          <a:lnRef idx="2">
+            <a:schemeClr val="accent1">
+              <a:shade val="50000"/>
+            </a:schemeClr>
+          </a:lnRef>
+          <a:fillRef idx="1">
+            <a:schemeClr val="accent1"/>
+          </a:fillRef>
+          <a:effectRef idx="0">
+            <a:schemeClr val="accent1"/>
+          </a:effectRef>
+          <a:fontRef idx="minor">
+            <a:schemeClr val="lt1"/>
+          </a:fontRef>
+        </p:style>
+        <p:txBody>
+          <a:bodyPr rtlCol="0" anchor="ctr"/>
+          <a:lstStyle/>
+          <a:p>
+            <a:pPr algn="ctr"/>
+            <a:r>
+              <a:rPr lang="en-US" sz="1600" dirty="0" smtClean="0"/>
+              <a:t>Ghost:2368</a:t>
+            </a:r>
+          </a:p>
+          <a:p>
+            <a:pPr algn="ctr"/>
+            <a:r>
+              <a:rPr lang="en-US" sz="1600" dirty="0" smtClean="0"/>
+              <a:t>Localhost:3306</a:t>
+            </a:r>
+            <a:endParaRPr lang="en-US" sz="1600" dirty="0"/>
+          </a:p>
+        </p:txBody>
+      </p:sp>
+      <p:sp>
+        <p:nvSpPr>
+          <p:cNvPr id="7" name="TextBox 6"/>
+          <p:cNvSpPr txBox="1"/>
+          <p:nvPr/>
+        </p:nvSpPr>
+        <p:spPr>
+          <a:xfrm>
+            <a:off x="4654065" y="1181100"/>
+            <a:ext cx="1822935" cy="369332"/>
+          </a:xfrm>
+          <a:prstGeom prst="rect">
+            <a:avLst/>
+          </a:prstGeom>
+          <a:noFill/>
+        </p:spPr>
+        <p:txBody>
+          <a:bodyPr wrap="none" rtlCol="0">
+            <a:spAutoFit/>
+          </a:bodyPr>
+          <a:lstStyle/>
+          <a:p>
+            <a:r>
+              <a:rPr lang="en-US" dirty="0" smtClean="0"/>
+              <a:t>POD: 172.17.0.21</a:t>
+            </a:r>
+            <a:endParaRPr lang="en-US" dirty="0"/>
+          </a:p>
+        </p:txBody>
+      </p:sp>
+      <p:sp>
+        <p:nvSpPr>
+          <p:cNvPr id="8" name="Oval 7"/>
+          <p:cNvSpPr/>
+          <p:nvPr/>
+        </p:nvSpPr>
+        <p:spPr>
+          <a:xfrm>
+            <a:off x="4953000" y="2781300"/>
+            <a:ext cx="1371600" cy="685800"/>
+          </a:xfrm>
+          <a:prstGeom prst="ellipse">
+            <a:avLst/>
+          </a:prstGeom>
+        </p:spPr>
+        <p:style>
+          <a:lnRef idx="2">
+            <a:schemeClr val="accent1">
+              <a:shade val="50000"/>
+            </a:schemeClr>
+          </a:lnRef>
+          <a:fillRef idx="1">
+            <a:schemeClr val="accent1"/>
+          </a:fillRef>
+          <a:effectRef idx="0">
+            <a:schemeClr val="accent1"/>
+          </a:effectRef>
+          <a:fontRef idx="minor">
+            <a:schemeClr val="lt1"/>
+          </a:fontRef>
+        </p:style>
+        <p:txBody>
+          <a:bodyPr rtlCol="0" anchor="ctr"/>
+          <a:lstStyle/>
+          <a:p>
+            <a:pPr algn="ctr"/>
+            <a:r>
+              <a:rPr lang="en-US" sz="1600" dirty="0" smtClean="0"/>
+              <a:t>mysql:3306</a:t>
+            </a:r>
+            <a:endParaRPr lang="en-US" sz="1600" dirty="0"/>
+          </a:p>
+        </p:txBody>
+      </p:sp>
+      <p:sp>
+        <p:nvSpPr>
+          <p:cNvPr id="9" name="Rectangle 8"/>
+          <p:cNvSpPr/>
+          <p:nvPr/>
+        </p:nvSpPr>
+        <p:spPr>
+          <a:xfrm>
+            <a:off x="2286000" y="3848100"/>
+            <a:ext cx="1676400" cy="990600"/>
+          </a:xfrm>
+          <a:prstGeom prst="rect">
+            <a:avLst/>
+          </a:prstGeom>
+          <a:noFill/>
+        </p:spPr>
+        <p:style>
+          <a:lnRef idx="2">
+            <a:schemeClr val="accent1">
+              <a:shade val="50000"/>
+            </a:schemeClr>
+          </a:lnRef>
+          <a:fillRef idx="1">
+            <a:schemeClr val="accent1"/>
+          </a:fillRef>
+          <a:effectRef idx="0">
+            <a:schemeClr val="accent1"/>
+          </a:effectRef>
+          <a:fontRef idx="minor">
+            <a:schemeClr val="lt1"/>
+          </a:fontRef>
+        </p:style>
+        <p:txBody>
+          <a:bodyPr rtlCol="0" anchor="ctr"/>
+          <a:lstStyle/>
+          <a:p>
+            <a:pPr algn="ctr"/>
+            <a:endParaRPr lang="en-US"/>
+          </a:p>
+        </p:txBody>
+      </p:sp>
+      <p:sp>
+        <p:nvSpPr>
+          <p:cNvPr id="10" name="Oval 9"/>
+          <p:cNvSpPr/>
+          <p:nvPr/>
+        </p:nvSpPr>
+        <p:spPr>
+          <a:xfrm>
+            <a:off x="6705600" y="1409700"/>
+            <a:ext cx="1371600" cy="990600"/>
+          </a:xfrm>
+          <a:prstGeom prst="ellipse">
+            <a:avLst/>
+          </a:prstGeom>
+        </p:spPr>
+        <p:style>
+          <a:lnRef idx="2">
+            <a:schemeClr val="accent1">
+              <a:shade val="50000"/>
+            </a:schemeClr>
+          </a:lnRef>
+          <a:fillRef idx="1">
+            <a:schemeClr val="accent1"/>
+          </a:fillRef>
+          <a:effectRef idx="0">
+            <a:schemeClr val="accent1"/>
+          </a:effectRef>
+          <a:fontRef idx="minor">
+            <a:schemeClr val="lt1"/>
+          </a:fontRef>
+        </p:style>
+        <p:txBody>
+          <a:bodyPr rtlCol="0" anchor="ctr"/>
+          <a:lstStyle/>
+          <a:p>
+            <a:pPr algn="ctr"/>
+            <a:r>
+              <a:rPr lang="en-US" sz="1600" dirty="0" smtClean="0"/>
+              <a:t>Ghost:2368</a:t>
+            </a:r>
+          </a:p>
+          <a:p>
+            <a:pPr algn="ctr"/>
+            <a:r>
+              <a:rPr lang="en-US" sz="1600" dirty="0" smtClean="0"/>
+              <a:t>Localhost:3306</a:t>
+            </a:r>
+            <a:endParaRPr lang="en-US" sz="1600" dirty="0"/>
+          </a:p>
+        </p:txBody>
+      </p:sp>
+      <p:sp>
+        <p:nvSpPr>
+          <p:cNvPr id="11" name="TextBox 10"/>
+          <p:cNvSpPr txBox="1"/>
+          <p:nvPr/>
+        </p:nvSpPr>
+        <p:spPr>
+          <a:xfrm>
+            <a:off x="2209800" y="3467100"/>
+            <a:ext cx="1822935" cy="369332"/>
+          </a:xfrm>
+          <a:prstGeom prst="rect">
+            <a:avLst/>
+          </a:prstGeom>
+          <a:noFill/>
+        </p:spPr>
+        <p:txBody>
+          <a:bodyPr wrap="none" rtlCol="0">
+            <a:spAutoFit/>
+          </a:bodyPr>
+          <a:lstStyle/>
+          <a:p>
+            <a:r>
+              <a:rPr lang="en-US" dirty="0" smtClean="0"/>
+              <a:t>POD: 172.17.0.18</a:t>
+            </a:r>
+            <a:endParaRPr lang="en-US" dirty="0"/>
+          </a:p>
+        </p:txBody>
+      </p:sp>
+      <p:sp>
+        <p:nvSpPr>
+          <p:cNvPr id="12" name="Oval 11"/>
+          <p:cNvSpPr/>
+          <p:nvPr/>
+        </p:nvSpPr>
+        <p:spPr>
+          <a:xfrm>
+            <a:off x="2590800" y="3924300"/>
+            <a:ext cx="1371600" cy="685800"/>
+          </a:xfrm>
+          <a:prstGeom prst="ellipse">
+            <a:avLst/>
+          </a:prstGeom>
+        </p:spPr>
+        <p:style>
+          <a:lnRef idx="2">
+            <a:schemeClr val="accent1">
+              <a:shade val="50000"/>
+            </a:schemeClr>
+          </a:lnRef>
+          <a:fillRef idx="1">
+            <a:schemeClr val="accent1"/>
+          </a:fillRef>
+          <a:effectRef idx="0">
+            <a:schemeClr val="accent1"/>
+          </a:effectRef>
+          <a:fontRef idx="minor">
+            <a:schemeClr val="lt1"/>
+          </a:fontRef>
+        </p:style>
+        <p:txBody>
+          <a:bodyPr rtlCol="0" anchor="ctr"/>
+          <a:lstStyle/>
+          <a:p>
+            <a:pPr algn="ctr"/>
+            <a:r>
+              <a:rPr lang="en-US" sz="1600" dirty="0" smtClean="0"/>
+              <a:t>mysql:3306</a:t>
+            </a:r>
+            <a:endParaRPr lang="en-US" sz="1600" dirty="0"/>
+          </a:p>
+        </p:txBody>
+      </p:sp>
+      <p:sp>
+        <p:nvSpPr>
+          <p:cNvPr id="13" name="Rectangle 12"/>
+          <p:cNvSpPr/>
+          <p:nvPr/>
+        </p:nvSpPr>
+        <p:spPr>
+          <a:xfrm>
+            <a:off x="6705600" y="2781300"/>
+            <a:ext cx="1676400" cy="990600"/>
+          </a:xfrm>
+          <a:prstGeom prst="rect">
+            <a:avLst/>
+          </a:prstGeom>
+          <a:noFill/>
+        </p:spPr>
+        <p:style>
+          <a:lnRef idx="2">
+            <a:schemeClr val="accent1">
+              <a:shade val="50000"/>
+            </a:schemeClr>
+          </a:lnRef>
+          <a:fillRef idx="1">
+            <a:schemeClr val="accent1"/>
+          </a:fillRef>
+          <a:effectRef idx="0">
+            <a:schemeClr val="accent1"/>
+          </a:effectRef>
+          <a:fontRef idx="minor">
+            <a:schemeClr val="lt1"/>
+          </a:fontRef>
+        </p:style>
+        <p:txBody>
+          <a:bodyPr rtlCol="0" anchor="ctr"/>
+          <a:lstStyle/>
+          <a:p>
+            <a:pPr algn="ctr"/>
+            <a:endParaRPr lang="en-US"/>
+          </a:p>
+        </p:txBody>
+      </p:sp>
+      <p:sp>
+        <p:nvSpPr>
+          <p:cNvPr id="14" name="Oval 13"/>
+          <p:cNvSpPr/>
+          <p:nvPr/>
+        </p:nvSpPr>
+        <p:spPr>
+          <a:xfrm>
+            <a:off x="7010400" y="2857500"/>
+            <a:ext cx="1371600" cy="685800"/>
+          </a:xfrm>
+          <a:prstGeom prst="ellipse">
+            <a:avLst/>
+          </a:prstGeom>
+        </p:spPr>
+        <p:style>
+          <a:lnRef idx="2">
+            <a:schemeClr val="accent1">
+              <a:shade val="50000"/>
+            </a:schemeClr>
+          </a:lnRef>
+          <a:fillRef idx="1">
+            <a:schemeClr val="accent1"/>
+          </a:fillRef>
+          <a:effectRef idx="0">
+            <a:schemeClr val="accent1"/>
+          </a:effectRef>
+          <a:fontRef idx="minor">
+            <a:schemeClr val="lt1"/>
+          </a:fontRef>
+        </p:style>
+        <p:txBody>
+          <a:bodyPr rtlCol="0" anchor="ctr"/>
+          <a:lstStyle/>
+          <a:p>
+            <a:pPr algn="ctr"/>
+            <a:r>
+              <a:rPr lang="en-US" sz="1600" dirty="0" smtClean="0"/>
+              <a:t>mysql:3306</a:t>
+            </a:r>
+            <a:endParaRPr lang="en-US" sz="1600" dirty="0"/>
+          </a:p>
+        </p:txBody>
+      </p:sp>
+      <p:sp>
+        <p:nvSpPr>
+          <p:cNvPr id="15" name="Rectangle 14"/>
+          <p:cNvSpPr/>
+          <p:nvPr/>
+        </p:nvSpPr>
+        <p:spPr>
+          <a:xfrm>
+            <a:off x="304800" y="1790700"/>
+            <a:ext cx="1676400" cy="1143000"/>
+          </a:xfrm>
+          <a:prstGeom prst="rect">
+            <a:avLst/>
+          </a:prstGeom>
+          <a:noFill/>
+        </p:spPr>
+        <p:style>
+          <a:lnRef idx="2">
+            <a:schemeClr val="accent1">
+              <a:shade val="50000"/>
+            </a:schemeClr>
+          </a:lnRef>
+          <a:fillRef idx="1">
+            <a:schemeClr val="accent1"/>
+          </a:fillRef>
+          <a:effectRef idx="0">
+            <a:schemeClr val="accent1"/>
+          </a:effectRef>
+          <a:fontRef idx="minor">
+            <a:schemeClr val="lt1"/>
+          </a:fontRef>
+        </p:style>
+        <p:txBody>
+          <a:bodyPr rtlCol="0" anchor="ctr"/>
+          <a:lstStyle/>
+          <a:p>
+            <a:pPr algn="ctr"/>
+            <a:endParaRPr lang="en-US"/>
+          </a:p>
+        </p:txBody>
+      </p:sp>
+      <p:sp>
+        <p:nvSpPr>
+          <p:cNvPr id="16" name="Oval 15"/>
+          <p:cNvSpPr/>
+          <p:nvPr/>
+        </p:nvSpPr>
+        <p:spPr>
+          <a:xfrm>
+            <a:off x="304800" y="2095500"/>
+            <a:ext cx="1371600" cy="685800"/>
+          </a:xfrm>
+          <a:prstGeom prst="ellipse">
+            <a:avLst/>
+          </a:prstGeom>
+        </p:spPr>
+        <p:style>
+          <a:lnRef idx="2">
+            <a:schemeClr val="accent1">
+              <a:shade val="50000"/>
+            </a:schemeClr>
+          </a:lnRef>
+          <a:fillRef idx="1">
+            <a:schemeClr val="accent1"/>
+          </a:fillRef>
+          <a:effectRef idx="0">
+            <a:schemeClr val="accent1"/>
+          </a:effectRef>
+          <a:fontRef idx="minor">
+            <a:schemeClr val="lt1"/>
+          </a:fontRef>
+        </p:style>
+        <p:txBody>
+          <a:bodyPr rtlCol="0" anchor="ctr"/>
+          <a:lstStyle/>
+          <a:p>
+            <a:pPr algn="ctr"/>
+            <a:r>
+              <a:rPr lang="en-US" sz="1600" dirty="0" smtClean="0"/>
+              <a:t>Ghost:2368</a:t>
+            </a:r>
+            <a:endParaRPr lang="en-US" sz="1600" dirty="0"/>
+          </a:p>
+        </p:txBody>
+      </p:sp>
+      <p:sp>
+        <p:nvSpPr>
+          <p:cNvPr id="17" name="TextBox 16"/>
+          <p:cNvSpPr txBox="1"/>
+          <p:nvPr/>
+        </p:nvSpPr>
+        <p:spPr>
+          <a:xfrm>
+            <a:off x="310665" y="1485900"/>
+            <a:ext cx="1822935" cy="369332"/>
+          </a:xfrm>
+          <a:prstGeom prst="rect">
+            <a:avLst/>
+          </a:prstGeom>
+          <a:noFill/>
+        </p:spPr>
+        <p:txBody>
+          <a:bodyPr wrap="none" rtlCol="0">
+            <a:spAutoFit/>
+          </a:bodyPr>
+          <a:lstStyle/>
+          <a:p>
+            <a:r>
+              <a:rPr lang="en-US" dirty="0" smtClean="0"/>
+              <a:t>POD: 172.17.0.17</a:t>
+            </a:r>
+            <a:endParaRPr lang="en-US" dirty="0"/>
+          </a:p>
+        </p:txBody>
+      </p:sp>
+      <p:sp>
+        <p:nvSpPr>
+          <p:cNvPr id="18" name="Rectangle 17"/>
+          <p:cNvSpPr/>
+          <p:nvPr/>
+        </p:nvSpPr>
+        <p:spPr>
+          <a:xfrm>
+            <a:off x="228600" y="3695700"/>
+            <a:ext cx="1676400" cy="1143000"/>
+          </a:xfrm>
+          <a:prstGeom prst="rect">
+            <a:avLst/>
+          </a:prstGeom>
+          <a:noFill/>
+        </p:spPr>
+        <p:style>
+          <a:lnRef idx="2">
+            <a:schemeClr val="accent1">
+              <a:shade val="50000"/>
+            </a:schemeClr>
+          </a:lnRef>
+          <a:fillRef idx="1">
+            <a:schemeClr val="accent1"/>
+          </a:fillRef>
+          <a:effectRef idx="0">
+            <a:schemeClr val="accent1"/>
+          </a:effectRef>
+          <a:fontRef idx="minor">
+            <a:schemeClr val="lt1"/>
+          </a:fontRef>
+        </p:style>
+        <p:txBody>
+          <a:bodyPr rtlCol="0" anchor="ctr"/>
+          <a:lstStyle/>
+          <a:p>
+            <a:pPr algn="ctr"/>
+            <a:endParaRPr lang="en-US"/>
+          </a:p>
+        </p:txBody>
+      </p:sp>
+      <p:sp>
+        <p:nvSpPr>
+          <p:cNvPr id="19" name="Oval 18"/>
+          <p:cNvSpPr/>
+          <p:nvPr/>
+        </p:nvSpPr>
+        <p:spPr>
+          <a:xfrm>
+            <a:off x="228600" y="4000500"/>
+            <a:ext cx="1371600" cy="685800"/>
+          </a:xfrm>
+          <a:prstGeom prst="ellipse">
+            <a:avLst/>
+          </a:prstGeom>
+        </p:spPr>
+        <p:style>
+          <a:lnRef idx="2">
+            <a:schemeClr val="accent1">
+              <a:shade val="50000"/>
+            </a:schemeClr>
+          </a:lnRef>
+          <a:fillRef idx="1">
+            <a:schemeClr val="accent1"/>
+          </a:fillRef>
+          <a:effectRef idx="0">
+            <a:schemeClr val="accent1"/>
+          </a:effectRef>
+          <a:fontRef idx="minor">
+            <a:schemeClr val="lt1"/>
+          </a:fontRef>
+        </p:style>
+        <p:txBody>
+          <a:bodyPr rtlCol="0" anchor="ctr"/>
+          <a:lstStyle/>
+          <a:p>
+            <a:pPr algn="ctr"/>
+            <a:r>
+              <a:rPr lang="en-US" sz="1600" dirty="0" smtClean="0"/>
+              <a:t>Ghost:2368</a:t>
+            </a:r>
+            <a:endParaRPr lang="en-US" sz="1600" dirty="0"/>
+          </a:p>
+        </p:txBody>
+      </p:sp>
+      <p:sp>
+        <p:nvSpPr>
+          <p:cNvPr id="20" name="TextBox 19"/>
+          <p:cNvSpPr txBox="1"/>
+          <p:nvPr/>
+        </p:nvSpPr>
+        <p:spPr>
+          <a:xfrm>
+            <a:off x="234465" y="3390900"/>
+            <a:ext cx="1822935" cy="369332"/>
+          </a:xfrm>
+          <a:prstGeom prst="rect">
+            <a:avLst/>
+          </a:prstGeom>
+          <a:noFill/>
+        </p:spPr>
+        <p:txBody>
+          <a:bodyPr wrap="none" rtlCol="0">
+            <a:spAutoFit/>
+          </a:bodyPr>
+          <a:lstStyle/>
+          <a:p>
+            <a:r>
+              <a:rPr lang="en-US" dirty="0" smtClean="0"/>
+              <a:t>POD: 172.17.0.20</a:t>
+            </a:r>
+            <a:endParaRPr lang="en-US" dirty="0"/>
+          </a:p>
+        </p:txBody>
+      </p:sp>
+      <p:cxnSp>
+        <p:nvCxnSpPr>
+          <p:cNvPr id="22" name="Straight Arrow Connector 21"/>
+          <p:cNvCxnSpPr/>
+          <p:nvPr/>
+        </p:nvCxnSpPr>
+        <p:spPr>
+          <a:xfrm>
+            <a:off x="3048000" y="2781300"/>
+            <a:ext cx="228600" cy="76200"/>
+          </a:xfrm>
+          <a:prstGeom prst="straightConnector1">
+            <a:avLst/>
+          </a:prstGeom>
+          <a:ln>
+            <a:tailEnd type="arrow"/>
+          </a:ln>
+        </p:spPr>
+        <p:style>
+          <a:lnRef idx="1">
+            <a:schemeClr val="accent1"/>
+          </a:lnRef>
+          <a:fillRef idx="0">
+            <a:schemeClr val="accent1"/>
+          </a:fillRef>
+          <a:effectRef idx="0">
+            <a:schemeClr val="accent1"/>
+          </a:effectRef>
+          <a:fontRef idx="minor">
+            <a:schemeClr val="tx1"/>
+          </a:fontRef>
+        </p:style>
+      </p:cxnSp>
+      <p:cxnSp>
+        <p:nvCxnSpPr>
+          <p:cNvPr id="24" name="Straight Arrow Connector 23"/>
+          <p:cNvCxnSpPr>
+            <a:stCxn id="16" idx="4"/>
+          </p:cNvCxnSpPr>
+          <p:nvPr/>
+        </p:nvCxnSpPr>
+        <p:spPr>
+          <a:xfrm>
+            <a:off x="990600" y="2781300"/>
+            <a:ext cx="1371600" cy="685800"/>
+          </a:xfrm>
+          <a:prstGeom prst="straightConnector1">
+            <a:avLst/>
+          </a:prstGeom>
+          <a:ln>
+            <a:tailEnd type="arrow"/>
+          </a:ln>
+        </p:spPr>
+        <p:style>
+          <a:lnRef idx="1">
+            <a:schemeClr val="accent1"/>
+          </a:lnRef>
+          <a:fillRef idx="0">
+            <a:schemeClr val="accent1"/>
+          </a:fillRef>
+          <a:effectRef idx="0">
+            <a:schemeClr val="accent1"/>
+          </a:effectRef>
+          <a:fontRef idx="minor">
+            <a:schemeClr val="tx1"/>
+          </a:fontRef>
+        </p:style>
+      </p:cxnSp>
+      <p:cxnSp>
+        <p:nvCxnSpPr>
+          <p:cNvPr id="26" name="Straight Arrow Connector 25"/>
+          <p:cNvCxnSpPr/>
+          <p:nvPr/>
+        </p:nvCxnSpPr>
+        <p:spPr>
+          <a:xfrm>
+            <a:off x="2362200" y="3619500"/>
+            <a:ext cx="304800" cy="457200"/>
+          </a:xfrm>
+          <a:prstGeom prst="straightConnector1">
+            <a:avLst/>
+          </a:prstGeom>
+          <a:ln>
+            <a:tailEnd type="arrow"/>
+          </a:ln>
+        </p:spPr>
+        <p:style>
+          <a:lnRef idx="1">
+            <a:schemeClr val="accent1"/>
+          </a:lnRef>
+          <a:fillRef idx="0">
+            <a:schemeClr val="accent1"/>
+          </a:fillRef>
+          <a:effectRef idx="0">
+            <a:schemeClr val="accent1"/>
+          </a:effectRef>
+          <a:fontRef idx="minor">
+            <a:schemeClr val="tx1"/>
+          </a:fontRef>
+        </p:style>
+      </p:cxnSp>
+      <p:sp>
+        <p:nvSpPr>
+          <p:cNvPr id="30" name="TextBox 29"/>
+          <p:cNvSpPr txBox="1"/>
+          <p:nvPr/>
+        </p:nvSpPr>
+        <p:spPr>
+          <a:xfrm>
+            <a:off x="2971800" y="3009900"/>
+            <a:ext cx="1335750" cy="369332"/>
+          </a:xfrm>
+          <a:prstGeom prst="rect">
+            <a:avLst/>
+          </a:prstGeom>
+          <a:noFill/>
+        </p:spPr>
+        <p:txBody>
+          <a:bodyPr wrap="none" rtlCol="0">
+            <a:spAutoFit/>
+          </a:bodyPr>
+          <a:lstStyle/>
+          <a:p>
+            <a:r>
+              <a:rPr lang="en-US" dirty="0" smtClean="0"/>
+              <a:t>Db-svc:8888</a:t>
+            </a:r>
+            <a:endParaRPr lang="en-US" dirty="0"/>
+          </a:p>
+        </p:txBody>
+      </p:sp>
+      <p:cxnSp>
+        <p:nvCxnSpPr>
+          <p:cNvPr id="32" name="Straight Arrow Connector 31"/>
+          <p:cNvCxnSpPr>
+            <a:endCxn id="11" idx="2"/>
+          </p:cNvCxnSpPr>
+          <p:nvPr/>
+        </p:nvCxnSpPr>
+        <p:spPr>
+          <a:xfrm flipH="1">
+            <a:off x="3121268" y="3543300"/>
+            <a:ext cx="231532" cy="293132"/>
+          </a:xfrm>
+          <a:prstGeom prst="straightConnector1">
+            <a:avLst/>
+          </a:prstGeom>
+          <a:ln>
+            <a:tailEnd type="arrow"/>
+          </a:ln>
+        </p:spPr>
+        <p:style>
+          <a:lnRef idx="1">
+            <a:schemeClr val="accent1"/>
+          </a:lnRef>
+          <a:fillRef idx="0">
+            <a:schemeClr val="accent1"/>
+          </a:fillRef>
+          <a:effectRef idx="0">
+            <a:schemeClr val="accent1"/>
+          </a:effectRef>
+          <a:fontRef idx="minor">
+            <a:schemeClr val="tx1"/>
+          </a:fontRef>
+        </p:style>
+      </p:cxnSp>
+      <p:sp>
+        <p:nvSpPr>
+          <p:cNvPr id="33" name="TextBox 32"/>
+          <p:cNvSpPr txBox="1"/>
+          <p:nvPr/>
+        </p:nvSpPr>
+        <p:spPr>
+          <a:xfrm>
+            <a:off x="2895600" y="723900"/>
+            <a:ext cx="1094339" cy="369332"/>
+          </a:xfrm>
+          <a:prstGeom prst="rect">
+            <a:avLst/>
+          </a:prstGeom>
+          <a:noFill/>
+        </p:spPr>
+        <p:txBody>
+          <a:bodyPr wrap="none" rtlCol="0">
+            <a:spAutoFit/>
+          </a:bodyPr>
+          <a:lstStyle/>
+          <a:p>
+            <a:r>
+              <a:rPr lang="en-US" dirty="0" smtClean="0"/>
+              <a:t>Ghost-svc</a:t>
+            </a:r>
+            <a:endParaRPr lang="en-US" dirty="0"/>
+          </a:p>
+        </p:txBody>
+      </p:sp>
+      <p:cxnSp>
+        <p:nvCxnSpPr>
+          <p:cNvPr id="35" name="Straight Arrow Connector 34"/>
+          <p:cNvCxnSpPr/>
+          <p:nvPr/>
+        </p:nvCxnSpPr>
+        <p:spPr>
+          <a:xfrm>
+            <a:off x="2438400" y="266700"/>
+            <a:ext cx="685800" cy="609600"/>
+          </a:xfrm>
+          <a:prstGeom prst="straightConnector1">
+            <a:avLst/>
+          </a:prstGeom>
+          <a:ln>
+            <a:tailEnd type="arrow"/>
+          </a:ln>
+        </p:spPr>
+        <p:style>
+          <a:lnRef idx="1">
+            <a:schemeClr val="accent1"/>
+          </a:lnRef>
+          <a:fillRef idx="0">
+            <a:schemeClr val="accent1"/>
+          </a:fillRef>
+          <a:effectRef idx="0">
+            <a:schemeClr val="accent1"/>
+          </a:effectRef>
+          <a:fontRef idx="minor">
+            <a:schemeClr val="tx1"/>
+          </a:fontRef>
+        </p:style>
+      </p:cxnSp>
+      <p:cxnSp>
+        <p:nvCxnSpPr>
+          <p:cNvPr id="37" name="Straight Arrow Connector 36"/>
+          <p:cNvCxnSpPr>
+            <a:stCxn id="33" idx="2"/>
+            <a:endCxn id="4" idx="2"/>
+          </p:cNvCxnSpPr>
+          <p:nvPr/>
+        </p:nvCxnSpPr>
+        <p:spPr>
+          <a:xfrm flipH="1">
+            <a:off x="3279533" y="1093232"/>
+            <a:ext cx="163237" cy="533400"/>
+          </a:xfrm>
+          <a:prstGeom prst="straightConnector1">
+            <a:avLst/>
+          </a:prstGeom>
+          <a:ln>
+            <a:tailEnd type="arrow"/>
+          </a:ln>
+        </p:spPr>
+        <p:style>
+          <a:lnRef idx="1">
+            <a:schemeClr val="accent1"/>
+          </a:lnRef>
+          <a:fillRef idx="0">
+            <a:schemeClr val="accent1"/>
+          </a:fillRef>
+          <a:effectRef idx="0">
+            <a:schemeClr val="accent1"/>
+          </a:effectRef>
+          <a:fontRef idx="minor">
+            <a:schemeClr val="tx1"/>
+          </a:fontRef>
+        </p:style>
+      </p:cxnSp>
+    </p:spTree>
+  </p:cSld>
+  <p:clrMapOvr>
+    <a:masterClrMapping/>
+  </p:clrMapOvr>
+</p:sld>
+</file>
+
+<file path=ppt/slides/slide16.xml><?xml version="1.0" encoding="utf-8"?>
+<p:sld xmlns:a="http://schemas.openxmlformats.org/drawingml/2006/main" xmlns:r="http://schemas.openxmlformats.org/officeDocument/2006/relationships" xmlns:p="http://schemas.openxmlformats.org/presentationml/2006/main">
+  <p:cSld>
+    <p:spTree>
+      <p:nvGrpSpPr>
+        <p:cNvPr id="1" name=""/>
+        <p:cNvGrpSpPr/>
+        <p:nvPr/>
+      </p:nvGrpSpPr>
+      <p:grpSpPr>
+        <a:xfrm>
+          <a:off x="0" y="0"/>
+          <a:ext cx="0" cy="0"/>
+          <a:chOff x="0" y="0"/>
+          <a:chExt cx="0" cy="0"/>
+        </a:xfrm>
+      </p:grpSpPr>
+      <p:sp>
+        <p:nvSpPr>
+          <p:cNvPr id="2" name="Can 1"/>
+          <p:cNvSpPr/>
+          <p:nvPr/>
+        </p:nvSpPr>
+        <p:spPr>
+          <a:xfrm>
+            <a:off x="7315200" y="1028700"/>
+            <a:ext cx="1066800" cy="990600"/>
+          </a:xfrm>
+          <a:prstGeom prst="can">
+            <a:avLst/>
+          </a:prstGeom>
+        </p:spPr>
+        <p:style>
+          <a:lnRef idx="2">
+            <a:schemeClr val="accent1">
+              <a:shade val="50000"/>
+            </a:schemeClr>
+          </a:lnRef>
+          <a:fillRef idx="1">
+            <a:schemeClr val="accent1"/>
+          </a:fillRef>
+          <a:effectRef idx="0">
+            <a:schemeClr val="accent1"/>
+          </a:effectRef>
+          <a:fontRef idx="minor">
+            <a:schemeClr val="lt1"/>
+          </a:fontRef>
+        </p:style>
+        <p:txBody>
+          <a:bodyPr rtlCol="0" anchor="ctr"/>
+          <a:lstStyle/>
+          <a:p>
+            <a:pPr algn="ctr"/>
+            <a:r>
+              <a:rPr lang="en-US" dirty="0" smtClean="0"/>
+              <a:t>db</a:t>
+            </a:r>
+            <a:endParaRPr lang="en-US" dirty="0"/>
+          </a:p>
+        </p:txBody>
+      </p:sp>
+      <p:sp>
+        <p:nvSpPr>
+          <p:cNvPr id="3" name="TextBox 2"/>
+          <p:cNvSpPr txBox="1"/>
+          <p:nvPr/>
+        </p:nvSpPr>
+        <p:spPr>
+          <a:xfrm>
+            <a:off x="7146738" y="2019300"/>
+            <a:ext cx="1463862" cy="307777"/>
+          </a:xfrm>
+          <a:prstGeom prst="rect">
+            <a:avLst/>
+          </a:prstGeom>
+          <a:noFill/>
+        </p:spPr>
+        <p:txBody>
+          <a:bodyPr wrap="none" rtlCol="0">
+            <a:spAutoFit/>
+          </a:bodyPr>
+          <a:lstStyle/>
+          <a:p>
+            <a:r>
+              <a:rPr lang="en-US" sz="1400" dirty="0" smtClean="0"/>
+              <a:t>23.45.67.89:3306</a:t>
+            </a:r>
+            <a:endParaRPr lang="en-US" dirty="0"/>
+          </a:p>
+        </p:txBody>
+      </p:sp>
+      <p:sp>
+        <p:nvSpPr>
+          <p:cNvPr id="4" name="Rectangle 3"/>
+          <p:cNvSpPr/>
+          <p:nvPr/>
+        </p:nvSpPr>
+        <p:spPr>
+          <a:xfrm>
+            <a:off x="5029200" y="571500"/>
+            <a:ext cx="1371600" cy="990600"/>
+          </a:xfrm>
+          <a:prstGeom prst="rect">
+            <a:avLst/>
+          </a:prstGeom>
+        </p:spPr>
+        <p:style>
+          <a:lnRef idx="2">
+            <a:schemeClr val="accent1">
+              <a:shade val="50000"/>
+            </a:schemeClr>
+          </a:lnRef>
+          <a:fillRef idx="1">
+            <a:schemeClr val="accent1"/>
+          </a:fillRef>
+          <a:effectRef idx="0">
+            <a:schemeClr val="accent1"/>
+          </a:effectRef>
+          <a:fontRef idx="minor">
+            <a:schemeClr val="lt1"/>
+          </a:fontRef>
+        </p:style>
+        <p:txBody>
+          <a:bodyPr rtlCol="0" anchor="ctr"/>
+          <a:lstStyle/>
+          <a:p>
+            <a:pPr algn="ctr"/>
+            <a:r>
+              <a:rPr lang="en-US" dirty="0" smtClean="0"/>
+              <a:t>tomcat</a:t>
+            </a:r>
+            <a:endParaRPr lang="en-US" dirty="0"/>
+          </a:p>
+        </p:txBody>
+      </p:sp>
+      <p:sp>
+        <p:nvSpPr>
+          <p:cNvPr id="5" name="TextBox 4"/>
+          <p:cNvSpPr txBox="1"/>
+          <p:nvPr/>
+        </p:nvSpPr>
+        <p:spPr>
+          <a:xfrm>
+            <a:off x="5013138" y="1562100"/>
+            <a:ext cx="1590500" cy="584775"/>
+          </a:xfrm>
+          <a:prstGeom prst="rect">
+            <a:avLst/>
+          </a:prstGeom>
+          <a:noFill/>
+        </p:spPr>
+        <p:txBody>
+          <a:bodyPr wrap="none" rtlCol="0">
+            <a:spAutoFit/>
+          </a:bodyPr>
+          <a:lstStyle/>
+          <a:p>
+            <a:r>
+              <a:rPr lang="en-US" sz="1400" dirty="0" smtClean="0"/>
+              <a:t>23.45.67.90:8080</a:t>
+            </a:r>
+          </a:p>
+          <a:p>
+            <a:r>
+              <a:rPr lang="en-US" dirty="0" smtClean="0"/>
+              <a:t>172.17.0.16:80</a:t>
+            </a:r>
+            <a:endParaRPr lang="en-US" dirty="0"/>
+          </a:p>
+        </p:txBody>
+      </p:sp>
+      <p:cxnSp>
+        <p:nvCxnSpPr>
+          <p:cNvPr id="7" name="Straight Arrow Connector 6"/>
+          <p:cNvCxnSpPr>
+            <a:stCxn id="4" idx="3"/>
+            <a:endCxn id="2" idx="2"/>
+          </p:cNvCxnSpPr>
+          <p:nvPr/>
+        </p:nvCxnSpPr>
+        <p:spPr>
+          <a:xfrm>
+            <a:off x="6400800" y="1066800"/>
+            <a:ext cx="914400" cy="457200"/>
+          </a:xfrm>
+          <a:prstGeom prst="straightConnector1">
+            <a:avLst/>
+          </a:prstGeom>
+          <a:ln>
+            <a:tailEnd type="arrow"/>
+          </a:ln>
+        </p:spPr>
+        <p:style>
+          <a:lnRef idx="1">
+            <a:schemeClr val="accent1"/>
+          </a:lnRef>
+          <a:fillRef idx="0">
+            <a:schemeClr val="accent1"/>
+          </a:fillRef>
+          <a:effectRef idx="0">
+            <a:schemeClr val="accent1"/>
+          </a:effectRef>
+          <a:fontRef idx="minor">
+            <a:schemeClr val="tx1"/>
+          </a:fontRef>
+        </p:style>
+      </p:cxnSp>
+      <p:sp>
+        <p:nvSpPr>
+          <p:cNvPr id="8" name="Smiley Face 7"/>
+          <p:cNvSpPr/>
+          <p:nvPr/>
+        </p:nvSpPr>
+        <p:spPr>
+          <a:xfrm>
+            <a:off x="381000" y="1028700"/>
+            <a:ext cx="838200" cy="762000"/>
+          </a:xfrm>
+          <a:prstGeom prst="smileyFace">
+            <a:avLst/>
+          </a:prstGeom>
+        </p:spPr>
+        <p:style>
+          <a:lnRef idx="2">
+            <a:schemeClr val="accent1">
+              <a:shade val="50000"/>
+            </a:schemeClr>
+          </a:lnRef>
+          <a:fillRef idx="1">
+            <a:schemeClr val="accent1"/>
+          </a:fillRef>
+          <a:effectRef idx="0">
+            <a:schemeClr val="accent1"/>
+          </a:effectRef>
+          <a:fontRef idx="minor">
+            <a:schemeClr val="lt1"/>
+          </a:fontRef>
+        </p:style>
+        <p:txBody>
+          <a:bodyPr rtlCol="0" anchor="ctr"/>
+          <a:lstStyle/>
+          <a:p>
+            <a:pPr algn="ctr"/>
+            <a:endParaRPr lang="en-US"/>
+          </a:p>
+        </p:txBody>
+      </p:sp>
+      <p:sp>
+        <p:nvSpPr>
+          <p:cNvPr id="9" name="TextBox 8"/>
+          <p:cNvSpPr txBox="1"/>
+          <p:nvPr/>
+        </p:nvSpPr>
+        <p:spPr>
+          <a:xfrm>
+            <a:off x="152400" y="1866900"/>
+            <a:ext cx="1465529" cy="369332"/>
+          </a:xfrm>
+          <a:prstGeom prst="rect">
+            <a:avLst/>
+          </a:prstGeom>
+          <a:noFill/>
+        </p:spPr>
+        <p:txBody>
+          <a:bodyPr wrap="none" rtlCol="0">
+            <a:spAutoFit/>
+          </a:bodyPr>
+          <a:lstStyle/>
+          <a:p>
+            <a:r>
+              <a:rPr lang="en-US" dirty="0" smtClean="0"/>
+              <a:t>http://app:80</a:t>
+            </a:r>
+            <a:endParaRPr lang="en-US" dirty="0"/>
+          </a:p>
+        </p:txBody>
+      </p:sp>
+      <p:cxnSp>
+        <p:nvCxnSpPr>
+          <p:cNvPr id="11" name="Straight Arrow Connector 10"/>
+          <p:cNvCxnSpPr>
+            <a:stCxn id="8" idx="6"/>
+            <a:endCxn id="18" idx="1"/>
+          </p:cNvCxnSpPr>
+          <p:nvPr/>
+        </p:nvCxnSpPr>
+        <p:spPr>
+          <a:xfrm>
+            <a:off x="1219200" y="1409700"/>
+            <a:ext cx="1676400" cy="762000"/>
+          </a:xfrm>
+          <a:prstGeom prst="straightConnector1">
+            <a:avLst/>
+          </a:prstGeom>
+          <a:ln>
+            <a:tailEnd type="arrow"/>
+          </a:ln>
+        </p:spPr>
+        <p:style>
+          <a:lnRef idx="1">
+            <a:schemeClr val="accent1"/>
+          </a:lnRef>
+          <a:fillRef idx="0">
+            <a:schemeClr val="accent1"/>
+          </a:fillRef>
+          <a:effectRef idx="0">
+            <a:schemeClr val="accent1"/>
+          </a:effectRef>
+          <a:fontRef idx="minor">
+            <a:schemeClr val="tx1"/>
+          </a:fontRef>
+        </p:style>
+      </p:cxnSp>
+      <p:sp>
+        <p:nvSpPr>
+          <p:cNvPr id="13" name="Rectangle 12"/>
+          <p:cNvSpPr/>
+          <p:nvPr/>
+        </p:nvSpPr>
+        <p:spPr>
+          <a:xfrm>
+            <a:off x="5121462" y="2400300"/>
+            <a:ext cx="1371600" cy="990600"/>
+          </a:xfrm>
+          <a:prstGeom prst="rect">
+            <a:avLst/>
+          </a:prstGeom>
+        </p:spPr>
+        <p:style>
+          <a:lnRef idx="2">
+            <a:schemeClr val="accent1">
+              <a:shade val="50000"/>
+            </a:schemeClr>
+          </a:lnRef>
+          <a:fillRef idx="1">
+            <a:schemeClr val="accent1"/>
+          </a:fillRef>
+          <a:effectRef idx="0">
+            <a:schemeClr val="accent1"/>
+          </a:effectRef>
+          <a:fontRef idx="minor">
+            <a:schemeClr val="lt1"/>
+          </a:fontRef>
+        </p:style>
+        <p:txBody>
+          <a:bodyPr rtlCol="0" anchor="ctr"/>
+          <a:lstStyle/>
+          <a:p>
+            <a:pPr algn="ctr"/>
+            <a:r>
+              <a:rPr lang="en-US" dirty="0" smtClean="0"/>
+              <a:t>tomcat</a:t>
+            </a:r>
+            <a:endParaRPr lang="en-US" dirty="0"/>
+          </a:p>
+        </p:txBody>
+      </p:sp>
+      <p:sp>
+        <p:nvSpPr>
+          <p:cNvPr id="14" name="TextBox 13"/>
+          <p:cNvSpPr txBox="1"/>
+          <p:nvPr/>
+        </p:nvSpPr>
+        <p:spPr>
+          <a:xfrm>
+            <a:off x="5105400" y="3390900"/>
+            <a:ext cx="1590500" cy="584775"/>
+          </a:xfrm>
+          <a:prstGeom prst="rect">
+            <a:avLst/>
+          </a:prstGeom>
+          <a:noFill/>
+        </p:spPr>
+        <p:txBody>
+          <a:bodyPr wrap="none" rtlCol="0">
+            <a:spAutoFit/>
+          </a:bodyPr>
+          <a:lstStyle/>
+          <a:p>
+            <a:r>
+              <a:rPr lang="en-US" sz="1400" dirty="0" smtClean="0"/>
+              <a:t>23.45.67.91:8080</a:t>
+            </a:r>
+          </a:p>
+          <a:p>
+            <a:r>
+              <a:rPr lang="en-US" dirty="0" smtClean="0"/>
+              <a:t>172.17.0.14:80</a:t>
+            </a:r>
+            <a:endParaRPr lang="en-US" dirty="0"/>
+          </a:p>
+        </p:txBody>
+      </p:sp>
+      <p:cxnSp>
+        <p:nvCxnSpPr>
+          <p:cNvPr id="16" name="Straight Arrow Connector 15"/>
+          <p:cNvCxnSpPr>
+            <a:stCxn id="13" idx="3"/>
+            <a:endCxn id="2" idx="2"/>
+          </p:cNvCxnSpPr>
+          <p:nvPr/>
+        </p:nvCxnSpPr>
+        <p:spPr>
+          <a:xfrm flipV="1">
+            <a:off x="6493062" y="1524000"/>
+            <a:ext cx="822138" cy="1371600"/>
+          </a:xfrm>
+          <a:prstGeom prst="straightConnector1">
+            <a:avLst/>
+          </a:prstGeom>
+          <a:ln>
+            <a:tailEnd type="arrow"/>
+          </a:ln>
+        </p:spPr>
+        <p:style>
+          <a:lnRef idx="1">
+            <a:schemeClr val="accent1"/>
+          </a:lnRef>
+          <a:fillRef idx="0">
+            <a:schemeClr val="accent1"/>
+          </a:fillRef>
+          <a:effectRef idx="0">
+            <a:schemeClr val="accent1"/>
+          </a:effectRef>
+          <a:fontRef idx="minor">
+            <a:schemeClr val="tx1"/>
+          </a:fontRef>
+        </p:style>
+      </p:cxnSp>
+      <p:sp>
+        <p:nvSpPr>
+          <p:cNvPr id="18" name="Rectangle 17"/>
+          <p:cNvSpPr/>
+          <p:nvPr/>
+        </p:nvSpPr>
+        <p:spPr>
+          <a:xfrm>
+            <a:off x="2895600" y="1638300"/>
+            <a:ext cx="1219200" cy="1066800"/>
+          </a:xfrm>
+          <a:prstGeom prst="rect">
+            <a:avLst/>
+          </a:prstGeom>
+        </p:spPr>
+        <p:style>
+          <a:lnRef idx="2">
+            <a:schemeClr val="accent1">
+              <a:shade val="50000"/>
+            </a:schemeClr>
+          </a:lnRef>
+          <a:fillRef idx="1">
+            <a:schemeClr val="accent1"/>
+          </a:fillRef>
+          <a:effectRef idx="0">
+            <a:schemeClr val="accent1"/>
+          </a:effectRef>
+          <a:fontRef idx="minor">
+            <a:schemeClr val="lt1"/>
+          </a:fontRef>
+        </p:style>
+        <p:txBody>
+          <a:bodyPr rtlCol="0" anchor="ctr"/>
+          <a:lstStyle/>
+          <a:p>
+            <a:pPr algn="ctr"/>
+            <a:r>
+              <a:rPr lang="en-US" dirty="0" smtClean="0"/>
+              <a:t>Ha-proxy</a:t>
+            </a:r>
+            <a:endParaRPr lang="en-US" dirty="0"/>
+          </a:p>
+        </p:txBody>
+      </p:sp>
+      <p:sp>
+        <p:nvSpPr>
+          <p:cNvPr id="19" name="TextBox 18"/>
+          <p:cNvSpPr txBox="1"/>
+          <p:nvPr/>
+        </p:nvSpPr>
+        <p:spPr>
+          <a:xfrm>
+            <a:off x="2803338" y="1191280"/>
+            <a:ext cx="1555234" cy="523220"/>
+          </a:xfrm>
+          <a:prstGeom prst="rect">
+            <a:avLst/>
+          </a:prstGeom>
+          <a:noFill/>
+        </p:spPr>
+        <p:txBody>
+          <a:bodyPr wrap="none" rtlCol="0">
+            <a:spAutoFit/>
+          </a:bodyPr>
+          <a:lstStyle/>
+          <a:p>
+            <a:r>
+              <a:rPr lang="en-US" sz="1400" dirty="0" smtClean="0"/>
+              <a:t>23.45.67.92:80</a:t>
+            </a:r>
+          </a:p>
+          <a:p>
+            <a:r>
+              <a:rPr lang="en-US" sz="1400" dirty="0" smtClean="0"/>
+              <a:t>10.98.220.82:8888</a:t>
+            </a:r>
+            <a:endParaRPr lang="en-US" dirty="0"/>
+          </a:p>
+        </p:txBody>
+      </p:sp>
+      <p:sp>
+        <p:nvSpPr>
+          <p:cNvPr id="20" name="TextBox 19"/>
+          <p:cNvSpPr txBox="1"/>
+          <p:nvPr/>
+        </p:nvSpPr>
+        <p:spPr>
+          <a:xfrm>
+            <a:off x="2819400" y="2705100"/>
+            <a:ext cx="1764907" cy="738664"/>
+          </a:xfrm>
+          <a:prstGeom prst="rect">
+            <a:avLst/>
+          </a:prstGeom>
+          <a:noFill/>
+        </p:spPr>
+        <p:txBody>
+          <a:bodyPr wrap="none" rtlCol="0">
+            <a:spAutoFit/>
+          </a:bodyPr>
+          <a:lstStyle/>
+          <a:p>
+            <a:r>
+              <a:rPr lang="en-US" sz="1400" dirty="0" smtClean="0"/>
+              <a:t>Backend: round-robin</a:t>
+            </a:r>
+          </a:p>
+          <a:p>
+            <a:r>
+              <a:rPr lang="en-US" sz="1400" dirty="0" smtClean="0"/>
+              <a:t> </a:t>
+            </a:r>
+            <a:r>
+              <a:rPr lang="en-US" sz="1400" dirty="0" smtClean="0"/>
+              <a:t>   </a:t>
+            </a:r>
+            <a:r>
+              <a:rPr lang="en-US" sz="1400" dirty="0" smtClean="0"/>
+              <a:t>23.45.67.90:8080</a:t>
+            </a:r>
+          </a:p>
+          <a:p>
+            <a:r>
+              <a:rPr lang="en-US" sz="1400" dirty="0" smtClean="0"/>
+              <a:t>    23.45.67.91:8080</a:t>
+            </a:r>
+            <a:endParaRPr lang="en-US" sz="1400" dirty="0" smtClean="0"/>
+          </a:p>
+        </p:txBody>
+      </p:sp>
+      <p:cxnSp>
+        <p:nvCxnSpPr>
+          <p:cNvPr id="23" name="Straight Arrow Connector 22"/>
+          <p:cNvCxnSpPr>
+            <a:stCxn id="18" idx="3"/>
+            <a:endCxn id="4" idx="1"/>
+          </p:cNvCxnSpPr>
+          <p:nvPr/>
+        </p:nvCxnSpPr>
+        <p:spPr>
+          <a:xfrm flipV="1">
+            <a:off x="4114800" y="1066800"/>
+            <a:ext cx="914400" cy="1104900"/>
+          </a:xfrm>
+          <a:prstGeom prst="straightConnector1">
+            <a:avLst/>
+          </a:prstGeom>
+          <a:ln>
+            <a:tailEnd type="arrow"/>
+          </a:ln>
+        </p:spPr>
+        <p:style>
+          <a:lnRef idx="1">
+            <a:schemeClr val="accent1"/>
+          </a:lnRef>
+          <a:fillRef idx="0">
+            <a:schemeClr val="accent1"/>
+          </a:fillRef>
+          <a:effectRef idx="0">
+            <a:schemeClr val="accent1"/>
+          </a:effectRef>
+          <a:fontRef idx="minor">
+            <a:schemeClr val="tx1"/>
+          </a:fontRef>
+        </p:style>
+      </p:cxnSp>
+      <p:cxnSp>
+        <p:nvCxnSpPr>
+          <p:cNvPr id="25" name="Straight Arrow Connector 24"/>
+          <p:cNvCxnSpPr>
+            <a:endCxn id="13" idx="1"/>
+          </p:cNvCxnSpPr>
+          <p:nvPr/>
+        </p:nvCxnSpPr>
+        <p:spPr>
+          <a:xfrm>
+            <a:off x="4191000" y="2171700"/>
+            <a:ext cx="930462" cy="723900"/>
+          </a:xfrm>
+          <a:prstGeom prst="straightConnector1">
+            <a:avLst/>
+          </a:prstGeom>
+          <a:ln>
+            <a:tailEnd type="arrow"/>
+          </a:ln>
+        </p:spPr>
+        <p:style>
+          <a:lnRef idx="1">
+            <a:schemeClr val="accent1"/>
+          </a:lnRef>
+          <a:fillRef idx="0">
+            <a:schemeClr val="accent1"/>
+          </a:fillRef>
+          <a:effectRef idx="0">
+            <a:schemeClr val="accent1"/>
+          </a:effectRef>
+          <a:fontRef idx="minor">
+            <a:schemeClr val="tx1"/>
+          </a:fontRef>
+        </p:style>
+      </p:cxnSp>
+      <p:sp>
+        <p:nvSpPr>
+          <p:cNvPr id="27" name="Oval 26"/>
+          <p:cNvSpPr/>
+          <p:nvPr/>
+        </p:nvSpPr>
+        <p:spPr>
+          <a:xfrm>
+            <a:off x="1447800" y="114300"/>
+            <a:ext cx="1828800" cy="457200"/>
+          </a:xfrm>
+          <a:prstGeom prst="ellipse">
+            <a:avLst/>
+          </a:prstGeom>
+        </p:spPr>
+        <p:style>
+          <a:lnRef idx="2">
+            <a:schemeClr val="accent1">
+              <a:shade val="50000"/>
+            </a:schemeClr>
+          </a:lnRef>
+          <a:fillRef idx="1">
+            <a:schemeClr val="accent1"/>
+          </a:fillRef>
+          <a:effectRef idx="0">
+            <a:schemeClr val="accent1"/>
+          </a:effectRef>
+          <a:fontRef idx="minor">
+            <a:schemeClr val="lt1"/>
+          </a:fontRef>
+        </p:style>
+        <p:txBody>
+          <a:bodyPr rtlCol="0" anchor="ctr"/>
+          <a:lstStyle/>
+          <a:p>
+            <a:pPr algn="ctr"/>
+            <a:r>
+              <a:rPr lang="en-US" dirty="0" err="1" smtClean="0"/>
+              <a:t>Dns</a:t>
+            </a:r>
+            <a:r>
+              <a:rPr lang="en-US" dirty="0" smtClean="0"/>
+              <a:t>-service</a:t>
+            </a:r>
+          </a:p>
+        </p:txBody>
+      </p:sp>
+      <p:sp>
+        <p:nvSpPr>
+          <p:cNvPr id="28" name="TextBox 27"/>
+          <p:cNvSpPr txBox="1"/>
+          <p:nvPr/>
+        </p:nvSpPr>
+        <p:spPr>
+          <a:xfrm>
+            <a:off x="1752600" y="723900"/>
+            <a:ext cx="2002471" cy="369332"/>
+          </a:xfrm>
+          <a:prstGeom prst="rect">
+            <a:avLst/>
+          </a:prstGeom>
+          <a:noFill/>
+        </p:spPr>
+        <p:txBody>
+          <a:bodyPr wrap="none" rtlCol="0">
+            <a:spAutoFit/>
+          </a:bodyPr>
+          <a:lstStyle/>
+          <a:p>
+            <a:r>
+              <a:rPr lang="en-US" dirty="0" smtClean="0"/>
+              <a:t>app </a:t>
+            </a:r>
+            <a:r>
+              <a:rPr lang="en-US" dirty="0" smtClean="0">
+                <a:sym typeface="Wingdings" pitchFamily="2" charset="2"/>
+              </a:rPr>
+              <a:t> 23.25.27.92</a:t>
+            </a:r>
+            <a:endParaRPr lang="en-US" dirty="0"/>
+          </a:p>
+        </p:txBody>
+      </p:sp>
+      <p:sp>
+        <p:nvSpPr>
+          <p:cNvPr id="29" name="TextBox 28"/>
+          <p:cNvSpPr txBox="1"/>
+          <p:nvPr/>
+        </p:nvSpPr>
+        <p:spPr>
+          <a:xfrm>
+            <a:off x="76200" y="4316968"/>
+            <a:ext cx="1465529" cy="369332"/>
+          </a:xfrm>
+          <a:prstGeom prst="rect">
+            <a:avLst/>
+          </a:prstGeom>
+          <a:noFill/>
+        </p:spPr>
+        <p:txBody>
+          <a:bodyPr wrap="none" rtlCol="0">
+            <a:spAutoFit/>
+          </a:bodyPr>
+          <a:lstStyle/>
+          <a:p>
+            <a:r>
+              <a:rPr lang="en-US" dirty="0" smtClean="0"/>
+              <a:t>http://app:80</a:t>
+            </a:r>
+            <a:endParaRPr lang="en-US" dirty="0"/>
+          </a:p>
+        </p:txBody>
+      </p:sp>
+      <p:cxnSp>
+        <p:nvCxnSpPr>
+          <p:cNvPr id="31" name="Straight Arrow Connector 30"/>
+          <p:cNvCxnSpPr>
+            <a:stCxn id="29" idx="3"/>
+          </p:cNvCxnSpPr>
+          <p:nvPr/>
+        </p:nvCxnSpPr>
+        <p:spPr>
+          <a:xfrm flipV="1">
+            <a:off x="1541729" y="4457700"/>
+            <a:ext cx="1353871" cy="43934"/>
+          </a:xfrm>
+          <a:prstGeom prst="straightConnector1">
+            <a:avLst/>
+          </a:prstGeom>
+          <a:ln>
+            <a:tailEnd type="arrow"/>
+          </a:ln>
+        </p:spPr>
+        <p:style>
+          <a:lnRef idx="1">
+            <a:schemeClr val="accent1"/>
+          </a:lnRef>
+          <a:fillRef idx="0">
+            <a:schemeClr val="accent1"/>
+          </a:fillRef>
+          <a:effectRef idx="0">
+            <a:schemeClr val="accent1"/>
+          </a:effectRef>
+          <a:fontRef idx="minor">
+            <a:schemeClr val="tx1"/>
+          </a:fontRef>
+        </p:style>
+      </p:cxnSp>
+      <p:sp>
+        <p:nvSpPr>
+          <p:cNvPr id="32" name="TextBox 31"/>
+          <p:cNvSpPr txBox="1"/>
+          <p:nvPr/>
+        </p:nvSpPr>
+        <p:spPr>
+          <a:xfrm>
+            <a:off x="2895600" y="4305300"/>
+            <a:ext cx="1281120" cy="307777"/>
+          </a:xfrm>
+          <a:prstGeom prst="rect">
+            <a:avLst/>
+          </a:prstGeom>
+          <a:noFill/>
+        </p:spPr>
+        <p:txBody>
+          <a:bodyPr wrap="none" rtlCol="0">
+            <a:spAutoFit/>
+          </a:bodyPr>
+          <a:lstStyle/>
+          <a:p>
+            <a:r>
+              <a:rPr lang="en-US" sz="1400" dirty="0" smtClean="0"/>
+              <a:t>23.45.67.92:80</a:t>
+            </a:r>
+            <a:endParaRPr lang="en-US" dirty="0"/>
+          </a:p>
+        </p:txBody>
+      </p:sp>
+      <p:sp>
+        <p:nvSpPr>
+          <p:cNvPr id="33" name="TextBox 32"/>
+          <p:cNvSpPr txBox="1"/>
+          <p:nvPr/>
+        </p:nvSpPr>
+        <p:spPr>
+          <a:xfrm>
+            <a:off x="5486400" y="4229100"/>
+            <a:ext cx="1463862" cy="307777"/>
+          </a:xfrm>
+          <a:prstGeom prst="rect">
+            <a:avLst/>
+          </a:prstGeom>
+          <a:noFill/>
+        </p:spPr>
+        <p:txBody>
+          <a:bodyPr wrap="none" rtlCol="0">
+            <a:spAutoFit/>
+          </a:bodyPr>
+          <a:lstStyle/>
+          <a:p>
+            <a:r>
+              <a:rPr lang="en-US" sz="1400" dirty="0" smtClean="0"/>
+              <a:t>23.45.67.90:8080</a:t>
+            </a:r>
+            <a:endParaRPr lang="en-US" dirty="0"/>
+          </a:p>
+        </p:txBody>
+      </p:sp>
+      <p:cxnSp>
+        <p:nvCxnSpPr>
+          <p:cNvPr id="35" name="Straight Arrow Connector 34"/>
+          <p:cNvCxnSpPr>
+            <a:stCxn id="32" idx="3"/>
+            <a:endCxn id="33" idx="1"/>
+          </p:cNvCxnSpPr>
+          <p:nvPr/>
+        </p:nvCxnSpPr>
+        <p:spPr>
+          <a:xfrm flipV="1">
+            <a:off x="4176720" y="4382989"/>
+            <a:ext cx="1309680" cy="76200"/>
+          </a:xfrm>
+          <a:prstGeom prst="straightConnector1">
+            <a:avLst/>
+          </a:prstGeom>
+          <a:ln>
+            <a:tailEnd type="arrow"/>
+          </a:ln>
+        </p:spPr>
+        <p:style>
+          <a:lnRef idx="1">
+            <a:schemeClr val="accent1"/>
+          </a:lnRef>
+          <a:fillRef idx="0">
+            <a:schemeClr val="accent1"/>
+          </a:fillRef>
+          <a:effectRef idx="0">
+            <a:schemeClr val="accent1"/>
+          </a:effectRef>
+          <a:fontRef idx="minor">
+            <a:schemeClr val="tx1"/>
+          </a:fontRef>
+        </p:style>
+      </p:cxnSp>
+      <p:sp>
+        <p:nvSpPr>
+          <p:cNvPr id="36" name="TextBox 35"/>
+          <p:cNvSpPr txBox="1"/>
+          <p:nvPr/>
+        </p:nvSpPr>
+        <p:spPr>
+          <a:xfrm>
+            <a:off x="1524000" y="4149923"/>
+            <a:ext cx="1243482" cy="307777"/>
+          </a:xfrm>
+          <a:prstGeom prst="rect">
+            <a:avLst/>
+          </a:prstGeom>
+          <a:noFill/>
+        </p:spPr>
+        <p:txBody>
+          <a:bodyPr wrap="none" rtlCol="0">
+            <a:spAutoFit/>
+          </a:bodyPr>
+          <a:lstStyle/>
+          <a:p>
+            <a:r>
+              <a:rPr lang="en-US" sz="1400" dirty="0" err="1" smtClean="0"/>
+              <a:t>Dns</a:t>
+            </a:r>
+            <a:r>
+              <a:rPr lang="en-US" sz="1400" dirty="0" smtClean="0"/>
+              <a:t> resolution</a:t>
+            </a:r>
+            <a:endParaRPr lang="en-US" sz="1400" dirty="0"/>
+          </a:p>
+        </p:txBody>
+      </p:sp>
+      <p:sp>
+        <p:nvSpPr>
+          <p:cNvPr id="37" name="TextBox 36"/>
+          <p:cNvSpPr txBox="1"/>
+          <p:nvPr/>
+        </p:nvSpPr>
+        <p:spPr>
+          <a:xfrm>
+            <a:off x="4133889" y="4076700"/>
+            <a:ext cx="1276311" cy="307777"/>
+          </a:xfrm>
+          <a:prstGeom prst="rect">
+            <a:avLst/>
+          </a:prstGeom>
+          <a:noFill/>
+        </p:spPr>
+        <p:txBody>
+          <a:bodyPr wrap="none" rtlCol="0">
+            <a:spAutoFit/>
+          </a:bodyPr>
+          <a:lstStyle/>
+          <a:p>
+            <a:r>
+              <a:rPr lang="en-US" sz="1400" dirty="0" smtClean="0"/>
+              <a:t>Load balancing</a:t>
+            </a:r>
+            <a:endParaRPr lang="en-US" sz="1400" dirty="0"/>
+          </a:p>
+        </p:txBody>
+      </p:sp>
+      <p:sp>
+        <p:nvSpPr>
+          <p:cNvPr id="38" name="TextBox 37"/>
+          <p:cNvSpPr txBox="1"/>
+          <p:nvPr/>
+        </p:nvSpPr>
+        <p:spPr>
+          <a:xfrm>
+            <a:off x="2667000" y="3467100"/>
+            <a:ext cx="1433406" cy="461665"/>
+          </a:xfrm>
+          <a:prstGeom prst="rect">
+            <a:avLst/>
+          </a:prstGeom>
+          <a:noFill/>
+        </p:spPr>
+        <p:txBody>
+          <a:bodyPr wrap="none" rtlCol="0">
+            <a:spAutoFit/>
+          </a:bodyPr>
+          <a:lstStyle/>
+          <a:p>
+            <a:r>
+              <a:rPr lang="en-US" sz="1200" dirty="0" smtClean="0"/>
+              <a:t>EP: 172.17.0.16:80, </a:t>
+            </a:r>
+          </a:p>
+          <a:p>
+            <a:r>
+              <a:rPr lang="en-US" sz="1200" dirty="0" smtClean="0"/>
+              <a:t> </a:t>
+            </a:r>
+            <a:r>
+              <a:rPr lang="en-US" sz="1200" dirty="0" smtClean="0"/>
+              <a:t>      172.17.0.14:80</a:t>
+            </a:r>
+            <a:endParaRPr lang="en-US" dirty="0"/>
+          </a:p>
+        </p:txBody>
+      </p:sp>
+    </p:spTree>
+  </p:cSld>
+  <p:clrMapOvr>
+    <a:masterClrMapping/>
+  </p:clrMapOvr>
+</p:sld>
+</file>
+
+<file path=ppt/slides/slide17.xml><?xml version="1.0" encoding="utf-8"?>
+<p:sld xmlns:a="http://schemas.openxmlformats.org/drawingml/2006/main" xmlns:r="http://schemas.openxmlformats.org/officeDocument/2006/relationships" xmlns:p="http://schemas.openxmlformats.org/presentationml/2006/main">
+  <p:cSld>
+    <p:spTree>
+      <p:nvGrpSpPr>
+        <p:cNvPr id="1" name=""/>
+        <p:cNvGrpSpPr/>
+        <p:nvPr/>
+      </p:nvGrpSpPr>
+      <p:grpSpPr>
+        <a:xfrm>
+          <a:off x="0" y="0"/>
+          <a:ext cx="0" cy="0"/>
+          <a:chOff x="0" y="0"/>
+          <a:chExt cx="0" cy="0"/>
+        </a:xfrm>
+      </p:grpSpPr>
+      <p:sp>
+        <p:nvSpPr>
+          <p:cNvPr id="2" name="Rectangle 1"/>
+          <p:cNvSpPr/>
+          <p:nvPr/>
+        </p:nvSpPr>
+        <p:spPr>
+          <a:xfrm>
+            <a:off x="3276600" y="342900"/>
+            <a:ext cx="5334000" cy="4876800"/>
+          </a:xfrm>
+          <a:prstGeom prst="rect">
+            <a:avLst/>
+          </a:prstGeom>
+          <a:noFill/>
+        </p:spPr>
+        <p:style>
+          <a:lnRef idx="2">
+            <a:schemeClr val="accent1">
+              <a:shade val="50000"/>
+            </a:schemeClr>
+          </a:lnRef>
+          <a:fillRef idx="1">
+            <a:schemeClr val="accent1"/>
+          </a:fillRef>
+          <a:effectRef idx="0">
+            <a:schemeClr val="accent1"/>
+          </a:effectRef>
+          <a:fontRef idx="minor">
+            <a:schemeClr val="lt1"/>
+          </a:fontRef>
+        </p:style>
+        <p:txBody>
+          <a:bodyPr rtlCol="0" anchor="ctr"/>
+          <a:lstStyle/>
+          <a:p>
+            <a:pPr algn="ctr"/>
+            <a:endParaRPr lang="en-US"/>
+          </a:p>
+        </p:txBody>
+      </p:sp>
+      <p:sp>
+        <p:nvSpPr>
+          <p:cNvPr id="3" name="TextBox 2"/>
+          <p:cNvSpPr txBox="1"/>
+          <p:nvPr/>
+        </p:nvSpPr>
+        <p:spPr>
+          <a:xfrm>
+            <a:off x="3352800" y="419100"/>
+            <a:ext cx="2645532" cy="369332"/>
+          </a:xfrm>
+          <a:prstGeom prst="rect">
+            <a:avLst/>
+          </a:prstGeom>
+          <a:noFill/>
+        </p:spPr>
+        <p:txBody>
+          <a:bodyPr wrap="none" rtlCol="0">
+            <a:spAutoFit/>
+          </a:bodyPr>
+          <a:lstStyle/>
+          <a:p>
+            <a:r>
+              <a:rPr lang="en-US" dirty="0" err="1" smtClean="0"/>
+              <a:t>Minikube</a:t>
+            </a:r>
+            <a:r>
+              <a:rPr lang="en-US" dirty="0" smtClean="0"/>
+              <a:t>: 192.168.99.100</a:t>
+            </a:r>
+            <a:endParaRPr lang="en-US" dirty="0"/>
+          </a:p>
+        </p:txBody>
+      </p:sp>
+      <p:sp>
+        <p:nvSpPr>
+          <p:cNvPr id="4" name="Rectangle 3"/>
+          <p:cNvSpPr/>
+          <p:nvPr/>
+        </p:nvSpPr>
+        <p:spPr>
+          <a:xfrm>
+            <a:off x="6858000" y="1943100"/>
+            <a:ext cx="1371600" cy="990600"/>
+          </a:xfrm>
+          <a:prstGeom prst="rect">
+            <a:avLst/>
+          </a:prstGeom>
+          <a:noFill/>
+        </p:spPr>
+        <p:style>
+          <a:lnRef idx="2">
+            <a:schemeClr val="accent1">
+              <a:shade val="50000"/>
+            </a:schemeClr>
+          </a:lnRef>
+          <a:fillRef idx="1">
+            <a:schemeClr val="accent1"/>
+          </a:fillRef>
+          <a:effectRef idx="0">
+            <a:schemeClr val="accent1"/>
+          </a:effectRef>
+          <a:fontRef idx="minor">
+            <a:schemeClr val="lt1"/>
+          </a:fontRef>
+        </p:style>
+        <p:txBody>
+          <a:bodyPr rtlCol="0" anchor="ctr"/>
+          <a:lstStyle/>
+          <a:p>
+            <a:pPr algn="ctr"/>
+            <a:endParaRPr lang="en-US"/>
+          </a:p>
+        </p:txBody>
+      </p:sp>
+      <p:sp>
+        <p:nvSpPr>
+          <p:cNvPr id="5" name="Oval 4"/>
+          <p:cNvSpPr/>
+          <p:nvPr/>
+        </p:nvSpPr>
+        <p:spPr>
+          <a:xfrm>
+            <a:off x="7391400" y="2171700"/>
+            <a:ext cx="838200" cy="381000"/>
+          </a:xfrm>
+          <a:prstGeom prst="ellipse">
+            <a:avLst/>
+          </a:prstGeom>
+        </p:spPr>
+        <p:style>
+          <a:lnRef idx="2">
+            <a:schemeClr val="accent1">
+              <a:shade val="50000"/>
+            </a:schemeClr>
+          </a:lnRef>
+          <a:fillRef idx="1">
+            <a:schemeClr val="accent1"/>
+          </a:fillRef>
+          <a:effectRef idx="0">
+            <a:schemeClr val="accent1"/>
+          </a:effectRef>
+          <a:fontRef idx="minor">
+            <a:schemeClr val="lt1"/>
+          </a:fontRef>
+        </p:style>
+        <p:txBody>
+          <a:bodyPr rtlCol="0" anchor="ctr"/>
+          <a:lstStyle/>
+          <a:p>
+            <a:pPr algn="ctr"/>
+            <a:r>
+              <a:rPr lang="en-US" sz="1400" dirty="0" smtClean="0"/>
+              <a:t>Nginx:80</a:t>
+            </a:r>
+            <a:endParaRPr lang="en-US" sz="1400" dirty="0"/>
+          </a:p>
+        </p:txBody>
+      </p:sp>
+      <p:sp>
+        <p:nvSpPr>
+          <p:cNvPr id="6" name="Rectangle 5"/>
+          <p:cNvSpPr/>
+          <p:nvPr/>
+        </p:nvSpPr>
+        <p:spPr>
+          <a:xfrm>
+            <a:off x="6705600" y="1562100"/>
+            <a:ext cx="1822935" cy="369332"/>
+          </a:xfrm>
+          <a:prstGeom prst="rect">
+            <a:avLst/>
+          </a:prstGeom>
+        </p:spPr>
+        <p:txBody>
+          <a:bodyPr wrap="none">
+            <a:spAutoFit/>
+          </a:bodyPr>
+          <a:lstStyle/>
+          <a:p>
+            <a:r>
+              <a:rPr lang="en-US" dirty="0" smtClean="0"/>
+              <a:t>POD: 172.17.0.16</a:t>
+            </a:r>
+            <a:endParaRPr lang="en-US" dirty="0"/>
+          </a:p>
+        </p:txBody>
+      </p:sp>
+      <p:sp>
+        <p:nvSpPr>
+          <p:cNvPr id="7" name="TextBox 6"/>
+          <p:cNvSpPr txBox="1"/>
+          <p:nvPr/>
+        </p:nvSpPr>
+        <p:spPr>
+          <a:xfrm>
+            <a:off x="3048000" y="2171700"/>
+            <a:ext cx="769763" cy="369332"/>
+          </a:xfrm>
+          <a:prstGeom prst="rect">
+            <a:avLst/>
+          </a:prstGeom>
+          <a:noFill/>
+        </p:spPr>
+        <p:txBody>
+          <a:bodyPr wrap="none" rtlCol="0">
+            <a:spAutoFit/>
+          </a:bodyPr>
+          <a:lstStyle/>
+          <a:p>
+            <a:r>
+              <a:rPr lang="en-US" dirty="0" smtClean="0"/>
+              <a:t>31001</a:t>
+            </a:r>
+            <a:endParaRPr lang="en-US" dirty="0"/>
+          </a:p>
+        </p:txBody>
+      </p:sp>
+      <p:sp>
+        <p:nvSpPr>
+          <p:cNvPr id="8" name="TextBox 7"/>
+          <p:cNvSpPr txBox="1"/>
+          <p:nvPr/>
+        </p:nvSpPr>
+        <p:spPr>
+          <a:xfrm>
+            <a:off x="228600" y="3086100"/>
+            <a:ext cx="2926827" cy="369332"/>
+          </a:xfrm>
+          <a:prstGeom prst="rect">
+            <a:avLst/>
+          </a:prstGeom>
+          <a:noFill/>
+        </p:spPr>
+        <p:txBody>
+          <a:bodyPr wrap="none" rtlCol="0">
+            <a:spAutoFit/>
+          </a:bodyPr>
+          <a:lstStyle/>
+          <a:p>
+            <a:r>
+              <a:rPr lang="en-US" dirty="0" smtClean="0"/>
+              <a:t>http://192.168.99.100:31001</a:t>
+            </a:r>
+            <a:endParaRPr lang="en-US" dirty="0"/>
+          </a:p>
+        </p:txBody>
+      </p:sp>
+      <p:cxnSp>
+        <p:nvCxnSpPr>
+          <p:cNvPr id="10" name="Straight Arrow Connector 9"/>
+          <p:cNvCxnSpPr>
+            <a:endCxn id="7" idx="1"/>
+          </p:cNvCxnSpPr>
+          <p:nvPr/>
+        </p:nvCxnSpPr>
+        <p:spPr>
+          <a:xfrm flipV="1">
+            <a:off x="2819400" y="2356366"/>
+            <a:ext cx="228600" cy="729734"/>
+          </a:xfrm>
+          <a:prstGeom prst="straightConnector1">
+            <a:avLst/>
+          </a:prstGeom>
+          <a:ln>
+            <a:tailEnd type="arrow"/>
+          </a:ln>
+        </p:spPr>
+        <p:style>
+          <a:lnRef idx="1">
+            <a:schemeClr val="accent1"/>
+          </a:lnRef>
+          <a:fillRef idx="0">
+            <a:schemeClr val="accent1"/>
+          </a:fillRef>
+          <a:effectRef idx="0">
+            <a:schemeClr val="accent1"/>
+          </a:effectRef>
+          <a:fontRef idx="minor">
+            <a:schemeClr val="tx1"/>
+          </a:fontRef>
+        </p:style>
+      </p:cxnSp>
+      <p:cxnSp>
+        <p:nvCxnSpPr>
+          <p:cNvPr id="12" name="Straight Arrow Connector 11"/>
+          <p:cNvCxnSpPr>
+            <a:stCxn id="17" idx="3"/>
+            <a:endCxn id="6" idx="1"/>
+          </p:cNvCxnSpPr>
+          <p:nvPr/>
+        </p:nvCxnSpPr>
+        <p:spPr>
+          <a:xfrm flipV="1">
+            <a:off x="5903957" y="1746766"/>
+            <a:ext cx="801643" cy="685800"/>
+          </a:xfrm>
+          <a:prstGeom prst="straightConnector1">
+            <a:avLst/>
+          </a:prstGeom>
+          <a:ln>
+            <a:tailEnd type="arrow"/>
+          </a:ln>
+        </p:spPr>
+        <p:style>
+          <a:lnRef idx="1">
+            <a:schemeClr val="accent1"/>
+          </a:lnRef>
+          <a:fillRef idx="0">
+            <a:schemeClr val="accent1"/>
+          </a:fillRef>
+          <a:effectRef idx="0">
+            <a:schemeClr val="accent1"/>
+          </a:effectRef>
+          <a:fontRef idx="minor">
+            <a:schemeClr val="tx1"/>
+          </a:fontRef>
+        </p:style>
+      </p:cxnSp>
+      <p:cxnSp>
+        <p:nvCxnSpPr>
+          <p:cNvPr id="14" name="Straight Arrow Connector 13"/>
+          <p:cNvCxnSpPr>
+            <a:stCxn id="6" idx="2"/>
+            <a:endCxn id="5" idx="0"/>
+          </p:cNvCxnSpPr>
+          <p:nvPr/>
+        </p:nvCxnSpPr>
+        <p:spPr>
+          <a:xfrm>
+            <a:off x="7617068" y="1931432"/>
+            <a:ext cx="193432" cy="240268"/>
+          </a:xfrm>
+          <a:prstGeom prst="straightConnector1">
+            <a:avLst/>
+          </a:prstGeom>
+          <a:ln>
+            <a:tailEnd type="arrow"/>
+          </a:ln>
+        </p:spPr>
+        <p:style>
+          <a:lnRef idx="1">
+            <a:schemeClr val="accent1"/>
+          </a:lnRef>
+          <a:fillRef idx="0">
+            <a:schemeClr val="accent1"/>
+          </a:fillRef>
+          <a:effectRef idx="0">
+            <a:schemeClr val="accent1"/>
+          </a:effectRef>
+          <a:fontRef idx="minor">
+            <a:schemeClr val="tx1"/>
+          </a:fontRef>
+        </p:style>
+      </p:cxnSp>
+      <p:sp>
+        <p:nvSpPr>
+          <p:cNvPr id="15" name="TextBox 14"/>
+          <p:cNvSpPr txBox="1"/>
+          <p:nvPr/>
+        </p:nvSpPr>
+        <p:spPr>
+          <a:xfrm>
+            <a:off x="0" y="190500"/>
+            <a:ext cx="3560911" cy="1200329"/>
+          </a:xfrm>
+          <a:prstGeom prst="rect">
+            <a:avLst/>
+          </a:prstGeom>
+          <a:noFill/>
+        </p:spPr>
+        <p:txBody>
+          <a:bodyPr wrap="none" rtlCol="0">
+            <a:spAutoFit/>
+          </a:bodyPr>
+          <a:lstStyle/>
+          <a:p>
+            <a:pPr marL="342900" indent="-342900">
+              <a:buAutoNum type="arabicPeriod"/>
+            </a:pPr>
+            <a:r>
+              <a:rPr lang="en-US" dirty="0" smtClean="0"/>
+              <a:t>Expose a port on the node (Opt)</a:t>
+            </a:r>
+          </a:p>
+          <a:p>
+            <a:pPr marL="342900" indent="-342900">
+              <a:buAutoNum type="arabicPeriod"/>
+            </a:pPr>
+            <a:r>
+              <a:rPr lang="en-US" dirty="0" smtClean="0"/>
+              <a:t>Load balancing</a:t>
+            </a:r>
+          </a:p>
+          <a:p>
+            <a:pPr marL="342900" indent="-342900">
+              <a:buAutoNum type="arabicPeriod"/>
+            </a:pPr>
+            <a:r>
+              <a:rPr lang="en-US" dirty="0" smtClean="0"/>
+              <a:t>Name resolution on name of svc</a:t>
+            </a:r>
+          </a:p>
+          <a:p>
+            <a:pPr marL="342900" indent="-342900"/>
+            <a:r>
+              <a:rPr lang="en-US" dirty="0" smtClean="0"/>
+              <a:t>	</a:t>
+            </a:r>
+            <a:r>
+              <a:rPr lang="en-US" dirty="0" smtClean="0"/>
+              <a:t>- Service Discovery</a:t>
+            </a:r>
+            <a:endParaRPr lang="en-US" dirty="0"/>
+          </a:p>
+        </p:txBody>
+      </p:sp>
+      <p:sp>
+        <p:nvSpPr>
+          <p:cNvPr id="17" name="Rectangle 16"/>
+          <p:cNvSpPr/>
+          <p:nvPr/>
+        </p:nvSpPr>
+        <p:spPr>
+          <a:xfrm>
+            <a:off x="3962400" y="2247900"/>
+            <a:ext cx="1941557" cy="369332"/>
+          </a:xfrm>
+          <a:prstGeom prst="rect">
+            <a:avLst/>
+          </a:prstGeom>
+        </p:spPr>
+        <p:txBody>
+          <a:bodyPr wrap="none">
+            <a:spAutoFit/>
+          </a:bodyPr>
+          <a:lstStyle/>
+          <a:p>
+            <a:r>
+              <a:rPr lang="en-US" dirty="0" smtClean="0"/>
+              <a:t>10.98.220.82:8888</a:t>
+            </a:r>
+            <a:endParaRPr lang="en-US" dirty="0"/>
+          </a:p>
+        </p:txBody>
+      </p:sp>
+      <p:cxnSp>
+        <p:nvCxnSpPr>
+          <p:cNvPr id="20" name="Straight Arrow Connector 19"/>
+          <p:cNvCxnSpPr>
+            <a:stCxn id="7" idx="3"/>
+            <a:endCxn id="17" idx="1"/>
+          </p:cNvCxnSpPr>
+          <p:nvPr/>
+        </p:nvCxnSpPr>
+        <p:spPr>
+          <a:xfrm>
+            <a:off x="3817763" y="2356366"/>
+            <a:ext cx="144637" cy="76200"/>
+          </a:xfrm>
+          <a:prstGeom prst="straightConnector1">
+            <a:avLst/>
+          </a:prstGeom>
+          <a:ln>
+            <a:tailEnd type="arrow"/>
+          </a:ln>
+        </p:spPr>
+        <p:style>
+          <a:lnRef idx="1">
+            <a:schemeClr val="accent1"/>
+          </a:lnRef>
+          <a:fillRef idx="0">
+            <a:schemeClr val="accent1"/>
+          </a:fillRef>
+          <a:effectRef idx="0">
+            <a:schemeClr val="accent1"/>
+          </a:effectRef>
+          <a:fontRef idx="minor">
+            <a:schemeClr val="tx1"/>
+          </a:fontRef>
+        </p:style>
+      </p:cxnSp>
+    </p:spTree>
+  </p:cSld>
+  <p:clrMapOvr>
+    <a:masterClrMapping/>
+  </p:clrMapOvr>
+</p:sld>
+</file>
+
 <file path=ppt/slides/slide2.xml><?xml version="1.0" encoding="utf-8"?>
 <p:sld xmlns:a="http://schemas.openxmlformats.org/drawingml/2006/main" xmlns:r="http://schemas.openxmlformats.org/officeDocument/2006/relationships" xmlns:p="http://schemas.openxmlformats.org/presentationml/2006/main">
   <p:cSld>
@@ -8885,6 +14614,2161 @@
               <a:t>RW layer: installed ping, mypage.html</a:t>
             </a:r>
             <a:endParaRPr lang="en-US" dirty="0"/>
+          </a:p>
+        </p:txBody>
+      </p:sp>
+    </p:spTree>
+  </p:cSld>
+  <p:clrMapOvr>
+    <a:masterClrMapping/>
+  </p:clrMapOvr>
+</p:sld>
+</file>
+
+<file path=ppt/slides/slide7.xml><?xml version="1.0" encoding="utf-8"?>
+<p:sld xmlns:a="http://schemas.openxmlformats.org/drawingml/2006/main" xmlns:r="http://schemas.openxmlformats.org/officeDocument/2006/relationships" xmlns:p="http://schemas.openxmlformats.org/presentationml/2006/main">
+  <p:cSld>
+    <p:spTree>
+      <p:nvGrpSpPr>
+        <p:cNvPr id="1" name=""/>
+        <p:cNvGrpSpPr/>
+        <p:nvPr/>
+      </p:nvGrpSpPr>
+      <p:grpSpPr>
+        <a:xfrm>
+          <a:off x="0" y="0"/>
+          <a:ext cx="0" cy="0"/>
+          <a:chOff x="0" y="0"/>
+          <a:chExt cx="0" cy="0"/>
+        </a:xfrm>
+      </p:grpSpPr>
+      <p:sp>
+        <p:nvSpPr>
+          <p:cNvPr id="2" name="Rectangle 1"/>
+          <p:cNvSpPr/>
+          <p:nvPr/>
+        </p:nvSpPr>
+        <p:spPr>
+          <a:xfrm>
+            <a:off x="2438400" y="190500"/>
+            <a:ext cx="6477000" cy="5410200"/>
+          </a:xfrm>
+          <a:prstGeom prst="rect">
+            <a:avLst/>
+          </a:prstGeom>
+          <a:noFill/>
+        </p:spPr>
+        <p:style>
+          <a:lnRef idx="2">
+            <a:schemeClr val="accent1">
+              <a:shade val="50000"/>
+            </a:schemeClr>
+          </a:lnRef>
+          <a:fillRef idx="1">
+            <a:schemeClr val="accent1"/>
+          </a:fillRef>
+          <a:effectRef idx="0">
+            <a:schemeClr val="accent1"/>
+          </a:effectRef>
+          <a:fontRef idx="minor">
+            <a:schemeClr val="lt1"/>
+          </a:fontRef>
+        </p:style>
+        <p:txBody>
+          <a:bodyPr rtlCol="0" anchor="ctr"/>
+          <a:lstStyle/>
+          <a:p>
+            <a:pPr algn="ctr"/>
+            <a:endParaRPr lang="en-US"/>
+          </a:p>
+        </p:txBody>
+      </p:sp>
+      <p:sp>
+        <p:nvSpPr>
+          <p:cNvPr id="3" name="Oval 2"/>
+          <p:cNvSpPr/>
+          <p:nvPr/>
+        </p:nvSpPr>
+        <p:spPr>
+          <a:xfrm>
+            <a:off x="2438400" y="647700"/>
+            <a:ext cx="1524000" cy="1447800"/>
+          </a:xfrm>
+          <a:prstGeom prst="ellipse">
+            <a:avLst/>
+          </a:prstGeom>
+        </p:spPr>
+        <p:style>
+          <a:lnRef idx="2">
+            <a:schemeClr val="accent1">
+              <a:shade val="50000"/>
+            </a:schemeClr>
+          </a:lnRef>
+          <a:fillRef idx="1">
+            <a:schemeClr val="accent1"/>
+          </a:fillRef>
+          <a:effectRef idx="0">
+            <a:schemeClr val="accent1"/>
+          </a:effectRef>
+          <a:fontRef idx="minor">
+            <a:schemeClr val="lt1"/>
+          </a:fontRef>
+        </p:style>
+        <p:txBody>
+          <a:bodyPr rtlCol="0" anchor="ctr"/>
+          <a:lstStyle/>
+          <a:p>
+            <a:pPr algn="ctr"/>
+            <a:r>
+              <a:rPr lang="en-US" dirty="0" smtClean="0"/>
+              <a:t>Mysql:3306</a:t>
+            </a:r>
+          </a:p>
+          <a:p>
+            <a:pPr algn="ctr"/>
+            <a:r>
+              <a:rPr lang="en-US" dirty="0" smtClean="0"/>
+              <a:t>/</a:t>
+            </a:r>
+            <a:r>
+              <a:rPr lang="en-US" dirty="0" err="1" smtClean="0"/>
+              <a:t>var</a:t>
+            </a:r>
+            <a:r>
+              <a:rPr lang="en-US" dirty="0" smtClean="0"/>
+              <a:t>/lib/</a:t>
+            </a:r>
+            <a:r>
+              <a:rPr lang="en-US" dirty="0" err="1" smtClean="0"/>
+              <a:t>mysql</a:t>
+            </a:r>
+            <a:endParaRPr lang="en-US" dirty="0" smtClean="0"/>
+          </a:p>
+          <a:p>
+            <a:pPr algn="ctr"/>
+            <a:r>
+              <a:rPr lang="en-US" dirty="0" smtClean="0"/>
+              <a:t>100users</a:t>
+            </a:r>
+            <a:endParaRPr lang="en-US" dirty="0"/>
+          </a:p>
+        </p:txBody>
+      </p:sp>
+      <p:sp>
+        <p:nvSpPr>
+          <p:cNvPr id="4" name="TextBox 3"/>
+          <p:cNvSpPr txBox="1"/>
+          <p:nvPr/>
+        </p:nvSpPr>
+        <p:spPr>
+          <a:xfrm>
+            <a:off x="2438400" y="190500"/>
+            <a:ext cx="1056956" cy="369332"/>
+          </a:xfrm>
+          <a:prstGeom prst="rect">
+            <a:avLst/>
+          </a:prstGeom>
+          <a:noFill/>
+        </p:spPr>
+        <p:txBody>
+          <a:bodyPr wrap="none" rtlCol="0">
+            <a:spAutoFit/>
+          </a:bodyPr>
+          <a:lstStyle/>
+          <a:p>
+            <a:r>
+              <a:rPr lang="en-US" dirty="0" err="1" smtClean="0"/>
+              <a:t>minikube</a:t>
+            </a:r>
+            <a:endParaRPr lang="en-US" dirty="0"/>
+          </a:p>
+        </p:txBody>
+      </p:sp>
+      <p:sp>
+        <p:nvSpPr>
+          <p:cNvPr id="5" name="Oval 4"/>
+          <p:cNvSpPr/>
+          <p:nvPr/>
+        </p:nvSpPr>
+        <p:spPr>
+          <a:xfrm>
+            <a:off x="2590800" y="2247900"/>
+            <a:ext cx="1524000" cy="1295400"/>
+          </a:xfrm>
+          <a:prstGeom prst="ellipse">
+            <a:avLst/>
+          </a:prstGeom>
+        </p:spPr>
+        <p:style>
+          <a:lnRef idx="2">
+            <a:schemeClr val="accent1">
+              <a:shade val="50000"/>
+            </a:schemeClr>
+          </a:lnRef>
+          <a:fillRef idx="1">
+            <a:schemeClr val="accent1"/>
+          </a:fillRef>
+          <a:effectRef idx="0">
+            <a:schemeClr val="accent1"/>
+          </a:effectRef>
+          <a:fontRef idx="minor">
+            <a:schemeClr val="lt1"/>
+          </a:fontRef>
+        </p:style>
+        <p:txBody>
+          <a:bodyPr rtlCol="0" anchor="ctr"/>
+          <a:lstStyle/>
+          <a:p>
+            <a:pPr algn="ctr"/>
+            <a:r>
+              <a:rPr lang="en-US" dirty="0" smtClean="0"/>
+              <a:t>Apache:80</a:t>
+            </a:r>
+          </a:p>
+          <a:p>
+            <a:pPr algn="ctr"/>
+            <a:r>
+              <a:rPr lang="en-US" dirty="0" smtClean="0"/>
+              <a:t>/</a:t>
+            </a:r>
+            <a:r>
+              <a:rPr lang="en-US" dirty="0" err="1" smtClean="0"/>
+              <a:t>var</a:t>
+            </a:r>
+            <a:r>
+              <a:rPr lang="en-US" dirty="0" smtClean="0"/>
+              <a:t>/log/apache2</a:t>
+            </a:r>
+            <a:endParaRPr lang="en-US" dirty="0"/>
+          </a:p>
+        </p:txBody>
+      </p:sp>
+      <p:sp>
+        <p:nvSpPr>
+          <p:cNvPr id="6" name="TextBox 5"/>
+          <p:cNvSpPr txBox="1"/>
+          <p:nvPr/>
+        </p:nvSpPr>
+        <p:spPr>
+          <a:xfrm>
+            <a:off x="0" y="190500"/>
+            <a:ext cx="1118640" cy="369332"/>
+          </a:xfrm>
+          <a:prstGeom prst="rect">
+            <a:avLst/>
+          </a:prstGeom>
+          <a:noFill/>
+        </p:spPr>
+        <p:txBody>
+          <a:bodyPr wrap="none" rtlCol="0">
+            <a:spAutoFit/>
+          </a:bodyPr>
+          <a:lstStyle/>
+          <a:p>
+            <a:r>
+              <a:rPr lang="en-US" dirty="0" smtClean="0"/>
+              <a:t>VOLUMES</a:t>
+            </a:r>
+            <a:endParaRPr lang="en-US" dirty="0"/>
+          </a:p>
+        </p:txBody>
+      </p:sp>
+      <p:sp>
+        <p:nvSpPr>
+          <p:cNvPr id="7" name="Oval 6"/>
+          <p:cNvSpPr/>
+          <p:nvPr/>
+        </p:nvSpPr>
+        <p:spPr>
+          <a:xfrm>
+            <a:off x="4648200" y="952500"/>
+            <a:ext cx="762000" cy="457200"/>
+          </a:xfrm>
+          <a:prstGeom prst="ellipse">
+            <a:avLst/>
+          </a:prstGeom>
+        </p:spPr>
+        <p:style>
+          <a:lnRef idx="2">
+            <a:schemeClr val="accent1">
+              <a:shade val="50000"/>
+            </a:schemeClr>
+          </a:lnRef>
+          <a:fillRef idx="1">
+            <a:schemeClr val="accent1"/>
+          </a:fillRef>
+          <a:effectRef idx="0">
+            <a:schemeClr val="accent1"/>
+          </a:effectRef>
+          <a:fontRef idx="minor">
+            <a:schemeClr val="lt1"/>
+          </a:fontRef>
+        </p:style>
+        <p:txBody>
+          <a:bodyPr rtlCol="0" anchor="ctr"/>
+          <a:lstStyle/>
+          <a:p>
+            <a:pPr algn="ctr"/>
+            <a:endParaRPr lang="en-US"/>
+          </a:p>
+        </p:txBody>
+      </p:sp>
+      <p:sp>
+        <p:nvSpPr>
+          <p:cNvPr id="8" name="Oval 7"/>
+          <p:cNvSpPr/>
+          <p:nvPr/>
+        </p:nvSpPr>
+        <p:spPr>
+          <a:xfrm>
+            <a:off x="5486400" y="1104900"/>
+            <a:ext cx="762000" cy="457200"/>
+          </a:xfrm>
+          <a:prstGeom prst="ellipse">
+            <a:avLst/>
+          </a:prstGeom>
+        </p:spPr>
+        <p:style>
+          <a:lnRef idx="2">
+            <a:schemeClr val="accent1">
+              <a:shade val="50000"/>
+            </a:schemeClr>
+          </a:lnRef>
+          <a:fillRef idx="1">
+            <a:schemeClr val="accent1"/>
+          </a:fillRef>
+          <a:effectRef idx="0">
+            <a:schemeClr val="accent1"/>
+          </a:effectRef>
+          <a:fontRef idx="minor">
+            <a:schemeClr val="lt1"/>
+          </a:fontRef>
+        </p:style>
+        <p:txBody>
+          <a:bodyPr rtlCol="0" anchor="ctr"/>
+          <a:lstStyle/>
+          <a:p>
+            <a:pPr algn="ctr"/>
+            <a:endParaRPr lang="en-US"/>
+          </a:p>
+        </p:txBody>
+      </p:sp>
+      <p:sp>
+        <p:nvSpPr>
+          <p:cNvPr id="9" name="Oval 8"/>
+          <p:cNvSpPr/>
+          <p:nvPr/>
+        </p:nvSpPr>
+        <p:spPr>
+          <a:xfrm>
+            <a:off x="4800600" y="1714500"/>
+            <a:ext cx="762000" cy="457200"/>
+          </a:xfrm>
+          <a:prstGeom prst="ellipse">
+            <a:avLst/>
+          </a:prstGeom>
+        </p:spPr>
+        <p:style>
+          <a:lnRef idx="2">
+            <a:schemeClr val="accent1">
+              <a:shade val="50000"/>
+            </a:schemeClr>
+          </a:lnRef>
+          <a:fillRef idx="1">
+            <a:schemeClr val="accent1"/>
+          </a:fillRef>
+          <a:effectRef idx="0">
+            <a:schemeClr val="accent1"/>
+          </a:effectRef>
+          <a:fontRef idx="minor">
+            <a:schemeClr val="lt1"/>
+          </a:fontRef>
+        </p:style>
+        <p:txBody>
+          <a:bodyPr rtlCol="0" anchor="ctr"/>
+          <a:lstStyle/>
+          <a:p>
+            <a:pPr algn="ctr"/>
+            <a:endParaRPr lang="en-US"/>
+          </a:p>
+        </p:txBody>
+      </p:sp>
+      <p:sp>
+        <p:nvSpPr>
+          <p:cNvPr id="10" name="Oval 9"/>
+          <p:cNvSpPr/>
+          <p:nvPr/>
+        </p:nvSpPr>
+        <p:spPr>
+          <a:xfrm>
+            <a:off x="5867400" y="1714500"/>
+            <a:ext cx="762000" cy="457200"/>
+          </a:xfrm>
+          <a:prstGeom prst="ellipse">
+            <a:avLst/>
+          </a:prstGeom>
+        </p:spPr>
+        <p:style>
+          <a:lnRef idx="2">
+            <a:schemeClr val="accent1">
+              <a:shade val="50000"/>
+            </a:schemeClr>
+          </a:lnRef>
+          <a:fillRef idx="1">
+            <a:schemeClr val="accent1"/>
+          </a:fillRef>
+          <a:effectRef idx="0">
+            <a:schemeClr val="accent1"/>
+          </a:effectRef>
+          <a:fontRef idx="minor">
+            <a:schemeClr val="lt1"/>
+          </a:fontRef>
+        </p:style>
+        <p:txBody>
+          <a:bodyPr rtlCol="0" anchor="ctr"/>
+          <a:lstStyle/>
+          <a:p>
+            <a:pPr algn="ctr"/>
+            <a:endParaRPr lang="en-US"/>
+          </a:p>
+        </p:txBody>
+      </p:sp>
+      <p:sp>
+        <p:nvSpPr>
+          <p:cNvPr id="11" name="TextBox 10"/>
+          <p:cNvSpPr txBox="1"/>
+          <p:nvPr/>
+        </p:nvSpPr>
+        <p:spPr>
+          <a:xfrm>
+            <a:off x="5029200" y="2705100"/>
+            <a:ext cx="1066126" cy="369332"/>
+          </a:xfrm>
+          <a:prstGeom prst="rect">
+            <a:avLst/>
+          </a:prstGeom>
+          <a:noFill/>
+        </p:spPr>
+        <p:txBody>
+          <a:bodyPr wrap="none" rtlCol="0">
+            <a:spAutoFit/>
+          </a:bodyPr>
+          <a:lstStyle/>
+          <a:p>
+            <a:r>
+              <a:rPr lang="en-US" dirty="0" smtClean="0"/>
+              <a:t>/opt/bin/</a:t>
+            </a:r>
+            <a:endParaRPr lang="en-US" dirty="0"/>
+          </a:p>
+        </p:txBody>
+      </p:sp>
+      <p:cxnSp>
+        <p:nvCxnSpPr>
+          <p:cNvPr id="13" name="Straight Arrow Connector 12"/>
+          <p:cNvCxnSpPr>
+            <a:stCxn id="11" idx="0"/>
+            <a:endCxn id="9" idx="4"/>
+          </p:cNvCxnSpPr>
+          <p:nvPr/>
+        </p:nvCxnSpPr>
+        <p:spPr>
+          <a:xfrm flipH="1" flipV="1">
+            <a:off x="5181600" y="2171700"/>
+            <a:ext cx="380663" cy="533400"/>
+          </a:xfrm>
+          <a:prstGeom prst="straightConnector1">
+            <a:avLst/>
+          </a:prstGeom>
+          <a:ln>
+            <a:tailEnd type="arrow"/>
+          </a:ln>
+        </p:spPr>
+        <p:style>
+          <a:lnRef idx="1">
+            <a:schemeClr val="accent1"/>
+          </a:lnRef>
+          <a:fillRef idx="0">
+            <a:schemeClr val="accent1"/>
+          </a:fillRef>
+          <a:effectRef idx="0">
+            <a:schemeClr val="accent1"/>
+          </a:effectRef>
+          <a:fontRef idx="minor">
+            <a:schemeClr val="tx1"/>
+          </a:fontRef>
+        </p:style>
+      </p:cxnSp>
+      <p:cxnSp>
+        <p:nvCxnSpPr>
+          <p:cNvPr id="15" name="Straight Arrow Connector 14"/>
+          <p:cNvCxnSpPr>
+            <a:stCxn id="11" idx="0"/>
+            <a:endCxn id="10" idx="3"/>
+          </p:cNvCxnSpPr>
+          <p:nvPr/>
+        </p:nvCxnSpPr>
+        <p:spPr>
+          <a:xfrm flipV="1">
+            <a:off x="5562263" y="2104745"/>
+            <a:ext cx="416729" cy="600355"/>
+          </a:xfrm>
+          <a:prstGeom prst="straightConnector1">
+            <a:avLst/>
+          </a:prstGeom>
+          <a:ln>
+            <a:tailEnd type="arrow"/>
+          </a:ln>
+        </p:spPr>
+        <p:style>
+          <a:lnRef idx="1">
+            <a:schemeClr val="accent1"/>
+          </a:lnRef>
+          <a:fillRef idx="0">
+            <a:schemeClr val="accent1"/>
+          </a:fillRef>
+          <a:effectRef idx="0">
+            <a:schemeClr val="accent1"/>
+          </a:effectRef>
+          <a:fontRef idx="minor">
+            <a:schemeClr val="tx1"/>
+          </a:fontRef>
+        </p:style>
+      </p:cxnSp>
+      <p:cxnSp>
+        <p:nvCxnSpPr>
+          <p:cNvPr id="17" name="Straight Arrow Connector 16"/>
+          <p:cNvCxnSpPr/>
+          <p:nvPr/>
+        </p:nvCxnSpPr>
+        <p:spPr>
+          <a:xfrm flipV="1">
+            <a:off x="5562600" y="1409700"/>
+            <a:ext cx="304800" cy="1219200"/>
+          </a:xfrm>
+          <a:prstGeom prst="straightConnector1">
+            <a:avLst/>
+          </a:prstGeom>
+          <a:ln>
+            <a:tailEnd type="arrow"/>
+          </a:ln>
+        </p:spPr>
+        <p:style>
+          <a:lnRef idx="1">
+            <a:schemeClr val="accent1"/>
+          </a:lnRef>
+          <a:fillRef idx="0">
+            <a:schemeClr val="accent1"/>
+          </a:fillRef>
+          <a:effectRef idx="0">
+            <a:schemeClr val="accent1"/>
+          </a:effectRef>
+          <a:fontRef idx="minor">
+            <a:schemeClr val="tx1"/>
+          </a:fontRef>
+        </p:style>
+      </p:cxnSp>
+      <p:cxnSp>
+        <p:nvCxnSpPr>
+          <p:cNvPr id="19" name="Straight Arrow Connector 18"/>
+          <p:cNvCxnSpPr>
+            <a:endCxn id="7" idx="5"/>
+          </p:cNvCxnSpPr>
+          <p:nvPr/>
+        </p:nvCxnSpPr>
+        <p:spPr>
+          <a:xfrm flipH="1" flipV="1">
+            <a:off x="5298608" y="1342745"/>
+            <a:ext cx="263992" cy="1286155"/>
+          </a:xfrm>
+          <a:prstGeom prst="straightConnector1">
+            <a:avLst/>
+          </a:prstGeom>
+          <a:ln>
+            <a:tailEnd type="arrow"/>
+          </a:ln>
+        </p:spPr>
+        <p:style>
+          <a:lnRef idx="1">
+            <a:schemeClr val="accent1"/>
+          </a:lnRef>
+          <a:fillRef idx="0">
+            <a:schemeClr val="accent1"/>
+          </a:fillRef>
+          <a:effectRef idx="0">
+            <a:schemeClr val="accent1"/>
+          </a:effectRef>
+          <a:fontRef idx="minor">
+            <a:schemeClr val="tx1"/>
+          </a:fontRef>
+        </p:style>
+      </p:cxnSp>
+      <p:sp>
+        <p:nvSpPr>
+          <p:cNvPr id="21" name="Rectangle 20"/>
+          <p:cNvSpPr/>
+          <p:nvPr/>
+        </p:nvSpPr>
+        <p:spPr>
+          <a:xfrm>
+            <a:off x="2438400" y="4067770"/>
+            <a:ext cx="4572000" cy="923330"/>
+          </a:xfrm>
+          <a:prstGeom prst="rect">
+            <a:avLst/>
+          </a:prstGeom>
+        </p:spPr>
+        <p:txBody>
+          <a:bodyPr>
+            <a:spAutoFit/>
+          </a:bodyPr>
+          <a:lstStyle/>
+          <a:p>
+            <a:r>
+              <a:rPr lang="en-US" dirty="0" smtClean="0"/>
+              <a:t>/</a:t>
+            </a:r>
+            <a:r>
+              <a:rPr lang="en-US" dirty="0" err="1" smtClean="0"/>
+              <a:t>var</a:t>
+            </a:r>
+            <a:r>
+              <a:rPr lang="en-US" dirty="0" smtClean="0"/>
+              <a:t>/lib/</a:t>
+            </a:r>
+            <a:r>
+              <a:rPr lang="en-US" dirty="0" err="1" smtClean="0"/>
+              <a:t>docker</a:t>
+            </a:r>
+            <a:r>
+              <a:rPr lang="en-US" dirty="0" smtClean="0"/>
+              <a:t>/volumes/d9c45730e9e577934a279e77104f51c015b6f3e57e9a799c5245b16ca6d6e5ce/_data</a:t>
+            </a:r>
+            <a:endParaRPr lang="en-US" dirty="0"/>
+          </a:p>
+        </p:txBody>
+      </p:sp>
+      <p:sp>
+        <p:nvSpPr>
+          <p:cNvPr id="22" name="Down Arrow 21"/>
+          <p:cNvSpPr/>
+          <p:nvPr/>
+        </p:nvSpPr>
+        <p:spPr>
+          <a:xfrm rot="10522625">
+            <a:off x="3073819" y="3566783"/>
+            <a:ext cx="609600" cy="665305"/>
+          </a:xfrm>
+          <a:prstGeom prst="downArrow">
+            <a:avLst/>
+          </a:prstGeom>
+        </p:spPr>
+        <p:style>
+          <a:lnRef idx="2">
+            <a:schemeClr val="accent1">
+              <a:shade val="50000"/>
+            </a:schemeClr>
+          </a:lnRef>
+          <a:fillRef idx="1">
+            <a:schemeClr val="accent1"/>
+          </a:fillRef>
+          <a:effectRef idx="0">
+            <a:schemeClr val="accent1"/>
+          </a:effectRef>
+          <a:fontRef idx="minor">
+            <a:schemeClr val="lt1"/>
+          </a:fontRef>
+        </p:style>
+        <p:txBody>
+          <a:bodyPr rtlCol="0" anchor="ctr"/>
+          <a:lstStyle/>
+          <a:p>
+            <a:pPr algn="ctr"/>
+            <a:endParaRPr lang="en-US"/>
+          </a:p>
+        </p:txBody>
+      </p:sp>
+      <p:sp>
+        <p:nvSpPr>
+          <p:cNvPr id="23" name="Rectangle 22"/>
+          <p:cNvSpPr/>
+          <p:nvPr/>
+        </p:nvSpPr>
+        <p:spPr>
+          <a:xfrm>
+            <a:off x="4114800" y="266700"/>
+            <a:ext cx="4572000" cy="923330"/>
+          </a:xfrm>
+          <a:prstGeom prst="rect">
+            <a:avLst/>
+          </a:prstGeom>
+        </p:spPr>
+        <p:txBody>
+          <a:bodyPr>
+            <a:spAutoFit/>
+          </a:bodyPr>
+          <a:lstStyle/>
+          <a:p>
+            <a:r>
+              <a:rPr lang="en-US" dirty="0" smtClean="0"/>
+              <a:t>/</a:t>
+            </a:r>
+            <a:r>
+              <a:rPr lang="en-US" dirty="0" err="1" smtClean="0"/>
+              <a:t>var</a:t>
+            </a:r>
+            <a:r>
+              <a:rPr lang="en-US" dirty="0" smtClean="0"/>
+              <a:t>/lib/</a:t>
+            </a:r>
+            <a:r>
+              <a:rPr lang="en-US" dirty="0" err="1" smtClean="0"/>
+              <a:t>docker</a:t>
+            </a:r>
+            <a:r>
+              <a:rPr lang="en-US" dirty="0" smtClean="0"/>
+              <a:t>/volumes/944a23601411d0b8370ec953c7e9074f6b0cdcc6697ab2a0a9e179b76e2bd631/_data</a:t>
+            </a:r>
+            <a:endParaRPr lang="en-US" dirty="0"/>
+          </a:p>
+        </p:txBody>
+      </p:sp>
+      <p:sp>
+        <p:nvSpPr>
+          <p:cNvPr id="24" name="Right Arrow 23"/>
+          <p:cNvSpPr/>
+          <p:nvPr/>
+        </p:nvSpPr>
+        <p:spPr>
+          <a:xfrm rot="8683046">
+            <a:off x="3613440" y="719562"/>
+            <a:ext cx="609600" cy="304800"/>
+          </a:xfrm>
+          <a:prstGeom prst="rightArrow">
+            <a:avLst/>
+          </a:prstGeom>
+        </p:spPr>
+        <p:style>
+          <a:lnRef idx="2">
+            <a:schemeClr val="accent1">
+              <a:shade val="50000"/>
+            </a:schemeClr>
+          </a:lnRef>
+          <a:fillRef idx="1">
+            <a:schemeClr val="accent1"/>
+          </a:fillRef>
+          <a:effectRef idx="0">
+            <a:schemeClr val="accent1"/>
+          </a:effectRef>
+          <a:fontRef idx="minor">
+            <a:schemeClr val="lt1"/>
+          </a:fontRef>
+        </p:style>
+        <p:txBody>
+          <a:bodyPr rtlCol="0" anchor="ctr"/>
+          <a:lstStyle/>
+          <a:p>
+            <a:pPr algn="ctr"/>
+            <a:endParaRPr lang="en-US"/>
+          </a:p>
+        </p:txBody>
+      </p:sp>
+    </p:spTree>
+  </p:cSld>
+  <p:clrMapOvr>
+    <a:masterClrMapping/>
+  </p:clrMapOvr>
+</p:sld>
+</file>
+
+<file path=ppt/slides/slide8.xml><?xml version="1.0" encoding="utf-8"?>
+<p:sld xmlns:a="http://schemas.openxmlformats.org/drawingml/2006/main" xmlns:r="http://schemas.openxmlformats.org/officeDocument/2006/relationships" xmlns:p="http://schemas.openxmlformats.org/presentationml/2006/main">
+  <p:cSld>
+    <p:spTree>
+      <p:nvGrpSpPr>
+        <p:cNvPr id="1" name=""/>
+        <p:cNvGrpSpPr/>
+        <p:nvPr/>
+      </p:nvGrpSpPr>
+      <p:grpSpPr>
+        <a:xfrm>
+          <a:off x="0" y="0"/>
+          <a:ext cx="0" cy="0"/>
+          <a:chOff x="0" y="0"/>
+          <a:chExt cx="0" cy="0"/>
+        </a:xfrm>
+      </p:grpSpPr>
+      <p:sp>
+        <p:nvSpPr>
+          <p:cNvPr id="2" name="Rectangle 1"/>
+          <p:cNvSpPr/>
+          <p:nvPr/>
+        </p:nvSpPr>
+        <p:spPr>
+          <a:xfrm>
+            <a:off x="2438400" y="190500"/>
+            <a:ext cx="6477000" cy="4800600"/>
+          </a:xfrm>
+          <a:prstGeom prst="rect">
+            <a:avLst/>
+          </a:prstGeom>
+          <a:noFill/>
+        </p:spPr>
+        <p:style>
+          <a:lnRef idx="2">
+            <a:schemeClr val="accent1">
+              <a:shade val="50000"/>
+            </a:schemeClr>
+          </a:lnRef>
+          <a:fillRef idx="1">
+            <a:schemeClr val="accent1"/>
+          </a:fillRef>
+          <a:effectRef idx="0">
+            <a:schemeClr val="accent1"/>
+          </a:effectRef>
+          <a:fontRef idx="minor">
+            <a:schemeClr val="lt1"/>
+          </a:fontRef>
+        </p:style>
+        <p:txBody>
+          <a:bodyPr rtlCol="0" anchor="ctr"/>
+          <a:lstStyle/>
+          <a:p>
+            <a:pPr algn="ctr"/>
+            <a:endParaRPr lang="en-US"/>
+          </a:p>
+        </p:txBody>
+      </p:sp>
+      <p:sp>
+        <p:nvSpPr>
+          <p:cNvPr id="3" name="Oval 2"/>
+          <p:cNvSpPr/>
+          <p:nvPr/>
+        </p:nvSpPr>
+        <p:spPr>
+          <a:xfrm>
+            <a:off x="2667000" y="571500"/>
+            <a:ext cx="1524000" cy="1447800"/>
+          </a:xfrm>
+          <a:prstGeom prst="ellipse">
+            <a:avLst/>
+          </a:prstGeom>
+        </p:spPr>
+        <p:style>
+          <a:lnRef idx="2">
+            <a:schemeClr val="accent1">
+              <a:shade val="50000"/>
+            </a:schemeClr>
+          </a:lnRef>
+          <a:fillRef idx="1">
+            <a:schemeClr val="accent1"/>
+          </a:fillRef>
+          <a:effectRef idx="0">
+            <a:schemeClr val="accent1"/>
+          </a:effectRef>
+          <a:fontRef idx="minor">
+            <a:schemeClr val="lt1"/>
+          </a:fontRef>
+        </p:style>
+        <p:txBody>
+          <a:bodyPr rtlCol="0" anchor="ctr"/>
+          <a:lstStyle/>
+          <a:p>
+            <a:pPr algn="ctr"/>
+            <a:r>
+              <a:rPr lang="en-US" dirty="0" smtClean="0"/>
+              <a:t>Mysql:3306</a:t>
+            </a:r>
+          </a:p>
+          <a:p>
+            <a:pPr algn="ctr"/>
+            <a:r>
+              <a:rPr lang="en-US" dirty="0" smtClean="0"/>
+              <a:t>/</a:t>
+            </a:r>
+            <a:r>
+              <a:rPr lang="en-US" dirty="0" err="1" smtClean="0"/>
+              <a:t>var</a:t>
+            </a:r>
+            <a:r>
+              <a:rPr lang="en-US" dirty="0" smtClean="0"/>
+              <a:t>/lib/</a:t>
+            </a:r>
+            <a:r>
+              <a:rPr lang="en-US" dirty="0" err="1" smtClean="0"/>
+              <a:t>mysql</a:t>
+            </a:r>
+            <a:endParaRPr lang="en-US" dirty="0" smtClean="0"/>
+          </a:p>
+          <a:p>
+            <a:pPr algn="ctr"/>
+            <a:endParaRPr lang="en-US" dirty="0"/>
+          </a:p>
+        </p:txBody>
+      </p:sp>
+      <p:sp>
+        <p:nvSpPr>
+          <p:cNvPr id="4" name="TextBox 3"/>
+          <p:cNvSpPr txBox="1"/>
+          <p:nvPr/>
+        </p:nvSpPr>
+        <p:spPr>
+          <a:xfrm>
+            <a:off x="2438400" y="190500"/>
+            <a:ext cx="1056956" cy="369332"/>
+          </a:xfrm>
+          <a:prstGeom prst="rect">
+            <a:avLst/>
+          </a:prstGeom>
+          <a:noFill/>
+        </p:spPr>
+        <p:txBody>
+          <a:bodyPr wrap="none" rtlCol="0">
+            <a:spAutoFit/>
+          </a:bodyPr>
+          <a:lstStyle/>
+          <a:p>
+            <a:r>
+              <a:rPr lang="en-US" dirty="0" err="1" smtClean="0"/>
+              <a:t>minikube</a:t>
+            </a:r>
+            <a:endParaRPr lang="en-US" dirty="0"/>
+          </a:p>
+        </p:txBody>
+      </p:sp>
+      <p:sp>
+        <p:nvSpPr>
+          <p:cNvPr id="5" name="Rectangle 4"/>
+          <p:cNvSpPr/>
+          <p:nvPr/>
+        </p:nvSpPr>
+        <p:spPr>
+          <a:xfrm>
+            <a:off x="4114800" y="266700"/>
+            <a:ext cx="4572000" cy="923330"/>
+          </a:xfrm>
+          <a:prstGeom prst="rect">
+            <a:avLst/>
+          </a:prstGeom>
+        </p:spPr>
+        <p:txBody>
+          <a:bodyPr>
+            <a:spAutoFit/>
+          </a:bodyPr>
+          <a:lstStyle/>
+          <a:p>
+            <a:r>
+              <a:rPr lang="en-US" dirty="0" smtClean="0"/>
+              <a:t>/</a:t>
+            </a:r>
+            <a:r>
+              <a:rPr lang="en-US" dirty="0" err="1" smtClean="0"/>
+              <a:t>var</a:t>
+            </a:r>
+            <a:r>
+              <a:rPr lang="en-US" dirty="0" smtClean="0"/>
+              <a:t>/lib/</a:t>
+            </a:r>
+            <a:r>
+              <a:rPr lang="en-US" dirty="0" err="1" smtClean="0"/>
+              <a:t>docker</a:t>
+            </a:r>
+            <a:r>
+              <a:rPr lang="en-US" dirty="0" smtClean="0"/>
+              <a:t>/volumes/944a23601411d0b8370ec953c7e9074f6b0cdcc6697ab2a0a9e179b76e2bd631/_data</a:t>
+            </a:r>
+            <a:endParaRPr lang="en-US" dirty="0"/>
+          </a:p>
+        </p:txBody>
+      </p:sp>
+      <p:sp>
+        <p:nvSpPr>
+          <p:cNvPr id="6" name="Rectangle 5"/>
+          <p:cNvSpPr/>
+          <p:nvPr/>
+        </p:nvSpPr>
+        <p:spPr>
+          <a:xfrm>
+            <a:off x="4572000" y="1562100"/>
+            <a:ext cx="4572000" cy="923330"/>
+          </a:xfrm>
+          <a:prstGeom prst="rect">
+            <a:avLst/>
+          </a:prstGeom>
+        </p:spPr>
+        <p:txBody>
+          <a:bodyPr>
+            <a:spAutoFit/>
+          </a:bodyPr>
+          <a:lstStyle/>
+          <a:p>
+            <a:r>
+              <a:rPr lang="en-US" dirty="0" smtClean="0"/>
+              <a:t>/</a:t>
+            </a:r>
+            <a:r>
+              <a:rPr lang="en-US" dirty="0" err="1" smtClean="0"/>
+              <a:t>var</a:t>
+            </a:r>
+            <a:r>
+              <a:rPr lang="en-US" dirty="0" smtClean="0"/>
+              <a:t>/lib/</a:t>
+            </a:r>
+            <a:r>
+              <a:rPr lang="en-US" dirty="0" err="1" smtClean="0"/>
+              <a:t>docker</a:t>
+            </a:r>
+            <a:r>
+              <a:rPr lang="en-US" dirty="0" smtClean="0"/>
+              <a:t>/volumes/34534601411d0b8370ec953c7e9074f6b0cdcc6697ab2a0a9e179b76e2bd631</a:t>
+            </a:r>
+            <a:r>
+              <a:rPr lang="en-US" dirty="0" smtClean="0"/>
+              <a:t>/_data</a:t>
+            </a:r>
+            <a:endParaRPr lang="en-US" dirty="0"/>
+          </a:p>
+        </p:txBody>
+      </p:sp>
+      <p:sp>
+        <p:nvSpPr>
+          <p:cNvPr id="7" name="Oval 6"/>
+          <p:cNvSpPr/>
+          <p:nvPr/>
+        </p:nvSpPr>
+        <p:spPr>
+          <a:xfrm>
+            <a:off x="2743200" y="2628900"/>
+            <a:ext cx="1524000" cy="1447800"/>
+          </a:xfrm>
+          <a:prstGeom prst="ellipse">
+            <a:avLst/>
+          </a:prstGeom>
+        </p:spPr>
+        <p:style>
+          <a:lnRef idx="2">
+            <a:schemeClr val="accent1">
+              <a:shade val="50000"/>
+            </a:schemeClr>
+          </a:lnRef>
+          <a:fillRef idx="1">
+            <a:schemeClr val="accent1"/>
+          </a:fillRef>
+          <a:effectRef idx="0">
+            <a:schemeClr val="accent1"/>
+          </a:effectRef>
+          <a:fontRef idx="minor">
+            <a:schemeClr val="lt1"/>
+          </a:fontRef>
+        </p:style>
+        <p:txBody>
+          <a:bodyPr rtlCol="0" anchor="ctr"/>
+          <a:lstStyle/>
+          <a:p>
+            <a:pPr algn="ctr"/>
+            <a:r>
+              <a:rPr lang="en-US" dirty="0" smtClean="0"/>
+              <a:t>Mysql:3306</a:t>
+            </a:r>
+          </a:p>
+          <a:p>
+            <a:pPr algn="ctr"/>
+            <a:r>
+              <a:rPr lang="en-US" dirty="0" smtClean="0"/>
+              <a:t>/</a:t>
+            </a:r>
+            <a:r>
+              <a:rPr lang="en-US" dirty="0" err="1" smtClean="0"/>
+              <a:t>var</a:t>
+            </a:r>
+            <a:r>
+              <a:rPr lang="en-US" dirty="0" smtClean="0"/>
+              <a:t>/lib/</a:t>
+            </a:r>
+            <a:r>
+              <a:rPr lang="en-US" dirty="0" err="1" smtClean="0"/>
+              <a:t>mysql</a:t>
+            </a:r>
+            <a:endParaRPr lang="en-US" dirty="0" smtClean="0"/>
+          </a:p>
+          <a:p>
+            <a:pPr algn="ctr"/>
+            <a:endParaRPr lang="en-US" dirty="0"/>
+          </a:p>
+        </p:txBody>
+      </p:sp>
+      <p:sp>
+        <p:nvSpPr>
+          <p:cNvPr id="8" name="Rectangle 7"/>
+          <p:cNvSpPr/>
+          <p:nvPr/>
+        </p:nvSpPr>
+        <p:spPr>
+          <a:xfrm>
+            <a:off x="4267200" y="3771900"/>
+            <a:ext cx="3928511" cy="369332"/>
+          </a:xfrm>
+          <a:prstGeom prst="rect">
+            <a:avLst/>
+          </a:prstGeom>
+        </p:spPr>
+        <p:txBody>
+          <a:bodyPr wrap="none">
+            <a:spAutoFit/>
+          </a:bodyPr>
+          <a:lstStyle/>
+          <a:p>
+            <a:r>
+              <a:rPr lang="en-US" dirty="0" smtClean="0"/>
+              <a:t>/</a:t>
+            </a:r>
+            <a:r>
+              <a:rPr lang="en-US" dirty="0" err="1" smtClean="0"/>
+              <a:t>var</a:t>
+            </a:r>
+            <a:r>
+              <a:rPr lang="en-US" dirty="0" smtClean="0"/>
+              <a:t>/lib/</a:t>
+            </a:r>
+            <a:r>
+              <a:rPr lang="en-US" dirty="0" err="1" smtClean="0"/>
+              <a:t>docker</a:t>
+            </a:r>
+            <a:r>
+              <a:rPr lang="en-US" dirty="0" smtClean="0"/>
+              <a:t>/volumes/</a:t>
+            </a:r>
+            <a:r>
+              <a:rPr lang="en-US" dirty="0" err="1" smtClean="0"/>
+              <a:t>proj_db</a:t>
+            </a:r>
+            <a:r>
+              <a:rPr lang="en-US" dirty="0" smtClean="0"/>
+              <a:t>/_data</a:t>
+            </a:r>
+            <a:endParaRPr lang="en-US" dirty="0"/>
+          </a:p>
+        </p:txBody>
+      </p:sp>
+      <p:sp>
+        <p:nvSpPr>
+          <p:cNvPr id="9" name="Down Arrow 8"/>
+          <p:cNvSpPr/>
+          <p:nvPr/>
+        </p:nvSpPr>
+        <p:spPr>
+          <a:xfrm rot="6438890">
+            <a:off x="4254836" y="3328469"/>
+            <a:ext cx="533400" cy="685800"/>
+          </a:xfrm>
+          <a:prstGeom prst="downArrow">
+            <a:avLst/>
+          </a:prstGeom>
+        </p:spPr>
+        <p:style>
+          <a:lnRef idx="2">
+            <a:schemeClr val="accent1">
+              <a:shade val="50000"/>
+            </a:schemeClr>
+          </a:lnRef>
+          <a:fillRef idx="1">
+            <a:schemeClr val="accent1"/>
+          </a:fillRef>
+          <a:effectRef idx="0">
+            <a:schemeClr val="accent1"/>
+          </a:effectRef>
+          <a:fontRef idx="minor">
+            <a:schemeClr val="lt1"/>
+          </a:fontRef>
+        </p:style>
+        <p:txBody>
+          <a:bodyPr rtlCol="0" anchor="ctr"/>
+          <a:lstStyle/>
+          <a:p>
+            <a:pPr algn="ctr"/>
+            <a:endParaRPr lang="en-US"/>
+          </a:p>
+        </p:txBody>
+      </p:sp>
+      <p:sp>
+        <p:nvSpPr>
+          <p:cNvPr id="10" name="Rectangle 9"/>
+          <p:cNvSpPr/>
+          <p:nvPr/>
+        </p:nvSpPr>
+        <p:spPr>
+          <a:xfrm>
+            <a:off x="5486400" y="4076700"/>
+            <a:ext cx="1117742" cy="369332"/>
+          </a:xfrm>
+          <a:prstGeom prst="rect">
+            <a:avLst/>
+          </a:prstGeom>
+        </p:spPr>
+        <p:txBody>
+          <a:bodyPr wrap="none">
+            <a:spAutoFit/>
+          </a:bodyPr>
+          <a:lstStyle/>
+          <a:p>
+            <a:r>
+              <a:rPr lang="en-US" dirty="0" err="1" smtClean="0"/>
+              <a:t>myowndb</a:t>
+            </a:r>
+            <a:endParaRPr lang="en-US" dirty="0"/>
+          </a:p>
+        </p:txBody>
+      </p:sp>
+      <p:sp>
+        <p:nvSpPr>
+          <p:cNvPr id="11" name="Rectangle 10"/>
+          <p:cNvSpPr/>
+          <p:nvPr/>
+        </p:nvSpPr>
+        <p:spPr>
+          <a:xfrm>
+            <a:off x="2438400" y="5143500"/>
+            <a:ext cx="6477000" cy="457200"/>
+          </a:xfrm>
+          <a:prstGeom prst="rect">
+            <a:avLst/>
+          </a:prstGeom>
+        </p:spPr>
+        <p:style>
+          <a:lnRef idx="2">
+            <a:schemeClr val="accent1">
+              <a:shade val="50000"/>
+            </a:schemeClr>
+          </a:lnRef>
+          <a:fillRef idx="1">
+            <a:schemeClr val="accent1"/>
+          </a:fillRef>
+          <a:effectRef idx="0">
+            <a:schemeClr val="accent1"/>
+          </a:effectRef>
+          <a:fontRef idx="minor">
+            <a:schemeClr val="lt1"/>
+          </a:fontRef>
+        </p:style>
+        <p:txBody>
+          <a:bodyPr rtlCol="0" anchor="ctr"/>
+          <a:lstStyle/>
+          <a:p>
+            <a:pPr algn="ctr"/>
+            <a:r>
+              <a:rPr lang="en-US" dirty="0" smtClean="0"/>
+              <a:t>1TB /</a:t>
+            </a:r>
+            <a:r>
+              <a:rPr lang="en-US" dirty="0" err="1" smtClean="0"/>
+              <a:t>mnt</a:t>
+            </a:r>
+            <a:r>
+              <a:rPr lang="en-US" dirty="0" smtClean="0"/>
+              <a:t>/sda1/proj1</a:t>
+            </a:r>
+            <a:endParaRPr lang="en-US" dirty="0"/>
+          </a:p>
+        </p:txBody>
+      </p:sp>
+      <p:sp>
+        <p:nvSpPr>
+          <p:cNvPr id="12" name="Oval 11"/>
+          <p:cNvSpPr/>
+          <p:nvPr/>
+        </p:nvSpPr>
+        <p:spPr>
+          <a:xfrm>
+            <a:off x="3048000" y="4229100"/>
+            <a:ext cx="1066800" cy="685800"/>
+          </a:xfrm>
+          <a:prstGeom prst="ellipse">
+            <a:avLst/>
+          </a:prstGeom>
+        </p:spPr>
+        <p:style>
+          <a:lnRef idx="2">
+            <a:schemeClr val="accent1">
+              <a:shade val="50000"/>
+            </a:schemeClr>
+          </a:lnRef>
+          <a:fillRef idx="1">
+            <a:schemeClr val="accent1"/>
+          </a:fillRef>
+          <a:effectRef idx="0">
+            <a:schemeClr val="accent1"/>
+          </a:effectRef>
+          <a:fontRef idx="minor">
+            <a:schemeClr val="lt1"/>
+          </a:fontRef>
+        </p:style>
+        <p:txBody>
+          <a:bodyPr rtlCol="0" anchor="ctr"/>
+          <a:lstStyle/>
+          <a:p>
+            <a:pPr algn="ctr"/>
+            <a:endParaRPr lang="en-US"/>
+          </a:p>
+        </p:txBody>
+      </p:sp>
+      <p:sp>
+        <p:nvSpPr>
+          <p:cNvPr id="13" name="Down Arrow 12"/>
+          <p:cNvSpPr/>
+          <p:nvPr/>
+        </p:nvSpPr>
+        <p:spPr>
+          <a:xfrm rot="19066995">
+            <a:off x="3920027" y="4643926"/>
+            <a:ext cx="533400" cy="533400"/>
+          </a:xfrm>
+          <a:prstGeom prst="downArrow">
+            <a:avLst/>
+          </a:prstGeom>
+        </p:spPr>
+        <p:style>
+          <a:lnRef idx="2">
+            <a:schemeClr val="accent1">
+              <a:shade val="50000"/>
+            </a:schemeClr>
+          </a:lnRef>
+          <a:fillRef idx="1">
+            <a:schemeClr val="accent1"/>
+          </a:fillRef>
+          <a:effectRef idx="0">
+            <a:schemeClr val="accent1"/>
+          </a:effectRef>
+          <a:fontRef idx="minor">
+            <a:schemeClr val="lt1"/>
+          </a:fontRef>
+        </p:style>
+        <p:txBody>
+          <a:bodyPr rtlCol="0" anchor="ctr"/>
+          <a:lstStyle/>
+          <a:p>
+            <a:pPr algn="ctr"/>
+            <a:endParaRPr lang="en-US"/>
+          </a:p>
+        </p:txBody>
+      </p:sp>
+    </p:spTree>
+  </p:cSld>
+  <p:clrMapOvr>
+    <a:masterClrMapping/>
+  </p:clrMapOvr>
+</p:sld>
+</file>
+
+<file path=ppt/slides/slide9.xml><?xml version="1.0" encoding="utf-8"?>
+<p:sld xmlns:a="http://schemas.openxmlformats.org/drawingml/2006/main" xmlns:r="http://schemas.openxmlformats.org/officeDocument/2006/relationships" xmlns:p="http://schemas.openxmlformats.org/presentationml/2006/main">
+  <p:cSld>
+    <p:spTree>
+      <p:nvGrpSpPr>
+        <p:cNvPr id="1" name=""/>
+        <p:cNvGrpSpPr/>
+        <p:nvPr/>
+      </p:nvGrpSpPr>
+      <p:grpSpPr>
+        <a:xfrm>
+          <a:off x="0" y="0"/>
+          <a:ext cx="0" cy="0"/>
+          <a:chOff x="0" y="0"/>
+          <a:chExt cx="0" cy="0"/>
+        </a:xfrm>
+      </p:grpSpPr>
+      <p:sp>
+        <p:nvSpPr>
+          <p:cNvPr id="2" name="Rectangle 1"/>
+          <p:cNvSpPr/>
+          <p:nvPr/>
+        </p:nvSpPr>
+        <p:spPr>
+          <a:xfrm>
+            <a:off x="2362200" y="342900"/>
+            <a:ext cx="6172200" cy="4724400"/>
+          </a:xfrm>
+          <a:prstGeom prst="rect">
+            <a:avLst/>
+          </a:prstGeom>
+          <a:noFill/>
+        </p:spPr>
+        <p:style>
+          <a:lnRef idx="2">
+            <a:schemeClr val="accent1">
+              <a:shade val="50000"/>
+            </a:schemeClr>
+          </a:lnRef>
+          <a:fillRef idx="1">
+            <a:schemeClr val="accent1"/>
+          </a:fillRef>
+          <a:effectRef idx="0">
+            <a:schemeClr val="accent1"/>
+          </a:effectRef>
+          <a:fontRef idx="minor">
+            <a:schemeClr val="lt1"/>
+          </a:fontRef>
+        </p:style>
+        <p:txBody>
+          <a:bodyPr rtlCol="0" anchor="ctr"/>
+          <a:lstStyle/>
+          <a:p>
+            <a:pPr algn="ctr"/>
+            <a:endParaRPr lang="en-US"/>
+          </a:p>
+        </p:txBody>
+      </p:sp>
+      <p:sp>
+        <p:nvSpPr>
+          <p:cNvPr id="3" name="Oval 2"/>
+          <p:cNvSpPr/>
+          <p:nvPr/>
+        </p:nvSpPr>
+        <p:spPr>
+          <a:xfrm>
+            <a:off x="5715000" y="1333500"/>
+            <a:ext cx="1295400" cy="1371600"/>
+          </a:xfrm>
+          <a:prstGeom prst="ellipse">
+            <a:avLst/>
+          </a:prstGeom>
+        </p:spPr>
+        <p:style>
+          <a:lnRef idx="2">
+            <a:schemeClr val="accent1">
+              <a:shade val="50000"/>
+            </a:schemeClr>
+          </a:lnRef>
+          <a:fillRef idx="1">
+            <a:schemeClr val="accent1"/>
+          </a:fillRef>
+          <a:effectRef idx="0">
+            <a:schemeClr val="accent1"/>
+          </a:effectRef>
+          <a:fontRef idx="minor">
+            <a:schemeClr val="lt1"/>
+          </a:fontRef>
+        </p:style>
+        <p:txBody>
+          <a:bodyPr rtlCol="0" anchor="ctr"/>
+          <a:lstStyle/>
+          <a:p>
+            <a:pPr algn="ctr"/>
+            <a:r>
+              <a:rPr lang="en-US" dirty="0" smtClean="0"/>
+              <a:t>M</a:t>
+            </a:r>
+            <a:r>
+              <a:rPr lang="en-US" sz="1400" dirty="0" smtClean="0"/>
+              <a:t>ysql:330</a:t>
+            </a:r>
+            <a:r>
+              <a:rPr lang="en-US" dirty="0" smtClean="0"/>
+              <a:t>6</a:t>
+            </a:r>
+            <a:endParaRPr lang="en-US" dirty="0"/>
+          </a:p>
+        </p:txBody>
+      </p:sp>
+      <p:sp>
+        <p:nvSpPr>
+          <p:cNvPr id="4" name="TextBox 3"/>
+          <p:cNvSpPr txBox="1"/>
+          <p:nvPr/>
+        </p:nvSpPr>
+        <p:spPr>
+          <a:xfrm>
+            <a:off x="5868856" y="952500"/>
+            <a:ext cx="1293944" cy="369332"/>
+          </a:xfrm>
+          <a:prstGeom prst="rect">
+            <a:avLst/>
+          </a:prstGeom>
+          <a:noFill/>
+        </p:spPr>
+        <p:txBody>
+          <a:bodyPr wrap="none" rtlCol="0">
+            <a:spAutoFit/>
+          </a:bodyPr>
+          <a:lstStyle/>
+          <a:p>
+            <a:r>
+              <a:rPr lang="en-US" dirty="0" smtClean="0"/>
+              <a:t>172.17.0.15</a:t>
+            </a:r>
+            <a:endParaRPr lang="en-US" dirty="0"/>
+          </a:p>
+        </p:txBody>
+      </p:sp>
+      <p:sp>
+        <p:nvSpPr>
+          <p:cNvPr id="5" name="Oval 4"/>
+          <p:cNvSpPr/>
+          <p:nvPr/>
+        </p:nvSpPr>
+        <p:spPr>
+          <a:xfrm>
+            <a:off x="3048000" y="1485900"/>
+            <a:ext cx="1295400" cy="3505200"/>
+          </a:xfrm>
+          <a:prstGeom prst="ellipse">
+            <a:avLst/>
+          </a:prstGeom>
+        </p:spPr>
+        <p:style>
+          <a:lnRef idx="2">
+            <a:schemeClr val="accent1">
+              <a:shade val="50000"/>
+            </a:schemeClr>
+          </a:lnRef>
+          <a:fillRef idx="1">
+            <a:schemeClr val="accent1"/>
+          </a:fillRef>
+          <a:effectRef idx="0">
+            <a:schemeClr val="accent1"/>
+          </a:effectRef>
+          <a:fontRef idx="minor">
+            <a:schemeClr val="lt1"/>
+          </a:fontRef>
+        </p:style>
+        <p:txBody>
+          <a:bodyPr rtlCol="0" anchor="ctr"/>
+          <a:lstStyle/>
+          <a:p>
+            <a:pPr algn="ctr"/>
+            <a:r>
+              <a:rPr lang="en-US" dirty="0" smtClean="0"/>
+              <a:t>Apache:80</a:t>
+            </a:r>
+          </a:p>
+          <a:p>
+            <a:pPr algn="ctr"/>
+            <a:r>
+              <a:rPr lang="en-US" dirty="0" smtClean="0"/>
+              <a:t>User: root</a:t>
+            </a:r>
+          </a:p>
+          <a:p>
+            <a:pPr algn="ctr"/>
+            <a:r>
+              <a:rPr lang="en-US" dirty="0" err="1" smtClean="0"/>
+              <a:t>Pwd</a:t>
+            </a:r>
+            <a:r>
+              <a:rPr lang="en-US" dirty="0" smtClean="0"/>
+              <a:t>: welcome</a:t>
+            </a:r>
+          </a:p>
+          <a:p>
+            <a:pPr algn="ctr"/>
+            <a:r>
+              <a:rPr lang="en-US" dirty="0" smtClean="0"/>
+              <a:t>Host:172.17.0.15</a:t>
+            </a:r>
+          </a:p>
+          <a:p>
+            <a:pPr algn="ctr"/>
+            <a:r>
+              <a:rPr lang="en-US" dirty="0" smtClean="0"/>
+              <a:t>Port:3306</a:t>
+            </a:r>
+            <a:endParaRPr lang="en-US" dirty="0"/>
+          </a:p>
+        </p:txBody>
+      </p:sp>
+      <p:sp>
+        <p:nvSpPr>
+          <p:cNvPr id="6" name="TextBox 5"/>
+          <p:cNvSpPr txBox="1"/>
+          <p:nvPr/>
+        </p:nvSpPr>
+        <p:spPr>
+          <a:xfrm>
+            <a:off x="2362200" y="342900"/>
+            <a:ext cx="2645532" cy="369332"/>
+          </a:xfrm>
+          <a:prstGeom prst="rect">
+            <a:avLst/>
+          </a:prstGeom>
+          <a:noFill/>
+        </p:spPr>
+        <p:txBody>
+          <a:bodyPr wrap="none" rtlCol="0">
+            <a:spAutoFit/>
+          </a:bodyPr>
+          <a:lstStyle/>
+          <a:p>
+            <a:r>
+              <a:rPr lang="en-US" dirty="0" err="1" smtClean="0"/>
+              <a:t>Minikube</a:t>
+            </a:r>
+            <a:r>
+              <a:rPr lang="en-US" dirty="0" smtClean="0"/>
+              <a:t>: 192.168.99.100</a:t>
+            </a:r>
+            <a:endParaRPr lang="en-US" dirty="0"/>
+          </a:p>
+        </p:txBody>
+      </p:sp>
+      <p:sp>
+        <p:nvSpPr>
+          <p:cNvPr id="7" name="TextBox 6"/>
+          <p:cNvSpPr txBox="1"/>
+          <p:nvPr/>
+        </p:nvSpPr>
+        <p:spPr>
+          <a:xfrm>
+            <a:off x="3048000" y="1104900"/>
+            <a:ext cx="1293944" cy="369332"/>
+          </a:xfrm>
+          <a:prstGeom prst="rect">
+            <a:avLst/>
+          </a:prstGeom>
+          <a:noFill/>
+        </p:spPr>
+        <p:txBody>
+          <a:bodyPr wrap="none" rtlCol="0">
+            <a:spAutoFit/>
+          </a:bodyPr>
+          <a:lstStyle/>
+          <a:p>
+            <a:r>
+              <a:rPr lang="en-US" dirty="0" smtClean="0"/>
+              <a:t>172.17.0.16</a:t>
+            </a:r>
+            <a:endParaRPr lang="en-US" dirty="0"/>
+          </a:p>
+        </p:txBody>
+      </p:sp>
+      <p:sp>
+        <p:nvSpPr>
+          <p:cNvPr id="8" name="TextBox 7"/>
+          <p:cNvSpPr txBox="1"/>
+          <p:nvPr/>
+        </p:nvSpPr>
+        <p:spPr>
+          <a:xfrm>
+            <a:off x="4572000" y="571500"/>
+            <a:ext cx="2070375" cy="369332"/>
+          </a:xfrm>
+          <a:prstGeom prst="rect">
+            <a:avLst/>
+          </a:prstGeom>
+          <a:noFill/>
+        </p:spPr>
+        <p:txBody>
+          <a:bodyPr wrap="none" rtlCol="0">
+            <a:spAutoFit/>
+          </a:bodyPr>
+          <a:lstStyle/>
+          <a:p>
+            <a:r>
+              <a:rPr lang="en-US" dirty="0" smtClean="0"/>
+              <a:t>172.17.0.1/ docker0</a:t>
+            </a:r>
+            <a:endParaRPr lang="en-US" dirty="0"/>
+          </a:p>
+        </p:txBody>
+      </p:sp>
+      <p:cxnSp>
+        <p:nvCxnSpPr>
+          <p:cNvPr id="10" name="Straight Arrow Connector 9"/>
+          <p:cNvCxnSpPr>
+            <a:stCxn id="8" idx="2"/>
+            <a:endCxn id="7" idx="0"/>
+          </p:cNvCxnSpPr>
+          <p:nvPr/>
+        </p:nvCxnSpPr>
+        <p:spPr>
+          <a:xfrm flipH="1">
+            <a:off x="3694972" y="940832"/>
+            <a:ext cx="1912216" cy="164068"/>
+          </a:xfrm>
+          <a:prstGeom prst="straightConnector1">
+            <a:avLst/>
+          </a:prstGeom>
+          <a:ln>
+            <a:tailEnd type="arrow"/>
+          </a:ln>
+        </p:spPr>
+        <p:style>
+          <a:lnRef idx="1">
+            <a:schemeClr val="accent1"/>
+          </a:lnRef>
+          <a:fillRef idx="0">
+            <a:schemeClr val="accent1"/>
+          </a:fillRef>
+          <a:effectRef idx="0">
+            <a:schemeClr val="accent1"/>
+          </a:effectRef>
+          <a:fontRef idx="minor">
+            <a:schemeClr val="tx1"/>
+          </a:fontRef>
+        </p:style>
+      </p:cxnSp>
+      <p:cxnSp>
+        <p:nvCxnSpPr>
+          <p:cNvPr id="12" name="Straight Arrow Connector 11"/>
+          <p:cNvCxnSpPr>
+            <a:stCxn id="8" idx="2"/>
+            <a:endCxn id="4" idx="1"/>
+          </p:cNvCxnSpPr>
+          <p:nvPr/>
+        </p:nvCxnSpPr>
+        <p:spPr>
+          <a:xfrm>
+            <a:off x="5607188" y="940832"/>
+            <a:ext cx="261668" cy="196334"/>
+          </a:xfrm>
+          <a:prstGeom prst="straightConnector1">
+            <a:avLst/>
+          </a:prstGeom>
+          <a:ln>
+            <a:tailEnd type="arrow"/>
+          </a:ln>
+        </p:spPr>
+        <p:style>
+          <a:lnRef idx="1">
+            <a:schemeClr val="accent1"/>
+          </a:lnRef>
+          <a:fillRef idx="0">
+            <a:schemeClr val="accent1"/>
+          </a:fillRef>
+          <a:effectRef idx="0">
+            <a:schemeClr val="accent1"/>
+          </a:effectRef>
+          <a:fontRef idx="minor">
+            <a:schemeClr val="tx1"/>
+          </a:fontRef>
+        </p:style>
+      </p:cxnSp>
+      <p:sp>
+        <p:nvSpPr>
+          <p:cNvPr id="13" name="Rectangle 12"/>
+          <p:cNvSpPr/>
+          <p:nvPr/>
+        </p:nvSpPr>
+        <p:spPr>
+          <a:xfrm>
+            <a:off x="152400" y="2933700"/>
+            <a:ext cx="1981200" cy="1524000"/>
+          </a:xfrm>
+          <a:prstGeom prst="rect">
+            <a:avLst/>
+          </a:prstGeom>
+          <a:noFill/>
+        </p:spPr>
+        <p:style>
+          <a:lnRef idx="2">
+            <a:schemeClr val="accent1">
+              <a:shade val="50000"/>
+            </a:schemeClr>
+          </a:lnRef>
+          <a:fillRef idx="1">
+            <a:schemeClr val="accent1"/>
+          </a:fillRef>
+          <a:effectRef idx="0">
+            <a:schemeClr val="accent1"/>
+          </a:effectRef>
+          <a:fontRef idx="minor">
+            <a:schemeClr val="lt1"/>
+          </a:fontRef>
+        </p:style>
+        <p:txBody>
+          <a:bodyPr rtlCol="0" anchor="ctr"/>
+          <a:lstStyle/>
+          <a:p>
+            <a:pPr algn="ctr"/>
+            <a:endParaRPr lang="en-US"/>
+          </a:p>
+        </p:txBody>
+      </p:sp>
+      <p:sp>
+        <p:nvSpPr>
+          <p:cNvPr id="14" name="Rectangle 13"/>
+          <p:cNvSpPr/>
+          <p:nvPr/>
+        </p:nvSpPr>
+        <p:spPr>
+          <a:xfrm>
+            <a:off x="228600" y="3009900"/>
+            <a:ext cx="1828800" cy="304800"/>
+          </a:xfrm>
+          <a:prstGeom prst="rect">
+            <a:avLst/>
+          </a:prstGeom>
+        </p:spPr>
+        <p:style>
+          <a:lnRef idx="2">
+            <a:schemeClr val="accent1">
+              <a:shade val="50000"/>
+            </a:schemeClr>
+          </a:lnRef>
+          <a:fillRef idx="1">
+            <a:schemeClr val="accent1"/>
+          </a:fillRef>
+          <a:effectRef idx="0">
+            <a:schemeClr val="accent1"/>
+          </a:effectRef>
+          <a:fontRef idx="minor">
+            <a:schemeClr val="lt1"/>
+          </a:fontRef>
+        </p:style>
+        <p:txBody>
+          <a:bodyPr rtlCol="0" anchor="ctr"/>
+          <a:lstStyle/>
+          <a:p>
+            <a:pPr algn="ctr"/>
+            <a:endParaRPr lang="en-US"/>
+          </a:p>
+        </p:txBody>
+      </p:sp>
+      <p:cxnSp>
+        <p:nvCxnSpPr>
+          <p:cNvPr id="16" name="Straight Arrow Connector 15"/>
+          <p:cNvCxnSpPr>
+            <a:stCxn id="5" idx="2"/>
+          </p:cNvCxnSpPr>
+          <p:nvPr/>
+        </p:nvCxnSpPr>
+        <p:spPr>
+          <a:xfrm flipH="1" flipV="1">
+            <a:off x="2057400" y="2705100"/>
+            <a:ext cx="990600" cy="533400"/>
+          </a:xfrm>
+          <a:prstGeom prst="straightConnector1">
+            <a:avLst/>
+          </a:prstGeom>
+          <a:ln>
+            <a:tailEnd type="arrow"/>
+          </a:ln>
+        </p:spPr>
+        <p:style>
+          <a:lnRef idx="1">
+            <a:schemeClr val="accent1"/>
+          </a:lnRef>
+          <a:fillRef idx="0">
+            <a:schemeClr val="accent1"/>
+          </a:fillRef>
+          <a:effectRef idx="0">
+            <a:schemeClr val="accent1"/>
+          </a:effectRef>
+          <a:fontRef idx="minor">
+            <a:schemeClr val="tx1"/>
+          </a:fontRef>
+        </p:style>
+      </p:cxnSp>
+      <p:sp>
+        <p:nvSpPr>
+          <p:cNvPr id="18" name="Rectangle 17"/>
+          <p:cNvSpPr/>
+          <p:nvPr/>
+        </p:nvSpPr>
+        <p:spPr>
+          <a:xfrm>
+            <a:off x="152400" y="190500"/>
+            <a:ext cx="8839200" cy="5524500"/>
+          </a:xfrm>
+          <a:prstGeom prst="rect">
+            <a:avLst/>
+          </a:prstGeom>
+          <a:noFill/>
+        </p:spPr>
+        <p:style>
+          <a:lnRef idx="2">
+            <a:schemeClr val="accent1">
+              <a:shade val="50000"/>
+            </a:schemeClr>
+          </a:lnRef>
+          <a:fillRef idx="1">
+            <a:schemeClr val="accent1"/>
+          </a:fillRef>
+          <a:effectRef idx="0">
+            <a:schemeClr val="accent1"/>
+          </a:effectRef>
+          <a:fontRef idx="minor">
+            <a:schemeClr val="lt1"/>
+          </a:fontRef>
+        </p:style>
+        <p:txBody>
+          <a:bodyPr rtlCol="0" anchor="ctr"/>
+          <a:lstStyle/>
+          <a:p>
+            <a:pPr algn="ctr"/>
+            <a:endParaRPr lang="en-US"/>
+          </a:p>
+        </p:txBody>
+      </p:sp>
+      <p:sp>
+        <p:nvSpPr>
+          <p:cNvPr id="19" name="TextBox 18"/>
+          <p:cNvSpPr txBox="1"/>
+          <p:nvPr/>
+        </p:nvSpPr>
+        <p:spPr>
+          <a:xfrm>
+            <a:off x="381000" y="495300"/>
+            <a:ext cx="1760418" cy="923330"/>
+          </a:xfrm>
+          <a:prstGeom prst="rect">
+            <a:avLst/>
+          </a:prstGeom>
+          <a:noFill/>
+        </p:spPr>
+        <p:txBody>
+          <a:bodyPr wrap="none" rtlCol="0">
+            <a:spAutoFit/>
+          </a:bodyPr>
+          <a:lstStyle/>
+          <a:p>
+            <a:pPr marL="342900" indent="-342900">
+              <a:buAutoNum type="arabicPeriod"/>
+            </a:pPr>
+            <a:r>
+              <a:rPr lang="en-US" dirty="0" err="1" smtClean="0"/>
+              <a:t>Dns</a:t>
+            </a:r>
+            <a:r>
+              <a:rPr lang="en-US" dirty="0" smtClean="0"/>
+              <a:t> mapping</a:t>
+            </a:r>
+          </a:p>
+          <a:p>
+            <a:pPr marL="342900" indent="-342900">
+              <a:buAutoNum type="arabicPeriod"/>
+            </a:pPr>
+            <a:r>
+              <a:rPr lang="en-US" dirty="0" smtClean="0"/>
+              <a:t>n/w isolation</a:t>
+            </a:r>
+          </a:p>
+          <a:p>
+            <a:pPr marL="342900" indent="-342900">
+              <a:buAutoNum type="arabicPeriod"/>
+            </a:pPr>
+            <a:endParaRPr lang="en-US" dirty="0"/>
+          </a:p>
+        </p:txBody>
+      </p:sp>
+      <p:sp>
+        <p:nvSpPr>
+          <p:cNvPr id="20" name="Oval 19"/>
+          <p:cNvSpPr/>
+          <p:nvPr/>
+        </p:nvSpPr>
+        <p:spPr>
+          <a:xfrm>
+            <a:off x="5715000" y="2857500"/>
+            <a:ext cx="1295400" cy="2743200"/>
+          </a:xfrm>
+          <a:prstGeom prst="ellipse">
+            <a:avLst/>
+          </a:prstGeom>
+        </p:spPr>
+        <p:style>
+          <a:lnRef idx="2">
+            <a:schemeClr val="accent1">
+              <a:shade val="50000"/>
+            </a:schemeClr>
+          </a:lnRef>
+          <a:fillRef idx="1">
+            <a:schemeClr val="accent1"/>
+          </a:fillRef>
+          <a:effectRef idx="0">
+            <a:schemeClr val="accent1"/>
+          </a:effectRef>
+          <a:fontRef idx="minor">
+            <a:schemeClr val="lt1"/>
+          </a:fontRef>
+        </p:style>
+        <p:txBody>
+          <a:bodyPr rtlCol="0" anchor="ctr"/>
+          <a:lstStyle/>
+          <a:p>
+            <a:pPr algn="ctr"/>
+            <a:r>
+              <a:rPr lang="en-US" dirty="0" smtClean="0"/>
+              <a:t>Apache:80</a:t>
+            </a:r>
+          </a:p>
+          <a:p>
+            <a:pPr algn="ctr"/>
+            <a:r>
+              <a:rPr lang="en-US" dirty="0" smtClean="0"/>
+              <a:t>User: root</a:t>
+            </a:r>
+          </a:p>
+          <a:p>
+            <a:pPr algn="ctr"/>
+            <a:r>
+              <a:rPr lang="en-US" dirty="0" err="1" smtClean="0"/>
+              <a:t>Pwd</a:t>
+            </a:r>
+            <a:r>
+              <a:rPr lang="en-US" dirty="0" smtClean="0"/>
+              <a:t>: welcome</a:t>
+            </a:r>
+          </a:p>
+          <a:p>
+            <a:pPr algn="ctr"/>
+            <a:r>
+              <a:rPr lang="en-US" dirty="0" smtClean="0"/>
+              <a:t>Host:172.17.0.15</a:t>
+            </a:r>
+          </a:p>
+          <a:p>
+            <a:pPr algn="ctr"/>
+            <a:r>
+              <a:rPr lang="en-US" dirty="0" smtClean="0"/>
+              <a:t>Port:3306</a:t>
+            </a:r>
+            <a:endParaRPr lang="en-US" dirty="0"/>
+          </a:p>
+        </p:txBody>
+      </p:sp>
+      <p:sp>
+        <p:nvSpPr>
+          <p:cNvPr id="21" name="TextBox 20"/>
+          <p:cNvSpPr txBox="1"/>
+          <p:nvPr/>
+        </p:nvSpPr>
+        <p:spPr>
+          <a:xfrm>
+            <a:off x="6629400" y="3009900"/>
+            <a:ext cx="1293944" cy="369332"/>
+          </a:xfrm>
+          <a:prstGeom prst="rect">
+            <a:avLst/>
+          </a:prstGeom>
+          <a:noFill/>
+        </p:spPr>
+        <p:txBody>
+          <a:bodyPr wrap="none" rtlCol="0">
+            <a:spAutoFit/>
+          </a:bodyPr>
+          <a:lstStyle/>
+          <a:p>
+            <a:r>
+              <a:rPr lang="en-US" dirty="0" smtClean="0"/>
+              <a:t>172.17.0.17</a:t>
+            </a:r>
+            <a:endParaRPr lang="en-US" dirty="0"/>
+          </a:p>
+        </p:txBody>
+      </p:sp>
+      <p:cxnSp>
+        <p:nvCxnSpPr>
+          <p:cNvPr id="23" name="Straight Arrow Connector 22"/>
+          <p:cNvCxnSpPr>
+            <a:stCxn id="20" idx="0"/>
+          </p:cNvCxnSpPr>
+          <p:nvPr/>
+        </p:nvCxnSpPr>
+        <p:spPr>
+          <a:xfrm flipV="1">
+            <a:off x="6362700" y="2628900"/>
+            <a:ext cx="38100" cy="228600"/>
+          </a:xfrm>
+          <a:prstGeom prst="straightConnector1">
+            <a:avLst/>
+          </a:prstGeom>
+          <a:ln>
+            <a:tailEnd type="arrow"/>
+          </a:ln>
+        </p:spPr>
+        <p:style>
+          <a:lnRef idx="1">
+            <a:schemeClr val="accent1"/>
+          </a:lnRef>
+          <a:fillRef idx="0">
+            <a:schemeClr val="accent1"/>
+          </a:fillRef>
+          <a:effectRef idx="0">
+            <a:schemeClr val="accent1"/>
+          </a:effectRef>
+          <a:fontRef idx="minor">
+            <a:schemeClr val="tx1"/>
+          </a:fontRef>
+        </p:style>
+      </p:cxnSp>
+      <p:sp>
+        <p:nvSpPr>
+          <p:cNvPr id="24" name="Cloud 23"/>
+          <p:cNvSpPr/>
+          <p:nvPr/>
+        </p:nvSpPr>
+        <p:spPr>
+          <a:xfrm>
+            <a:off x="2514600" y="876300"/>
+            <a:ext cx="5334000" cy="609600"/>
+          </a:xfrm>
+          <a:prstGeom prst="cloud">
+            <a:avLst/>
+          </a:prstGeom>
+          <a:noFill/>
+        </p:spPr>
+        <p:style>
+          <a:lnRef idx="2">
+            <a:schemeClr val="accent1">
+              <a:shade val="50000"/>
+            </a:schemeClr>
+          </a:lnRef>
+          <a:fillRef idx="1">
+            <a:schemeClr val="accent1"/>
+          </a:fillRef>
+          <a:effectRef idx="0">
+            <a:schemeClr val="accent1"/>
+          </a:effectRef>
+          <a:fontRef idx="minor">
+            <a:schemeClr val="lt1"/>
+          </a:fontRef>
+        </p:style>
+        <p:txBody>
+          <a:bodyPr rtlCol="0" anchor="ctr"/>
+          <a:lstStyle/>
+          <a:p>
+            <a:pPr algn="ctr"/>
+            <a:endParaRPr lang="en-US"/>
+          </a:p>
+        </p:txBody>
+      </p:sp>
+      <p:sp>
+        <p:nvSpPr>
+          <p:cNvPr id="25" name="Cloud 24"/>
+          <p:cNvSpPr/>
+          <p:nvPr/>
+        </p:nvSpPr>
+        <p:spPr>
+          <a:xfrm rot="5400000">
+            <a:off x="3581400" y="2362200"/>
+            <a:ext cx="5334000" cy="609600"/>
+          </a:xfrm>
+          <a:prstGeom prst="cloud">
+            <a:avLst/>
+          </a:prstGeom>
+          <a:noFill/>
+        </p:spPr>
+        <p:style>
+          <a:lnRef idx="2">
+            <a:schemeClr val="accent1">
+              <a:shade val="50000"/>
+            </a:schemeClr>
+          </a:lnRef>
+          <a:fillRef idx="1">
+            <a:schemeClr val="accent1"/>
+          </a:fillRef>
+          <a:effectRef idx="0">
+            <a:schemeClr val="accent1"/>
+          </a:effectRef>
+          <a:fontRef idx="minor">
+            <a:schemeClr val="lt1"/>
+          </a:fontRef>
+        </p:style>
+        <p:txBody>
+          <a:bodyPr rtlCol="0" anchor="ctr"/>
+          <a:lstStyle/>
+          <a:p>
+            <a:pPr algn="ctr"/>
+            <a:endParaRPr lang="en-US"/>
           </a:p>
         </p:txBody>
       </p:sp>
